--- a/ppt/Course5Module01Lesson2.pptx
+++ b/ppt/Course5Module01Lesson2.pptx
@@ -4271,10 +4271,9 @@
         <a:lstStyle/>
         <a:p>
           <a:r>
-            <a:rPr lang="en-US" sz="1600" dirty="0" smtClean="0"/>
+            <a:rPr lang="en-US" sz="1600" dirty="0"/>
             <a:t>Realistic business situation</a:t>
           </a:r>
-          <a:endParaRPr lang="en-US" sz="1600" dirty="0"/>
         </a:p>
       </dgm:t>
     </dgm:pt>
@@ -4308,10 +4307,9 @@
         <a:lstStyle/>
         <a:p>
           <a:r>
-            <a:rPr lang="en-US" sz="1400" dirty="0" smtClean="0"/>
+            <a:rPr lang="en-US" sz="1400" dirty="0"/>
             <a:t>Larger, more complex problems</a:t>
           </a:r>
-          <a:endParaRPr lang="en-US" sz="1400" dirty="0"/>
         </a:p>
       </dgm:t>
     </dgm:pt>
@@ -4345,10 +4343,9 @@
         <a:lstStyle/>
         <a:p>
           <a:r>
-            <a:rPr lang="en-US" sz="1400" dirty="0" smtClean="0"/>
+            <a:rPr lang="en-US" sz="1400" dirty="0"/>
             <a:t>Integrate and extend concepts and skills</a:t>
           </a:r>
-          <a:endParaRPr lang="en-US" sz="1400" dirty="0"/>
         </a:p>
       </dgm:t>
     </dgm:pt>
@@ -4392,35 +4389,14 @@
         </dgm:presLayoutVars>
       </dgm:prSet>
       <dgm:spPr/>
-      <dgm:t>
-        <a:bodyPr/>
-        <a:lstStyle/>
-        <a:p>
-          <a:endParaRPr lang="en-US"/>
-        </a:p>
-      </dgm:t>
     </dgm:pt>
     <dgm:pt modelId="{C9A4D516-AE28-497F-B27A-ECE2A5047BA5}" type="pres">
       <dgm:prSet presAssocID="{2C628341-63FA-4C66-82C7-A0D6BA9CD1B7}" presName="gear1srcNode" presStyleLbl="node1" presStyleIdx="0" presStyleCnt="3"/>
       <dgm:spPr/>
-      <dgm:t>
-        <a:bodyPr/>
-        <a:lstStyle/>
-        <a:p>
-          <a:endParaRPr lang="en-US"/>
-        </a:p>
-      </dgm:t>
     </dgm:pt>
     <dgm:pt modelId="{81140446-672D-46CE-B0E4-3ABA4DE21C6D}" type="pres">
       <dgm:prSet presAssocID="{2C628341-63FA-4C66-82C7-A0D6BA9CD1B7}" presName="gear1dstNode" presStyleLbl="node1" presStyleIdx="0" presStyleCnt="3"/>
       <dgm:spPr/>
-      <dgm:t>
-        <a:bodyPr/>
-        <a:lstStyle/>
-        <a:p>
-          <a:endParaRPr lang="en-US"/>
-        </a:p>
-      </dgm:t>
     </dgm:pt>
     <dgm:pt modelId="{D15B6F4C-9CDC-4B68-98A5-571821B0E58B}" type="pres">
       <dgm:prSet presAssocID="{6385CD6D-8371-47CF-A2DA-8BAC5DF81557}" presName="gear2" presStyleLbl="node1" presStyleIdx="1" presStyleCnt="3">
@@ -4430,46 +4406,18 @@
         </dgm:presLayoutVars>
       </dgm:prSet>
       <dgm:spPr/>
-      <dgm:t>
-        <a:bodyPr/>
-        <a:lstStyle/>
-        <a:p>
-          <a:endParaRPr lang="en-US"/>
-        </a:p>
-      </dgm:t>
     </dgm:pt>
     <dgm:pt modelId="{943347DA-2873-4BD5-B016-80BE7F69979E}" type="pres">
       <dgm:prSet presAssocID="{6385CD6D-8371-47CF-A2DA-8BAC5DF81557}" presName="gear2srcNode" presStyleLbl="node1" presStyleIdx="1" presStyleCnt="3"/>
       <dgm:spPr/>
-      <dgm:t>
-        <a:bodyPr/>
-        <a:lstStyle/>
-        <a:p>
-          <a:endParaRPr lang="en-US"/>
-        </a:p>
-      </dgm:t>
     </dgm:pt>
     <dgm:pt modelId="{32C650D6-78F3-4799-B76F-7325D25183BF}" type="pres">
       <dgm:prSet presAssocID="{6385CD6D-8371-47CF-A2DA-8BAC5DF81557}" presName="gear2dstNode" presStyleLbl="node1" presStyleIdx="1" presStyleCnt="3"/>
       <dgm:spPr/>
-      <dgm:t>
-        <a:bodyPr/>
-        <a:lstStyle/>
-        <a:p>
-          <a:endParaRPr lang="en-US"/>
-        </a:p>
-      </dgm:t>
     </dgm:pt>
     <dgm:pt modelId="{8760AB90-7EA7-400C-89E6-79CE05C6B61A}" type="pres">
       <dgm:prSet presAssocID="{9B88A1C0-A02C-40C9-BE5B-815AC21482DF}" presName="gear3" presStyleLbl="node1" presStyleIdx="2" presStyleCnt="3"/>
       <dgm:spPr/>
-      <dgm:t>
-        <a:bodyPr/>
-        <a:lstStyle/>
-        <a:p>
-          <a:endParaRPr lang="en-US"/>
-        </a:p>
-      </dgm:t>
     </dgm:pt>
     <dgm:pt modelId="{84AFC70D-12A6-416F-9661-982B75690393}" type="pres">
       <dgm:prSet presAssocID="{9B88A1C0-A02C-40C9-BE5B-815AC21482DF}" presName="gear3tx" presStyleLbl="node1" presStyleIdx="2" presStyleCnt="3">
@@ -4479,88 +4427,46 @@
         </dgm:presLayoutVars>
       </dgm:prSet>
       <dgm:spPr/>
-      <dgm:t>
-        <a:bodyPr/>
-        <a:lstStyle/>
-        <a:p>
-          <a:endParaRPr lang="en-US"/>
-        </a:p>
-      </dgm:t>
     </dgm:pt>
     <dgm:pt modelId="{C62374AE-6731-460D-A59E-EA953AEF8BA1}" type="pres">
       <dgm:prSet presAssocID="{9B88A1C0-A02C-40C9-BE5B-815AC21482DF}" presName="gear3srcNode" presStyleLbl="node1" presStyleIdx="2" presStyleCnt="3"/>
       <dgm:spPr/>
-      <dgm:t>
-        <a:bodyPr/>
-        <a:lstStyle/>
-        <a:p>
-          <a:endParaRPr lang="en-US"/>
-        </a:p>
-      </dgm:t>
     </dgm:pt>
     <dgm:pt modelId="{DC3EE854-6479-4DE9-821C-848F99FAC90D}" type="pres">
       <dgm:prSet presAssocID="{9B88A1C0-A02C-40C9-BE5B-815AC21482DF}" presName="gear3dstNode" presStyleLbl="node1" presStyleIdx="2" presStyleCnt="3"/>
       <dgm:spPr/>
-      <dgm:t>
-        <a:bodyPr/>
-        <a:lstStyle/>
-        <a:p>
-          <a:endParaRPr lang="en-US"/>
-        </a:p>
-      </dgm:t>
     </dgm:pt>
     <dgm:pt modelId="{896A460B-4308-4FFD-80C4-926AD15FE818}" type="pres">
       <dgm:prSet presAssocID="{2DCA5FFB-9321-4748-BCDE-98F91B52AE1E}" presName="connector1" presStyleLbl="sibTrans2D1" presStyleIdx="0" presStyleCnt="3"/>
       <dgm:spPr/>
-      <dgm:t>
-        <a:bodyPr/>
-        <a:lstStyle/>
-        <a:p>
-          <a:endParaRPr lang="en-US"/>
-        </a:p>
-      </dgm:t>
     </dgm:pt>
     <dgm:pt modelId="{7A3EF8F9-2724-43FD-B073-562C8D90E451}" type="pres">
       <dgm:prSet presAssocID="{E1292321-6253-4A76-BB33-4A6EBD5A70AC}" presName="connector2" presStyleLbl="sibTrans2D1" presStyleIdx="1" presStyleCnt="3"/>
       <dgm:spPr/>
-      <dgm:t>
-        <a:bodyPr/>
-        <a:lstStyle/>
-        <a:p>
-          <a:endParaRPr lang="en-US"/>
-        </a:p>
-      </dgm:t>
     </dgm:pt>
     <dgm:pt modelId="{8D36A0C2-160A-49A4-AD44-FE70E80A7284}" type="pres">
       <dgm:prSet presAssocID="{FD9AE649-B0FF-46B3-B9C1-2A8D689C80BC}" presName="connector3" presStyleLbl="sibTrans2D1" presStyleIdx="2" presStyleCnt="3"/>
       <dgm:spPr/>
-      <dgm:t>
-        <a:bodyPr/>
-        <a:lstStyle/>
-        <a:p>
-          <a:endParaRPr lang="en-US"/>
-        </a:p>
-      </dgm:t>
     </dgm:pt>
   </dgm:ptLst>
   <dgm:cxnLst>
+    <dgm:cxn modelId="{14178112-C304-44EC-91DF-AFC8922D2D3F}" type="presOf" srcId="{6385CD6D-8371-47CF-A2DA-8BAC5DF81557}" destId="{32C650D6-78F3-4799-B76F-7325D25183BF}" srcOrd="2" destOrd="0" presId="urn:microsoft.com/office/officeart/2005/8/layout/gear1"/>
+    <dgm:cxn modelId="{1FDBD113-6167-4F3D-AAFC-444EFA71971B}" type="presOf" srcId="{9B88A1C0-A02C-40C9-BE5B-815AC21482DF}" destId="{84AFC70D-12A6-416F-9661-982B75690393}" srcOrd="1" destOrd="0" presId="urn:microsoft.com/office/officeart/2005/8/layout/gear1"/>
+    <dgm:cxn modelId="{866FE318-AB94-4B87-A712-98A86D3F35E5}" type="presOf" srcId="{FD9AE649-B0FF-46B3-B9C1-2A8D689C80BC}" destId="{8D36A0C2-160A-49A4-AD44-FE70E80A7284}" srcOrd="0" destOrd="0" presId="urn:microsoft.com/office/officeart/2005/8/layout/gear1"/>
+    <dgm:cxn modelId="{27AFDF3E-ED2D-4604-96F1-A4B812704368}" type="presOf" srcId="{6385CD6D-8371-47CF-A2DA-8BAC5DF81557}" destId="{D15B6F4C-9CDC-4B68-98A5-571821B0E58B}" srcOrd="0" destOrd="0" presId="urn:microsoft.com/office/officeart/2005/8/layout/gear1"/>
+    <dgm:cxn modelId="{F507CF5B-6678-4C71-8760-7B439BFE2937}" srcId="{9843EE2C-2F88-4A26-9ED2-E8391D0AC71A}" destId="{6385CD6D-8371-47CF-A2DA-8BAC5DF81557}" srcOrd="1" destOrd="0" parTransId="{884C7838-82E3-4170-9197-44DDCB47F4CD}" sibTransId="{E1292321-6253-4A76-BB33-4A6EBD5A70AC}"/>
+    <dgm:cxn modelId="{A75FE866-0F27-42B2-8E42-735569F7CDC9}" type="presOf" srcId="{6385CD6D-8371-47CF-A2DA-8BAC5DF81557}" destId="{943347DA-2873-4BD5-B016-80BE7F69979E}" srcOrd="1" destOrd="0" presId="urn:microsoft.com/office/officeart/2005/8/layout/gear1"/>
+    <dgm:cxn modelId="{8728A074-9252-4140-9A00-B78C83F2ED71}" type="presOf" srcId="{9B88A1C0-A02C-40C9-BE5B-815AC21482DF}" destId="{8760AB90-7EA7-400C-89E6-79CE05C6B61A}" srcOrd="0" destOrd="0" presId="urn:microsoft.com/office/officeart/2005/8/layout/gear1"/>
+    <dgm:cxn modelId="{5BD9477B-BB78-44BC-9566-F43A81AF74FD}" srcId="{9843EE2C-2F88-4A26-9ED2-E8391D0AC71A}" destId="{2C628341-63FA-4C66-82C7-A0D6BA9CD1B7}" srcOrd="0" destOrd="0" parTransId="{F85CC4E8-C245-45A3-8935-CE0323026221}" sibTransId="{2DCA5FFB-9321-4748-BCDE-98F91B52AE1E}"/>
+    <dgm:cxn modelId="{92F13E7F-826A-42AE-AA3C-A3BE09CFE773}" srcId="{9843EE2C-2F88-4A26-9ED2-E8391D0AC71A}" destId="{9B88A1C0-A02C-40C9-BE5B-815AC21482DF}" srcOrd="2" destOrd="0" parTransId="{AEEF5F48-D35F-4D51-AB81-A38D6B3886B0}" sibTransId="{FD9AE649-B0FF-46B3-B9C1-2A8D689C80BC}"/>
+    <dgm:cxn modelId="{E8597F91-5FB5-42D6-930E-E9CB194E363D}" type="presOf" srcId="{2C628341-63FA-4C66-82C7-A0D6BA9CD1B7}" destId="{81140446-672D-46CE-B0E4-3ABA4DE21C6D}" srcOrd="2" destOrd="0" presId="urn:microsoft.com/office/officeart/2005/8/layout/gear1"/>
+    <dgm:cxn modelId="{228030A8-7E00-464E-8CA6-E338D7C8A171}" type="presOf" srcId="{9B88A1C0-A02C-40C9-BE5B-815AC21482DF}" destId="{DC3EE854-6479-4DE9-821C-848F99FAC90D}" srcOrd="3" destOrd="0" presId="urn:microsoft.com/office/officeart/2005/8/layout/gear1"/>
+    <dgm:cxn modelId="{F648CCB2-011F-47D2-A3D1-AAFE57BCB825}" type="presOf" srcId="{E1292321-6253-4A76-BB33-4A6EBD5A70AC}" destId="{7A3EF8F9-2724-43FD-B073-562C8D90E451}" srcOrd="0" destOrd="0" presId="urn:microsoft.com/office/officeart/2005/8/layout/gear1"/>
+    <dgm:cxn modelId="{CD3114CC-0569-4DF8-A12B-2105F7B020A5}" type="presOf" srcId="{9B88A1C0-A02C-40C9-BE5B-815AC21482DF}" destId="{C62374AE-6731-460D-A59E-EA953AEF8BA1}" srcOrd="2" destOrd="0" presId="urn:microsoft.com/office/officeart/2005/8/layout/gear1"/>
     <dgm:cxn modelId="{919BB7DB-CE38-4D3E-AE41-55C425E62DB1}" type="presOf" srcId="{2C628341-63FA-4C66-82C7-A0D6BA9CD1B7}" destId="{C9A4D516-AE28-497F-B27A-ECE2A5047BA5}" srcOrd="1" destOrd="0" presId="urn:microsoft.com/office/officeart/2005/8/layout/gear1"/>
+    <dgm:cxn modelId="{00F8A1E0-F1AB-4C3D-989C-BD4A265B1852}" type="presOf" srcId="{2DCA5FFB-9321-4748-BCDE-98F91B52AE1E}" destId="{896A460B-4308-4FFD-80C4-926AD15FE818}" srcOrd="0" destOrd="0" presId="urn:microsoft.com/office/officeart/2005/8/layout/gear1"/>
+    <dgm:cxn modelId="{AB00FDE9-EDBD-4289-9335-2EFFE3FAD74C}" type="presOf" srcId="{9843EE2C-2F88-4A26-9ED2-E8391D0AC71A}" destId="{13F6342B-7AB1-4071-B02C-090C94399670}" srcOrd="0" destOrd="0" presId="urn:microsoft.com/office/officeart/2005/8/layout/gear1"/>
     <dgm:cxn modelId="{8CBB45FE-B813-467F-A8BD-656C86DFE1FA}" type="presOf" srcId="{2C628341-63FA-4C66-82C7-A0D6BA9CD1B7}" destId="{0EB08D41-F108-4CE6-881C-18B14394C0AB}" srcOrd="0" destOrd="0" presId="urn:microsoft.com/office/officeart/2005/8/layout/gear1"/>
-    <dgm:cxn modelId="{27AFDF3E-ED2D-4604-96F1-A4B812704368}" type="presOf" srcId="{6385CD6D-8371-47CF-A2DA-8BAC5DF81557}" destId="{D15B6F4C-9CDC-4B68-98A5-571821B0E58B}" srcOrd="0" destOrd="0" presId="urn:microsoft.com/office/officeart/2005/8/layout/gear1"/>
-    <dgm:cxn modelId="{CD3114CC-0569-4DF8-A12B-2105F7B020A5}" type="presOf" srcId="{9B88A1C0-A02C-40C9-BE5B-815AC21482DF}" destId="{C62374AE-6731-460D-A59E-EA953AEF8BA1}" srcOrd="2" destOrd="0" presId="urn:microsoft.com/office/officeart/2005/8/layout/gear1"/>
-    <dgm:cxn modelId="{228030A8-7E00-464E-8CA6-E338D7C8A171}" type="presOf" srcId="{9B88A1C0-A02C-40C9-BE5B-815AC21482DF}" destId="{DC3EE854-6479-4DE9-821C-848F99FAC90D}" srcOrd="3" destOrd="0" presId="urn:microsoft.com/office/officeart/2005/8/layout/gear1"/>
-    <dgm:cxn modelId="{92F13E7F-826A-42AE-AA3C-A3BE09CFE773}" srcId="{9843EE2C-2F88-4A26-9ED2-E8391D0AC71A}" destId="{9B88A1C0-A02C-40C9-BE5B-815AC21482DF}" srcOrd="2" destOrd="0" parTransId="{AEEF5F48-D35F-4D51-AB81-A38D6B3886B0}" sibTransId="{FD9AE649-B0FF-46B3-B9C1-2A8D689C80BC}"/>
-    <dgm:cxn modelId="{1FDBD113-6167-4F3D-AAFC-444EFA71971B}" type="presOf" srcId="{9B88A1C0-A02C-40C9-BE5B-815AC21482DF}" destId="{84AFC70D-12A6-416F-9661-982B75690393}" srcOrd="1" destOrd="0" presId="urn:microsoft.com/office/officeart/2005/8/layout/gear1"/>
-    <dgm:cxn modelId="{A75FE866-0F27-42B2-8E42-735569F7CDC9}" type="presOf" srcId="{6385CD6D-8371-47CF-A2DA-8BAC5DF81557}" destId="{943347DA-2873-4BD5-B016-80BE7F69979E}" srcOrd="1" destOrd="0" presId="urn:microsoft.com/office/officeart/2005/8/layout/gear1"/>
-    <dgm:cxn modelId="{866FE318-AB94-4B87-A712-98A86D3F35E5}" type="presOf" srcId="{FD9AE649-B0FF-46B3-B9C1-2A8D689C80BC}" destId="{8D36A0C2-160A-49A4-AD44-FE70E80A7284}" srcOrd="0" destOrd="0" presId="urn:microsoft.com/office/officeart/2005/8/layout/gear1"/>
-    <dgm:cxn modelId="{F507CF5B-6678-4C71-8760-7B439BFE2937}" srcId="{9843EE2C-2F88-4A26-9ED2-E8391D0AC71A}" destId="{6385CD6D-8371-47CF-A2DA-8BAC5DF81557}" srcOrd="1" destOrd="0" parTransId="{884C7838-82E3-4170-9197-44DDCB47F4CD}" sibTransId="{E1292321-6253-4A76-BB33-4A6EBD5A70AC}"/>
-    <dgm:cxn modelId="{F648CCB2-011F-47D2-A3D1-AAFE57BCB825}" type="presOf" srcId="{E1292321-6253-4A76-BB33-4A6EBD5A70AC}" destId="{7A3EF8F9-2724-43FD-B073-562C8D90E451}" srcOrd="0" destOrd="0" presId="urn:microsoft.com/office/officeart/2005/8/layout/gear1"/>
-    <dgm:cxn modelId="{E8597F91-5FB5-42D6-930E-E9CB194E363D}" type="presOf" srcId="{2C628341-63FA-4C66-82C7-A0D6BA9CD1B7}" destId="{81140446-672D-46CE-B0E4-3ABA4DE21C6D}" srcOrd="2" destOrd="0" presId="urn:microsoft.com/office/officeart/2005/8/layout/gear1"/>
-    <dgm:cxn modelId="{00F8A1E0-F1AB-4C3D-989C-BD4A265B1852}" type="presOf" srcId="{2DCA5FFB-9321-4748-BCDE-98F91B52AE1E}" destId="{896A460B-4308-4FFD-80C4-926AD15FE818}" srcOrd="0" destOrd="0" presId="urn:microsoft.com/office/officeart/2005/8/layout/gear1"/>
-    <dgm:cxn modelId="{5BD9477B-BB78-44BC-9566-F43A81AF74FD}" srcId="{9843EE2C-2F88-4A26-9ED2-E8391D0AC71A}" destId="{2C628341-63FA-4C66-82C7-A0D6BA9CD1B7}" srcOrd="0" destOrd="0" parTransId="{F85CC4E8-C245-45A3-8935-CE0323026221}" sibTransId="{2DCA5FFB-9321-4748-BCDE-98F91B52AE1E}"/>
-    <dgm:cxn modelId="{14178112-C304-44EC-91DF-AFC8922D2D3F}" type="presOf" srcId="{6385CD6D-8371-47CF-A2DA-8BAC5DF81557}" destId="{32C650D6-78F3-4799-B76F-7325D25183BF}" srcOrd="2" destOrd="0" presId="urn:microsoft.com/office/officeart/2005/8/layout/gear1"/>
-    <dgm:cxn modelId="{AB00FDE9-EDBD-4289-9335-2EFFE3FAD74C}" type="presOf" srcId="{9843EE2C-2F88-4A26-9ED2-E8391D0AC71A}" destId="{13F6342B-7AB1-4071-B02C-090C94399670}" srcOrd="0" destOrd="0" presId="urn:microsoft.com/office/officeart/2005/8/layout/gear1"/>
-    <dgm:cxn modelId="{8728A074-9252-4140-9A00-B78C83F2ED71}" type="presOf" srcId="{9B88A1C0-A02C-40C9-BE5B-815AC21482DF}" destId="{8760AB90-7EA7-400C-89E6-79CE05C6B61A}" srcOrd="0" destOrd="0" presId="urn:microsoft.com/office/officeart/2005/8/layout/gear1"/>
     <dgm:cxn modelId="{019ED484-7C5B-45A6-89B7-5F8EBBC60410}" type="presParOf" srcId="{13F6342B-7AB1-4071-B02C-090C94399670}" destId="{0EB08D41-F108-4CE6-881C-18B14394C0AB}" srcOrd="0" destOrd="0" presId="urn:microsoft.com/office/officeart/2005/8/layout/gear1"/>
     <dgm:cxn modelId="{F9EA43AF-F288-4EAB-AE91-CDF1885E7879}" type="presParOf" srcId="{13F6342B-7AB1-4071-B02C-090C94399670}" destId="{C9A4D516-AE28-497F-B27A-ECE2A5047BA5}" srcOrd="1" destOrd="0" presId="urn:microsoft.com/office/officeart/2005/8/layout/gear1"/>
     <dgm:cxn modelId="{B9343E50-153A-4A2F-B8CC-E84F6FE31BD2}" type="presParOf" srcId="{13F6342B-7AB1-4071-B02C-090C94399670}" destId="{81140446-672D-46CE-B0E4-3ABA4DE21C6D}" srcOrd="2" destOrd="0" presId="urn:microsoft.com/office/officeart/2005/8/layout/gear1"/>
@@ -4607,10 +4513,9 @@
         <a:lstStyle/>
         <a:p>
           <a:r>
-            <a:rPr lang="en-US" sz="1400" b="1" dirty="0" smtClean="0"/>
+            <a:rPr lang="en-US" sz="1400" b="1" dirty="0"/>
             <a:t>Module 2</a:t>
           </a:r>
-          <a:endParaRPr lang="en-US" sz="1400" b="1" dirty="0"/>
         </a:p>
       </dgm:t>
     </dgm:pt>
@@ -4644,10 +4549,9 @@
         <a:lstStyle/>
         <a:p>
           <a:r>
-            <a:rPr lang="en-US" sz="1400" b="1" dirty="0" smtClean="0"/>
+            <a:rPr lang="en-US" sz="1400" b="1" dirty="0"/>
             <a:t>Module 3</a:t>
           </a:r>
-          <a:endParaRPr lang="en-US" sz="1400" b="1" dirty="0"/>
         </a:p>
       </dgm:t>
     </dgm:pt>
@@ -4681,10 +4585,9 @@
         <a:lstStyle/>
         <a:p>
           <a:r>
-            <a:rPr lang="en-US" sz="1300" dirty="0" smtClean="0"/>
+            <a:rPr lang="en-US" sz="1300" dirty="0"/>
             <a:t>Business situation for data integration</a:t>
           </a:r>
-          <a:endParaRPr lang="en-US" sz="1300" dirty="0"/>
         </a:p>
       </dgm:t>
     </dgm:pt>
@@ -4718,7 +4621,7 @@
         <a:lstStyle/>
         <a:p>
           <a:r>
-            <a:rPr lang="en-US" sz="1400" b="1" dirty="0" smtClean="0"/>
+            <a:rPr lang="en-US" sz="1400" b="1" dirty="0"/>
             <a:t>Module 4</a:t>
           </a:r>
         </a:p>
@@ -4754,10 +4657,9 @@
         <a:lstStyle/>
         <a:p>
           <a:r>
-            <a:rPr lang="en-US" sz="1300" dirty="0" smtClean="0"/>
+            <a:rPr lang="en-US" sz="1300" dirty="0"/>
             <a:t>Business situation for analytical queries and materialized views</a:t>
           </a:r>
-          <a:endParaRPr lang="en-US" sz="1300" dirty="0"/>
         </a:p>
       </dgm:t>
     </dgm:pt>
@@ -4791,10 +4693,9 @@
         <a:lstStyle/>
         <a:p>
           <a:r>
-            <a:rPr lang="en-US" sz="1400" dirty="0" smtClean="0"/>
+            <a:rPr lang="en-US" sz="1400" dirty="0"/>
             <a:t>Reporting needs</a:t>
           </a:r>
-          <a:endParaRPr lang="en-US" sz="1400" dirty="0"/>
         </a:p>
       </dgm:t>
     </dgm:pt>
@@ -4828,10 +4729,9 @@
         <a:lstStyle/>
         <a:p>
           <a:r>
-            <a:rPr lang="en-US" sz="1300" dirty="0" smtClean="0"/>
+            <a:rPr lang="en-US" sz="1300" dirty="0"/>
             <a:t>Workflow extensions</a:t>
           </a:r>
-          <a:endParaRPr lang="en-US" sz="1300" dirty="0"/>
         </a:p>
       </dgm:t>
     </dgm:pt>
@@ -4865,10 +4765,9 @@
         <a:lstStyle/>
         <a:p>
           <a:r>
-            <a:rPr lang="en-US" sz="1300" dirty="0" smtClean="0"/>
+            <a:rPr lang="en-US" sz="1300" dirty="0"/>
             <a:t>Summary data requirements</a:t>
           </a:r>
-          <a:endParaRPr lang="en-US" sz="1300" dirty="0"/>
         </a:p>
       </dgm:t>
     </dgm:pt>
@@ -4902,10 +4801,9 @@
         <a:lstStyle/>
         <a:p>
           <a:r>
-            <a:rPr lang="en-US" sz="1400" b="1" dirty="0" smtClean="0"/>
+            <a:rPr lang="en-US" sz="1400" b="1" dirty="0"/>
             <a:t>Module 5</a:t>
           </a:r>
-          <a:endParaRPr lang="en-US" sz="1400" b="1" dirty="0"/>
         </a:p>
       </dgm:t>
     </dgm:pt>
@@ -4939,10 +4837,9 @@
         <a:lstStyle/>
         <a:p>
           <a:r>
-            <a:rPr lang="en-US" sz="1300" dirty="0" smtClean="0"/>
+            <a:rPr lang="en-US" sz="1300" dirty="0"/>
             <a:t>Visualization requirements</a:t>
           </a:r>
-          <a:endParaRPr lang="en-US" sz="1300" dirty="0"/>
         </a:p>
       </dgm:t>
     </dgm:pt>
@@ -4976,10 +4873,9 @@
         <a:lstStyle/>
         <a:p>
           <a:r>
-            <a:rPr lang="en-US" sz="1300" dirty="0" smtClean="0"/>
+            <a:rPr lang="en-US" sz="1300" dirty="0"/>
             <a:t>Analytical query requirements</a:t>
           </a:r>
-          <a:endParaRPr lang="en-US" sz="1300" dirty="0"/>
         </a:p>
       </dgm:t>
     </dgm:pt>
@@ -5013,10 +4909,9 @@
         <a:lstStyle/>
         <a:p>
           <a:r>
-            <a:rPr lang="en-US" sz="1300" dirty="0" smtClean="0"/>
+            <a:rPr lang="en-US" sz="1300" dirty="0"/>
             <a:t>Change data processing requirements</a:t>
           </a:r>
-          <a:endParaRPr lang="en-US" sz="1300" dirty="0"/>
         </a:p>
       </dgm:t>
     </dgm:pt>
@@ -5050,10 +4945,9 @@
         <a:lstStyle/>
         <a:p>
           <a:r>
-            <a:rPr lang="en-US" sz="1300" dirty="0" smtClean="0"/>
+            <a:rPr lang="en-US" sz="1300" dirty="0"/>
             <a:t>Business situation for dashboard and reporting</a:t>
           </a:r>
-          <a:endParaRPr lang="en-US" sz="1300" dirty="0"/>
         </a:p>
       </dgm:t>
     </dgm:pt>
@@ -5087,10 +4981,9 @@
         <a:lstStyle/>
         <a:p>
           <a:r>
-            <a:rPr lang="en-US" sz="1300" dirty="0" smtClean="0"/>
+            <a:rPr lang="en-US" sz="1300" dirty="0"/>
             <a:t>Dashboard requirements</a:t>
           </a:r>
-          <a:endParaRPr lang="en-US" sz="1300" dirty="0"/>
         </a:p>
       </dgm:t>
     </dgm:pt>
@@ -5124,10 +5017,9 @@
         <a:lstStyle/>
         <a:p>
           <a:r>
-            <a:rPr lang="en-US" sz="1400" b="1" dirty="0" smtClean="0"/>
+            <a:rPr lang="en-US" sz="1400" b="1" dirty="0"/>
             <a:t>Module 1</a:t>
           </a:r>
-          <a:endParaRPr lang="en-US" sz="1400" b="1" dirty="0"/>
         </a:p>
       </dgm:t>
     </dgm:pt>
@@ -5161,10 +5053,9 @@
         <a:lstStyle/>
         <a:p>
           <a:r>
-            <a:rPr lang="en-US" sz="1400" b="0" dirty="0" smtClean="0"/>
+            <a:rPr lang="en-US" sz="1400" b="0" dirty="0"/>
             <a:t>Course background</a:t>
           </a:r>
-          <a:endParaRPr lang="en-US" sz="1400" b="0" dirty="0"/>
         </a:p>
       </dgm:t>
     </dgm:pt>
@@ -5198,10 +5089,9 @@
         <a:lstStyle/>
         <a:p>
           <a:r>
-            <a:rPr lang="en-US" sz="1400" b="0" dirty="0" smtClean="0"/>
+            <a:rPr lang="en-US" sz="1400" b="0" dirty="0"/>
             <a:t>Organization background</a:t>
           </a:r>
-          <a:endParaRPr lang="en-US" sz="1400" b="0" dirty="0"/>
         </a:p>
       </dgm:t>
     </dgm:pt>
@@ -5235,10 +5125,9 @@
         <a:lstStyle/>
         <a:p>
           <a:r>
-            <a:rPr lang="en-US" sz="1400" b="0" dirty="0" smtClean="0"/>
+            <a:rPr lang="en-US" sz="1400" b="0" dirty="0"/>
             <a:t>Software requirements</a:t>
           </a:r>
-          <a:endParaRPr lang="en-US" sz="1400" b="0" dirty="0"/>
         </a:p>
       </dgm:t>
     </dgm:pt>
@@ -5272,10 +5161,9 @@
         <a:lstStyle/>
         <a:p>
           <a:r>
-            <a:rPr lang="en-US" sz="1400" dirty="0" smtClean="0"/>
+            <a:rPr lang="en-US" sz="1400" dirty="0"/>
             <a:t>Business situation for data warehouse design</a:t>
           </a:r>
-          <a:endParaRPr lang="en-US" sz="1400" dirty="0"/>
         </a:p>
       </dgm:t>
     </dgm:pt>
@@ -5309,10 +5197,9 @@
         <a:lstStyle/>
         <a:p>
           <a:r>
-            <a:rPr lang="en-US" sz="1400" dirty="0" smtClean="0"/>
+            <a:rPr lang="en-US" sz="1400" dirty="0"/>
             <a:t>Data source requirements</a:t>
           </a:r>
-          <a:endParaRPr lang="en-US" sz="1400" dirty="0"/>
         </a:p>
       </dgm:t>
     </dgm:pt>
@@ -5347,24 +5234,10 @@
         </dgm:presLayoutVars>
       </dgm:prSet>
       <dgm:spPr/>
-      <dgm:t>
-        <a:bodyPr/>
-        <a:lstStyle/>
-        <a:p>
-          <a:endParaRPr lang="en-US"/>
-        </a:p>
-      </dgm:t>
     </dgm:pt>
     <dgm:pt modelId="{865CF366-73AD-4F96-90AA-F67C9B54A76B}" type="pres">
       <dgm:prSet presAssocID="{4532C24C-C402-4F1A-8EA5-5EC58CC6CF0A}" presName="composite" presStyleCnt="0"/>
       <dgm:spPr/>
-      <dgm:t>
-        <a:bodyPr/>
-        <a:lstStyle/>
-        <a:p>
-          <a:endParaRPr lang="en-US"/>
-        </a:p>
-      </dgm:t>
     </dgm:pt>
     <dgm:pt modelId="{9A8C30BC-74D7-448B-839C-CF123A3291D1}" type="pres">
       <dgm:prSet presAssocID="{4532C24C-C402-4F1A-8EA5-5EC58CC6CF0A}" presName="parentText" presStyleLbl="alignNode1" presStyleIdx="0" presStyleCnt="5">
@@ -5374,13 +5247,6 @@
         </dgm:presLayoutVars>
       </dgm:prSet>
       <dgm:spPr/>
-      <dgm:t>
-        <a:bodyPr/>
-        <a:lstStyle/>
-        <a:p>
-          <a:endParaRPr lang="en-US"/>
-        </a:p>
-      </dgm:t>
     </dgm:pt>
     <dgm:pt modelId="{474106D1-5188-467A-B243-A18890F41C58}" type="pres">
       <dgm:prSet presAssocID="{4532C24C-C402-4F1A-8EA5-5EC58CC6CF0A}" presName="descendantText" presStyleLbl="alignAcc1" presStyleIdx="0" presStyleCnt="5">
@@ -5389,35 +5255,14 @@
         </dgm:presLayoutVars>
       </dgm:prSet>
       <dgm:spPr/>
-      <dgm:t>
-        <a:bodyPr/>
-        <a:lstStyle/>
-        <a:p>
-          <a:endParaRPr lang="en-US"/>
-        </a:p>
-      </dgm:t>
     </dgm:pt>
     <dgm:pt modelId="{8C2C3407-C463-4D33-9E09-7D3FEAF25DC5}" type="pres">
       <dgm:prSet presAssocID="{0DB023D8-9BDC-48A7-8EA1-8B6F581F6CBE}" presName="sp" presStyleCnt="0"/>
       <dgm:spPr/>
-      <dgm:t>
-        <a:bodyPr/>
-        <a:lstStyle/>
-        <a:p>
-          <a:endParaRPr lang="en-US"/>
-        </a:p>
-      </dgm:t>
     </dgm:pt>
     <dgm:pt modelId="{F59D4697-8244-46B4-9B55-333A135EB92B}" type="pres">
       <dgm:prSet presAssocID="{CCEDA262-701A-49E9-843E-2F91CBD96B18}" presName="composite" presStyleCnt="0"/>
       <dgm:spPr/>
-      <dgm:t>
-        <a:bodyPr/>
-        <a:lstStyle/>
-        <a:p>
-          <a:endParaRPr lang="en-US"/>
-        </a:p>
-      </dgm:t>
     </dgm:pt>
     <dgm:pt modelId="{8E695158-925F-4100-A265-044852A9B78B}" type="pres">
       <dgm:prSet presAssocID="{CCEDA262-701A-49E9-843E-2F91CBD96B18}" presName="parentText" presStyleLbl="alignNode1" presStyleIdx="1" presStyleCnt="5">
@@ -5427,13 +5272,6 @@
         </dgm:presLayoutVars>
       </dgm:prSet>
       <dgm:spPr/>
-      <dgm:t>
-        <a:bodyPr/>
-        <a:lstStyle/>
-        <a:p>
-          <a:endParaRPr lang="en-US"/>
-        </a:p>
-      </dgm:t>
     </dgm:pt>
     <dgm:pt modelId="{1752602B-0EEA-47DD-B882-BBF3D4D151CA}" type="pres">
       <dgm:prSet presAssocID="{CCEDA262-701A-49E9-843E-2F91CBD96B18}" presName="descendantText" presStyleLbl="alignAcc1" presStyleIdx="1" presStyleCnt="5">
@@ -5442,35 +5280,14 @@
         </dgm:presLayoutVars>
       </dgm:prSet>
       <dgm:spPr/>
-      <dgm:t>
-        <a:bodyPr/>
-        <a:lstStyle/>
-        <a:p>
-          <a:endParaRPr lang="en-US"/>
-        </a:p>
-      </dgm:t>
     </dgm:pt>
     <dgm:pt modelId="{0366F74C-8C8A-4973-8A48-9C5130DE71EE}" type="pres">
       <dgm:prSet presAssocID="{5869FB42-CF2E-4381-B66A-8FCF3C7F0EC6}" presName="sp" presStyleCnt="0"/>
       <dgm:spPr/>
-      <dgm:t>
-        <a:bodyPr/>
-        <a:lstStyle/>
-        <a:p>
-          <a:endParaRPr lang="en-US"/>
-        </a:p>
-      </dgm:t>
     </dgm:pt>
     <dgm:pt modelId="{11FC6BA7-192B-4F25-9546-55C812C7A4B0}" type="pres">
       <dgm:prSet presAssocID="{C0587642-EC76-4387-814D-5CF4A0FCF2C3}" presName="composite" presStyleCnt="0"/>
       <dgm:spPr/>
-      <dgm:t>
-        <a:bodyPr/>
-        <a:lstStyle/>
-        <a:p>
-          <a:endParaRPr lang="en-US"/>
-        </a:p>
-      </dgm:t>
     </dgm:pt>
     <dgm:pt modelId="{732D4F04-44D3-4FB2-9B8E-72DAFA7D21C2}" type="pres">
       <dgm:prSet presAssocID="{C0587642-EC76-4387-814D-5CF4A0FCF2C3}" presName="parentText" presStyleLbl="alignNode1" presStyleIdx="2" presStyleCnt="5">
@@ -5480,13 +5297,6 @@
         </dgm:presLayoutVars>
       </dgm:prSet>
       <dgm:spPr/>
-      <dgm:t>
-        <a:bodyPr/>
-        <a:lstStyle/>
-        <a:p>
-          <a:endParaRPr lang="en-US"/>
-        </a:p>
-      </dgm:t>
     </dgm:pt>
     <dgm:pt modelId="{8D0404CD-4F1B-40E6-82F7-398FCB6AF22D}" type="pres">
       <dgm:prSet presAssocID="{C0587642-EC76-4387-814D-5CF4A0FCF2C3}" presName="descendantText" presStyleLbl="alignAcc1" presStyleIdx="2" presStyleCnt="5">
@@ -5495,35 +5305,14 @@
         </dgm:presLayoutVars>
       </dgm:prSet>
       <dgm:spPr/>
-      <dgm:t>
-        <a:bodyPr/>
-        <a:lstStyle/>
-        <a:p>
-          <a:endParaRPr lang="en-US"/>
-        </a:p>
-      </dgm:t>
     </dgm:pt>
     <dgm:pt modelId="{982E2419-3756-4546-93ED-01B782C2347C}" type="pres">
       <dgm:prSet presAssocID="{6209CFFB-6744-479C-A39C-27B649862792}" presName="sp" presStyleCnt="0"/>
       <dgm:spPr/>
-      <dgm:t>
-        <a:bodyPr/>
-        <a:lstStyle/>
-        <a:p>
-          <a:endParaRPr lang="en-US"/>
-        </a:p>
-      </dgm:t>
     </dgm:pt>
     <dgm:pt modelId="{5152A415-BCE2-43BC-A8CB-871633E42EAB}" type="pres">
       <dgm:prSet presAssocID="{5ABAB481-377F-4BEB-BF35-249B478B8362}" presName="composite" presStyleCnt="0"/>
       <dgm:spPr/>
-      <dgm:t>
-        <a:bodyPr/>
-        <a:lstStyle/>
-        <a:p>
-          <a:endParaRPr lang="en-US"/>
-        </a:p>
-      </dgm:t>
     </dgm:pt>
     <dgm:pt modelId="{F6E330A7-8B6E-46AD-AB5B-7C692DCC62F6}" type="pres">
       <dgm:prSet presAssocID="{5ABAB481-377F-4BEB-BF35-249B478B8362}" presName="parentText" presStyleLbl="alignNode1" presStyleIdx="3" presStyleCnt="5">
@@ -5533,13 +5322,6 @@
         </dgm:presLayoutVars>
       </dgm:prSet>
       <dgm:spPr/>
-      <dgm:t>
-        <a:bodyPr/>
-        <a:lstStyle/>
-        <a:p>
-          <a:endParaRPr lang="en-US"/>
-        </a:p>
-      </dgm:t>
     </dgm:pt>
     <dgm:pt modelId="{D7E15983-0420-462B-84B1-57AE5B0D393B}" type="pres">
       <dgm:prSet presAssocID="{5ABAB481-377F-4BEB-BF35-249B478B8362}" presName="descendantText" presStyleLbl="alignAcc1" presStyleIdx="3" presStyleCnt="5" custScaleY="134215">
@@ -5548,35 +5330,14 @@
         </dgm:presLayoutVars>
       </dgm:prSet>
       <dgm:spPr/>
-      <dgm:t>
-        <a:bodyPr/>
-        <a:lstStyle/>
-        <a:p>
-          <a:endParaRPr lang="en-US"/>
-        </a:p>
-      </dgm:t>
     </dgm:pt>
     <dgm:pt modelId="{44126D11-30FD-458D-8561-0EE028656F92}" type="pres">
       <dgm:prSet presAssocID="{35695666-55B5-4ECD-A186-DF940C396CD6}" presName="sp" presStyleCnt="0"/>
       <dgm:spPr/>
-      <dgm:t>
-        <a:bodyPr/>
-        <a:lstStyle/>
-        <a:p>
-          <a:endParaRPr lang="en-US"/>
-        </a:p>
-      </dgm:t>
     </dgm:pt>
     <dgm:pt modelId="{3D0158E1-E70D-43B2-B0E2-C064B5CFA039}" type="pres">
       <dgm:prSet presAssocID="{A36D8211-DC2F-4E89-A5F0-F43318069ED7}" presName="composite" presStyleCnt="0"/>
       <dgm:spPr/>
-      <dgm:t>
-        <a:bodyPr/>
-        <a:lstStyle/>
-        <a:p>
-          <a:endParaRPr lang="en-US"/>
-        </a:p>
-      </dgm:t>
     </dgm:pt>
     <dgm:pt modelId="{952DFBB5-8E3B-467F-B4D7-5BB14A7463E4}" type="pres">
       <dgm:prSet presAssocID="{A36D8211-DC2F-4E89-A5F0-F43318069ED7}" presName="parentText" presStyleLbl="alignNode1" presStyleIdx="4" presStyleCnt="5">
@@ -5586,13 +5347,6 @@
         </dgm:presLayoutVars>
       </dgm:prSet>
       <dgm:spPr/>
-      <dgm:t>
-        <a:bodyPr/>
-        <a:lstStyle/>
-        <a:p>
-          <a:endParaRPr lang="en-US"/>
-        </a:p>
-      </dgm:t>
     </dgm:pt>
     <dgm:pt modelId="{D25B9AF0-1D41-4965-BF1F-EF9BB2C167CC}" type="pres">
       <dgm:prSet presAssocID="{A36D8211-DC2F-4E89-A5F0-F43318069ED7}" presName="descendantText" presStyleLbl="alignAcc1" presStyleIdx="4" presStyleCnt="5">
@@ -5601,57 +5355,50 @@
         </dgm:presLayoutVars>
       </dgm:prSet>
       <dgm:spPr/>
-      <dgm:t>
-        <a:bodyPr/>
-        <a:lstStyle/>
-        <a:p>
-          <a:endParaRPr lang="en-US"/>
-        </a:p>
-      </dgm:t>
     </dgm:pt>
   </dgm:ptLst>
   <dgm:cxnLst>
-    <dgm:cxn modelId="{A44678F1-B4CA-4CB5-8CFC-2C59827A9D42}" srcId="{CCEDA262-701A-49E9-843E-2F91CBD96B18}" destId="{41DB7D03-CA22-4E86-8E50-C85D3AB3BF0F}" srcOrd="0" destOrd="0" parTransId="{B028DBEC-0C42-4C9E-961A-CCC6E32B1B87}" sibTransId="{4311592B-82E9-45CC-B957-B5D02AC7C002}"/>
-    <dgm:cxn modelId="{C0B12BBB-CFEB-4FA3-9B60-08865671647E}" srcId="{5ABAB481-377F-4BEB-BF35-249B478B8362}" destId="{EB0D93B7-3A45-4675-A39F-D915B894FB26}" srcOrd="0" destOrd="0" parTransId="{1099FEDC-42F6-44EE-9F67-FDAD4CA5F828}" sibTransId="{E7E0B054-5E8E-45F1-8D14-B617A09F3700}"/>
+    <dgm:cxn modelId="{36CBAE08-B56D-4BFF-B6DE-14FCED0CF01D}" srcId="{5ABAB481-377F-4BEB-BF35-249B478B8362}" destId="{240B6966-B6BB-498F-807D-341555E53B6E}" srcOrd="2" destOrd="0" parTransId="{C85B9430-0B24-404B-BC46-562DEA0E2EED}" sibTransId="{056A1383-6C76-472D-9855-5C023D39C058}"/>
+    <dgm:cxn modelId="{900C140B-441F-4647-88B4-0E861785C092}" srcId="{C0587642-EC76-4387-814D-5CF4A0FCF2C3}" destId="{485BAE40-7747-49D5-A638-A6C2D33E7389}" srcOrd="1" destOrd="0" parTransId="{F25C1FE4-C03D-4DB6-B76F-D69FDBD67BF5}" sibTransId="{BB212B19-A6D9-4D7E-BC61-E23E0D20F4E4}"/>
+    <dgm:cxn modelId="{B781AA17-6D38-4942-8BC8-1D8D94488D7F}" type="presOf" srcId="{CCEDA262-701A-49E9-843E-2F91CBD96B18}" destId="{8E695158-925F-4100-A265-044852A9B78B}" srcOrd="0" destOrd="0" presId="urn:microsoft.com/office/officeart/2005/8/layout/chevron2"/>
     <dgm:cxn modelId="{8DEE251A-6EC6-4292-86FD-640D6BC1D441}" type="presOf" srcId="{B8CB2785-E6AF-4C12-A276-1D491E982B86}" destId="{8D0404CD-4F1B-40E6-82F7-398FCB6AF22D}" srcOrd="0" destOrd="0" presId="urn:microsoft.com/office/officeart/2005/8/layout/chevron2"/>
-    <dgm:cxn modelId="{5AB45BC6-05D2-4613-8D21-4DA1F0CAFABC}" srcId="{A36D8211-DC2F-4E89-A5F0-F43318069ED7}" destId="{F312CDB2-3EC8-48E3-903F-46CC577358D4}" srcOrd="2" destOrd="0" parTransId="{4989CA34-DD5A-46B8-8DB4-648F4A3E5B9E}" sibTransId="{01D5CDC5-B26F-457B-970E-7E890F404C12}"/>
-    <dgm:cxn modelId="{EB9ED9D3-21BA-4382-9B8B-6E5F9361C33F}" type="presOf" srcId="{8D9229D6-F8BE-433D-A9EC-20E24CB442C9}" destId="{8D0404CD-4F1B-40E6-82F7-398FCB6AF22D}" srcOrd="0" destOrd="2" presId="urn:microsoft.com/office/officeart/2005/8/layout/chevron2"/>
+    <dgm:cxn modelId="{8AC39223-A57F-4B51-AEF9-0763C025C0CC}" srcId="{B7EE2B1C-A623-4AEB-AB40-1461B60EF5FE}" destId="{A36D8211-DC2F-4E89-A5F0-F43318069ED7}" srcOrd="4" destOrd="0" parTransId="{4B09D614-B05B-4444-8B7C-6CCE82867193}" sibTransId="{A147E930-B730-47B4-BEEC-9437EEFAFD05}"/>
+    <dgm:cxn modelId="{F6934C37-8E71-4A8F-BA76-63826C51941F}" type="presOf" srcId="{EB0D93B7-3A45-4675-A39F-D915B894FB26}" destId="{D7E15983-0420-462B-84B1-57AE5B0D393B}" srcOrd="0" destOrd="0" presId="urn:microsoft.com/office/officeart/2005/8/layout/chevron2"/>
+    <dgm:cxn modelId="{D105E43D-0F63-44A8-839E-CAC31C6F3E54}" type="presOf" srcId="{B24D8B12-CC8D-42AD-B2E7-166263252BFB}" destId="{D25B9AF0-1D41-4965-BF1F-EF9BB2C167CC}" srcOrd="0" destOrd="0" presId="urn:microsoft.com/office/officeart/2005/8/layout/chevron2"/>
+    <dgm:cxn modelId="{F9B10E40-DE1F-49EB-858B-B893AC1A54AA}" srcId="{B7EE2B1C-A623-4AEB-AB40-1461B60EF5FE}" destId="{CCEDA262-701A-49E9-843E-2F91CBD96B18}" srcOrd="1" destOrd="0" parTransId="{71E3A2B6-7BDF-4EC7-AD4D-288A37CA3C0C}" sibTransId="{5869FB42-CF2E-4381-B66A-8FCF3C7F0EC6}"/>
+    <dgm:cxn modelId="{B2941961-D12E-45BD-B114-3ABD7CC81C9B}" type="presOf" srcId="{A4B1A56F-8398-45EE-A322-DF3619A4E03D}" destId="{1752602B-0EEA-47DD-B882-BBF3D4D151CA}" srcOrd="0" destOrd="2" presId="urn:microsoft.com/office/officeart/2005/8/layout/chevron2"/>
+    <dgm:cxn modelId="{90240565-7DE7-4481-BAE1-B21265D48ABB}" srcId="{A36D8211-DC2F-4E89-A5F0-F43318069ED7}" destId="{B24D8B12-CC8D-42AD-B2E7-166263252BFB}" srcOrd="0" destOrd="0" parTransId="{5CD4C075-9F6C-4372-8851-E74910B523D9}" sibTransId="{CBDA2F6D-DFD6-43AB-81A7-F7A025CFC1A3}"/>
+    <dgm:cxn modelId="{83BE0A49-87C6-4120-9101-3FFE8431246A}" type="presOf" srcId="{D26677E2-8402-4483-B19D-573D20B83957}" destId="{474106D1-5188-467A-B243-A18890F41C58}" srcOrd="0" destOrd="2" presId="urn:microsoft.com/office/officeart/2005/8/layout/chevron2"/>
+    <dgm:cxn modelId="{5CEDBD6D-B415-4C81-88A9-97BD246960A9}" type="presOf" srcId="{A36D8211-DC2F-4E89-A5F0-F43318069ED7}" destId="{952DFBB5-8E3B-467F-B4D7-5BB14A7463E4}" srcOrd="0" destOrd="0" presId="urn:microsoft.com/office/officeart/2005/8/layout/chevron2"/>
+    <dgm:cxn modelId="{E7E94670-B3F2-4A3E-976C-6AA1A1F6A508}" srcId="{4532C24C-C402-4F1A-8EA5-5EC58CC6CF0A}" destId="{AD957265-B6AD-41B8-A5A7-A280210ACCAC}" srcOrd="0" destOrd="0" parTransId="{000A318A-CD2B-4B30-8059-4BE251681407}" sibTransId="{06110175-6D0D-4E97-B509-85DD0DBA9E00}"/>
+    <dgm:cxn modelId="{D560DE50-852F-4809-89F5-A97797FDD887}" type="presOf" srcId="{AD957265-B6AD-41B8-A5A7-A280210ACCAC}" destId="{474106D1-5188-467A-B243-A18890F41C58}" srcOrd="0" destOrd="0" presId="urn:microsoft.com/office/officeart/2005/8/layout/chevron2"/>
+    <dgm:cxn modelId="{E3AC8452-F113-472E-87DF-1344BD073ACB}" type="presOf" srcId="{F312CDB2-3EC8-48E3-903F-46CC577358D4}" destId="{D25B9AF0-1D41-4965-BF1F-EF9BB2C167CC}" srcOrd="0" destOrd="2" presId="urn:microsoft.com/office/officeart/2005/8/layout/chevron2"/>
+    <dgm:cxn modelId="{3ABB1E53-C9B9-449F-B4C5-6A750321246C}" type="presOf" srcId="{4DFF05D9-E2E3-4086-854B-C95B7044EDD0}" destId="{D25B9AF0-1D41-4965-BF1F-EF9BB2C167CC}" srcOrd="0" destOrd="1" presId="urn:microsoft.com/office/officeart/2005/8/layout/chevron2"/>
+    <dgm:cxn modelId="{59EAC758-113F-4DFF-A71F-31903CB7EAAD}" srcId="{A36D8211-DC2F-4E89-A5F0-F43318069ED7}" destId="{4DFF05D9-E2E3-4086-854B-C95B7044EDD0}" srcOrd="1" destOrd="0" parTransId="{2C923383-53B3-4935-87D9-AC92667C454F}" sibTransId="{A9F728DA-C441-411D-BAF9-0807706D32B6}"/>
+    <dgm:cxn modelId="{D7C7AB86-4EEB-49F8-9BF4-5119D9401245}" type="presOf" srcId="{0CB57088-5D77-4566-9282-644125453B6C}" destId="{D7E15983-0420-462B-84B1-57AE5B0D393B}" srcOrd="0" destOrd="1" presId="urn:microsoft.com/office/officeart/2005/8/layout/chevron2"/>
+    <dgm:cxn modelId="{B1E5128D-F05A-4B65-875E-51397681370D}" type="presOf" srcId="{41DB7D03-CA22-4E86-8E50-C85D3AB3BF0F}" destId="{1752602B-0EEA-47DD-B882-BBF3D4D151CA}" srcOrd="0" destOrd="0" presId="urn:microsoft.com/office/officeart/2005/8/layout/chevron2"/>
+    <dgm:cxn modelId="{8AD5C88D-0144-4F65-8EB1-753E860B0BAC}" srcId="{B7EE2B1C-A623-4AEB-AB40-1461B60EF5FE}" destId="{5ABAB481-377F-4BEB-BF35-249B478B8362}" srcOrd="3" destOrd="0" parTransId="{81B8BA37-5967-4195-947A-C32004A44B9C}" sibTransId="{35695666-55B5-4ECD-A186-DF940C396CD6}"/>
     <dgm:cxn modelId="{FB0DEB98-8F5C-4A2B-9C68-5AEFDD4C6921}" type="presOf" srcId="{4532C24C-C402-4F1A-8EA5-5EC58CC6CF0A}" destId="{9A8C30BC-74D7-448B-839C-CF123A3291D1}" srcOrd="0" destOrd="0" presId="urn:microsoft.com/office/officeart/2005/8/layout/chevron2"/>
+    <dgm:cxn modelId="{B51A49A0-0EBD-4135-8966-C582F6B3CECB}" srcId="{C0587642-EC76-4387-814D-5CF4A0FCF2C3}" destId="{8D9229D6-F8BE-433D-A9EC-20E24CB442C9}" srcOrd="2" destOrd="0" parTransId="{37FAA03D-1250-487C-996E-17F3016C9E01}" sibTransId="{F542DD85-6756-40CC-8771-34D0EDF5601A}"/>
+    <dgm:cxn modelId="{F96D67A4-9BA9-46A8-8FAB-B63620D954AC}" srcId="{B7EE2B1C-A623-4AEB-AB40-1461B60EF5FE}" destId="{4532C24C-C402-4F1A-8EA5-5EC58CC6CF0A}" srcOrd="0" destOrd="0" parTransId="{D98D8989-095D-4FA5-86E7-144B2532055E}" sibTransId="{0DB023D8-9BDC-48A7-8EA1-8B6F581F6CBE}"/>
+    <dgm:cxn modelId="{4D5AABA8-A334-482D-840D-7827D4A2CB22}" srcId="{CCEDA262-701A-49E9-843E-2F91CBD96B18}" destId="{A4B1A56F-8398-45EE-A322-DF3619A4E03D}" srcOrd="2" destOrd="0" parTransId="{415263C8-57DB-429B-BC63-20D10F1E3AA7}" sibTransId="{B3A8BA18-77E0-41F7-9F25-449A46FF1837}"/>
+    <dgm:cxn modelId="{6E18CDAF-1E32-49EC-B5C1-2AD03746DC8C}" srcId="{B7EE2B1C-A623-4AEB-AB40-1461B60EF5FE}" destId="{C0587642-EC76-4387-814D-5CF4A0FCF2C3}" srcOrd="2" destOrd="0" parTransId="{77B643AB-9341-4B85-846E-8A45597C228C}" sibTransId="{6209CFFB-6744-479C-A39C-27B649862792}"/>
     <dgm:cxn modelId="{59419DB5-A33A-45CE-8A6E-0709BD548AA9}" srcId="{4532C24C-C402-4F1A-8EA5-5EC58CC6CF0A}" destId="{D26677E2-8402-4483-B19D-573D20B83957}" srcOrd="2" destOrd="0" parTransId="{2A24F030-AA86-47E9-8F2A-DC2E2BEA79C1}" sibTransId="{6762229E-C665-447D-995B-F5ACB2C1F2DB}"/>
     <dgm:cxn modelId="{5DA6EDB8-36F5-457A-9156-E452223D6244}" type="presOf" srcId="{485BAE40-7747-49D5-A638-A6C2D33E7389}" destId="{8D0404CD-4F1B-40E6-82F7-398FCB6AF22D}" srcOrd="0" destOrd="1" presId="urn:microsoft.com/office/officeart/2005/8/layout/chevron2"/>
-    <dgm:cxn modelId="{83BE0A49-87C6-4120-9101-3FFE8431246A}" type="presOf" srcId="{D26677E2-8402-4483-B19D-573D20B83957}" destId="{474106D1-5188-467A-B243-A18890F41C58}" srcOrd="0" destOrd="2" presId="urn:microsoft.com/office/officeart/2005/8/layout/chevron2"/>
-    <dgm:cxn modelId="{B1E5128D-F05A-4B65-875E-51397681370D}" type="presOf" srcId="{41DB7D03-CA22-4E86-8E50-C85D3AB3BF0F}" destId="{1752602B-0EEA-47DD-B882-BBF3D4D151CA}" srcOrd="0" destOrd="0" presId="urn:microsoft.com/office/officeart/2005/8/layout/chevron2"/>
-    <dgm:cxn modelId="{5CEDBD6D-B415-4C81-88A9-97BD246960A9}" type="presOf" srcId="{A36D8211-DC2F-4E89-A5F0-F43318069ED7}" destId="{952DFBB5-8E3B-467F-B4D7-5BB14A7463E4}" srcOrd="0" destOrd="0" presId="urn:microsoft.com/office/officeart/2005/8/layout/chevron2"/>
-    <dgm:cxn modelId="{B2941961-D12E-45BD-B114-3ABD7CC81C9B}" type="presOf" srcId="{A4B1A56F-8398-45EE-A322-DF3619A4E03D}" destId="{1752602B-0EEA-47DD-B882-BBF3D4D151CA}" srcOrd="0" destOrd="2" presId="urn:microsoft.com/office/officeart/2005/8/layout/chevron2"/>
-    <dgm:cxn modelId="{36CBAE08-B56D-4BFF-B6DE-14FCED0CF01D}" srcId="{5ABAB481-377F-4BEB-BF35-249B478B8362}" destId="{240B6966-B6BB-498F-807D-341555E53B6E}" srcOrd="2" destOrd="0" parTransId="{C85B9430-0B24-404B-BC46-562DEA0E2EED}" sibTransId="{056A1383-6C76-472D-9855-5C023D39C058}"/>
+    <dgm:cxn modelId="{C0B12BBB-CFEB-4FA3-9B60-08865671647E}" srcId="{5ABAB481-377F-4BEB-BF35-249B478B8362}" destId="{EB0D93B7-3A45-4675-A39F-D915B894FB26}" srcOrd="0" destOrd="0" parTransId="{1099FEDC-42F6-44EE-9F67-FDAD4CA5F828}" sibTransId="{E7E0B054-5E8E-45F1-8D14-B617A09F3700}"/>
+    <dgm:cxn modelId="{5AB45BC6-05D2-4613-8D21-4DA1F0CAFABC}" srcId="{A36D8211-DC2F-4E89-A5F0-F43318069ED7}" destId="{F312CDB2-3EC8-48E3-903F-46CC577358D4}" srcOrd="2" destOrd="0" parTransId="{4989CA34-DD5A-46B8-8DB4-648F4A3E5B9E}" sibTransId="{01D5CDC5-B26F-457B-970E-7E890F404C12}"/>
+    <dgm:cxn modelId="{2CB7CBD3-FF9E-433D-9FCB-B9C1D1104170}" type="presOf" srcId="{B7EE2B1C-A623-4AEB-AB40-1461B60EF5FE}" destId="{93A5B16A-9F5B-40B8-A176-D77052F5D348}" srcOrd="0" destOrd="0" presId="urn:microsoft.com/office/officeart/2005/8/layout/chevron2"/>
+    <dgm:cxn modelId="{EB9ED9D3-21BA-4382-9B8B-6E5F9361C33F}" type="presOf" srcId="{8D9229D6-F8BE-433D-A9EC-20E24CB442C9}" destId="{8D0404CD-4F1B-40E6-82F7-398FCB6AF22D}" srcOrd="0" destOrd="2" presId="urn:microsoft.com/office/officeart/2005/8/layout/chevron2"/>
+    <dgm:cxn modelId="{F0AAA6D7-0ACA-473D-A89E-5E62A99E5F75}" type="presOf" srcId="{5ABAB481-377F-4BEB-BF35-249B478B8362}" destId="{F6E330A7-8B6E-46AD-AB5B-7C692DCC62F6}" srcOrd="0" destOrd="0" presId="urn:microsoft.com/office/officeart/2005/8/layout/chevron2"/>
+    <dgm:cxn modelId="{D6225EE1-90D2-4451-A8C9-9F88B93EC477}" type="presOf" srcId="{240B6966-B6BB-498F-807D-341555E53B6E}" destId="{D7E15983-0420-462B-84B1-57AE5B0D393B}" srcOrd="0" destOrd="2" presId="urn:microsoft.com/office/officeart/2005/8/layout/chevron2"/>
+    <dgm:cxn modelId="{718873E4-6EBF-4593-AB2A-449DA1EFF4CB}" type="presOf" srcId="{3C2FAF9D-7C7A-4A64-AC60-D7F4F3CC6F47}" destId="{474106D1-5188-467A-B243-A18890F41C58}" srcOrd="0" destOrd="1" presId="urn:microsoft.com/office/officeart/2005/8/layout/chevron2"/>
+    <dgm:cxn modelId="{7AC0A0E9-8C6B-451A-8868-AC2A6AADB165}" type="presOf" srcId="{C0587642-EC76-4387-814D-5CF4A0FCF2C3}" destId="{732D4F04-44D3-4FB2-9B8E-72DAFA7D21C2}" srcOrd="0" destOrd="0" presId="urn:microsoft.com/office/officeart/2005/8/layout/chevron2"/>
+    <dgm:cxn modelId="{7080D1E9-32C3-4E5D-A8A7-6051021E53F2}" srcId="{4532C24C-C402-4F1A-8EA5-5EC58CC6CF0A}" destId="{3C2FAF9D-7C7A-4A64-AC60-D7F4F3CC6F47}" srcOrd="1" destOrd="0" parTransId="{9DD1A68D-821B-49E3-B455-E72A99426F15}" sibTransId="{E396F814-0B10-49D2-A0B4-28BA99830162}"/>
+    <dgm:cxn modelId="{0DA961F0-7D1C-4687-8AD5-6403E3A1665F}" srcId="{5ABAB481-377F-4BEB-BF35-249B478B8362}" destId="{0CB57088-5D77-4566-9282-644125453B6C}" srcOrd="1" destOrd="0" parTransId="{1D591105-AB2C-436D-A624-39A1AB8163E3}" sibTransId="{B48C7429-B3E2-4958-9C2B-DD824816914A}"/>
+    <dgm:cxn modelId="{A44678F1-B4CA-4CB5-8CFC-2C59827A9D42}" srcId="{CCEDA262-701A-49E9-843E-2F91CBD96B18}" destId="{41DB7D03-CA22-4E86-8E50-C85D3AB3BF0F}" srcOrd="0" destOrd="0" parTransId="{B028DBEC-0C42-4C9E-961A-CCC6E32B1B87}" sibTransId="{4311592B-82E9-45CC-B957-B5D02AC7C002}"/>
     <dgm:cxn modelId="{78546FF2-F890-494A-8D21-917060599BE0}" srcId="{CCEDA262-701A-49E9-843E-2F91CBD96B18}" destId="{45C94C1E-979E-47EB-BD52-489EFE2B515F}" srcOrd="1" destOrd="0" parTransId="{D156E1EA-F96E-4E29-AA2F-BB270A595F31}" sibTransId="{E530DBA2-E7ED-4403-BDF4-8F89770380F3}"/>
-    <dgm:cxn modelId="{B781AA17-6D38-4942-8BC8-1D8D94488D7F}" type="presOf" srcId="{CCEDA262-701A-49E9-843E-2F91CBD96B18}" destId="{8E695158-925F-4100-A265-044852A9B78B}" srcOrd="0" destOrd="0" presId="urn:microsoft.com/office/officeart/2005/8/layout/chevron2"/>
-    <dgm:cxn modelId="{F9B10E40-DE1F-49EB-858B-B893AC1A54AA}" srcId="{B7EE2B1C-A623-4AEB-AB40-1461B60EF5FE}" destId="{CCEDA262-701A-49E9-843E-2F91CBD96B18}" srcOrd="1" destOrd="0" parTransId="{71E3A2B6-7BDF-4EC7-AD4D-288A37CA3C0C}" sibTransId="{5869FB42-CF2E-4381-B66A-8FCF3C7F0EC6}"/>
-    <dgm:cxn modelId="{59EAC758-113F-4DFF-A71F-31903CB7EAAD}" srcId="{A36D8211-DC2F-4E89-A5F0-F43318069ED7}" destId="{4DFF05D9-E2E3-4086-854B-C95B7044EDD0}" srcOrd="1" destOrd="0" parTransId="{2C923383-53B3-4935-87D9-AC92667C454F}" sibTransId="{A9F728DA-C441-411D-BAF9-0807706D32B6}"/>
-    <dgm:cxn modelId="{D6225EE1-90D2-4451-A8C9-9F88B93EC477}" type="presOf" srcId="{240B6966-B6BB-498F-807D-341555E53B6E}" destId="{D7E15983-0420-462B-84B1-57AE5B0D393B}" srcOrd="0" destOrd="2" presId="urn:microsoft.com/office/officeart/2005/8/layout/chevron2"/>
-    <dgm:cxn modelId="{900C140B-441F-4647-88B4-0E861785C092}" srcId="{C0587642-EC76-4387-814D-5CF4A0FCF2C3}" destId="{485BAE40-7747-49D5-A638-A6C2D33E7389}" srcOrd="1" destOrd="0" parTransId="{F25C1FE4-C03D-4DB6-B76F-D69FDBD67BF5}" sibTransId="{BB212B19-A6D9-4D7E-BC61-E23E0D20F4E4}"/>
-    <dgm:cxn modelId="{B51A49A0-0EBD-4135-8966-C582F6B3CECB}" srcId="{C0587642-EC76-4387-814D-5CF4A0FCF2C3}" destId="{8D9229D6-F8BE-433D-A9EC-20E24CB442C9}" srcOrd="2" destOrd="0" parTransId="{37FAA03D-1250-487C-996E-17F3016C9E01}" sibTransId="{F542DD85-6756-40CC-8771-34D0EDF5601A}"/>
-    <dgm:cxn modelId="{6E18CDAF-1E32-49EC-B5C1-2AD03746DC8C}" srcId="{B7EE2B1C-A623-4AEB-AB40-1461B60EF5FE}" destId="{C0587642-EC76-4387-814D-5CF4A0FCF2C3}" srcOrd="2" destOrd="0" parTransId="{77B643AB-9341-4B85-846E-8A45597C228C}" sibTransId="{6209CFFB-6744-479C-A39C-27B649862792}"/>
-    <dgm:cxn modelId="{D7C7AB86-4EEB-49F8-9BF4-5119D9401245}" type="presOf" srcId="{0CB57088-5D77-4566-9282-644125453B6C}" destId="{D7E15983-0420-462B-84B1-57AE5B0D393B}" srcOrd="0" destOrd="1" presId="urn:microsoft.com/office/officeart/2005/8/layout/chevron2"/>
-    <dgm:cxn modelId="{E7E94670-B3F2-4A3E-976C-6AA1A1F6A508}" srcId="{4532C24C-C402-4F1A-8EA5-5EC58CC6CF0A}" destId="{AD957265-B6AD-41B8-A5A7-A280210ACCAC}" srcOrd="0" destOrd="0" parTransId="{000A318A-CD2B-4B30-8059-4BE251681407}" sibTransId="{06110175-6D0D-4E97-B509-85DD0DBA9E00}"/>
-    <dgm:cxn modelId="{2CB7CBD3-FF9E-433D-9FCB-B9C1D1104170}" type="presOf" srcId="{B7EE2B1C-A623-4AEB-AB40-1461B60EF5FE}" destId="{93A5B16A-9F5B-40B8-A176-D77052F5D348}" srcOrd="0" destOrd="0" presId="urn:microsoft.com/office/officeart/2005/8/layout/chevron2"/>
-    <dgm:cxn modelId="{90240565-7DE7-4481-BAE1-B21265D48ABB}" srcId="{A36D8211-DC2F-4E89-A5F0-F43318069ED7}" destId="{B24D8B12-CC8D-42AD-B2E7-166263252BFB}" srcOrd="0" destOrd="0" parTransId="{5CD4C075-9F6C-4372-8851-E74910B523D9}" sibTransId="{CBDA2F6D-DFD6-43AB-81A7-F7A025CFC1A3}"/>
-    <dgm:cxn modelId="{3ABB1E53-C9B9-449F-B4C5-6A750321246C}" type="presOf" srcId="{4DFF05D9-E2E3-4086-854B-C95B7044EDD0}" destId="{D25B9AF0-1D41-4965-BF1F-EF9BB2C167CC}" srcOrd="0" destOrd="1" presId="urn:microsoft.com/office/officeart/2005/8/layout/chevron2"/>
-    <dgm:cxn modelId="{4D5AABA8-A334-482D-840D-7827D4A2CB22}" srcId="{CCEDA262-701A-49E9-843E-2F91CBD96B18}" destId="{A4B1A56F-8398-45EE-A322-DF3619A4E03D}" srcOrd="2" destOrd="0" parTransId="{415263C8-57DB-429B-BC63-20D10F1E3AA7}" sibTransId="{B3A8BA18-77E0-41F7-9F25-449A46FF1837}"/>
-    <dgm:cxn modelId="{D560DE50-852F-4809-89F5-A97797FDD887}" type="presOf" srcId="{AD957265-B6AD-41B8-A5A7-A280210ACCAC}" destId="{474106D1-5188-467A-B243-A18890F41C58}" srcOrd="0" destOrd="0" presId="urn:microsoft.com/office/officeart/2005/8/layout/chevron2"/>
     <dgm:cxn modelId="{0305A1F6-5A05-4A0B-A3E5-96E80F0AEB71}" srcId="{C0587642-EC76-4387-814D-5CF4A0FCF2C3}" destId="{B8CB2785-E6AF-4C12-A276-1D491E982B86}" srcOrd="0" destOrd="0" parTransId="{99CCF010-83B8-4406-A8AB-6233A2F23FCD}" sibTransId="{68963141-F13B-4FA9-8C63-61FDB008CD0A}"/>
     <dgm:cxn modelId="{CF4207FB-6C8A-4180-AAAE-BEFA09A1501C}" type="presOf" srcId="{45C94C1E-979E-47EB-BD52-489EFE2B515F}" destId="{1752602B-0EEA-47DD-B882-BBF3D4D151CA}" srcOrd="0" destOrd="1" presId="urn:microsoft.com/office/officeart/2005/8/layout/chevron2"/>
-    <dgm:cxn modelId="{F96D67A4-9BA9-46A8-8FAB-B63620D954AC}" srcId="{B7EE2B1C-A623-4AEB-AB40-1461B60EF5FE}" destId="{4532C24C-C402-4F1A-8EA5-5EC58CC6CF0A}" srcOrd="0" destOrd="0" parTransId="{D98D8989-095D-4FA5-86E7-144B2532055E}" sibTransId="{0DB023D8-9BDC-48A7-8EA1-8B6F581F6CBE}"/>
-    <dgm:cxn modelId="{7080D1E9-32C3-4E5D-A8A7-6051021E53F2}" srcId="{4532C24C-C402-4F1A-8EA5-5EC58CC6CF0A}" destId="{3C2FAF9D-7C7A-4A64-AC60-D7F4F3CC6F47}" srcOrd="1" destOrd="0" parTransId="{9DD1A68D-821B-49E3-B455-E72A99426F15}" sibTransId="{E396F814-0B10-49D2-A0B4-28BA99830162}"/>
-    <dgm:cxn modelId="{F0AAA6D7-0ACA-473D-A89E-5E62A99E5F75}" type="presOf" srcId="{5ABAB481-377F-4BEB-BF35-249B478B8362}" destId="{F6E330A7-8B6E-46AD-AB5B-7C692DCC62F6}" srcOrd="0" destOrd="0" presId="urn:microsoft.com/office/officeart/2005/8/layout/chevron2"/>
-    <dgm:cxn modelId="{E3AC8452-F113-472E-87DF-1344BD073ACB}" type="presOf" srcId="{F312CDB2-3EC8-48E3-903F-46CC577358D4}" destId="{D25B9AF0-1D41-4965-BF1F-EF9BB2C167CC}" srcOrd="0" destOrd="2" presId="urn:microsoft.com/office/officeart/2005/8/layout/chevron2"/>
-    <dgm:cxn modelId="{8AD5C88D-0144-4F65-8EB1-753E860B0BAC}" srcId="{B7EE2B1C-A623-4AEB-AB40-1461B60EF5FE}" destId="{5ABAB481-377F-4BEB-BF35-249B478B8362}" srcOrd="3" destOrd="0" parTransId="{81B8BA37-5967-4195-947A-C32004A44B9C}" sibTransId="{35695666-55B5-4ECD-A186-DF940C396CD6}"/>
-    <dgm:cxn modelId="{0DA961F0-7D1C-4687-8AD5-6403E3A1665F}" srcId="{5ABAB481-377F-4BEB-BF35-249B478B8362}" destId="{0CB57088-5D77-4566-9282-644125453B6C}" srcOrd="1" destOrd="0" parTransId="{1D591105-AB2C-436D-A624-39A1AB8163E3}" sibTransId="{B48C7429-B3E2-4958-9C2B-DD824816914A}"/>
-    <dgm:cxn modelId="{8AC39223-A57F-4B51-AEF9-0763C025C0CC}" srcId="{B7EE2B1C-A623-4AEB-AB40-1461B60EF5FE}" destId="{A36D8211-DC2F-4E89-A5F0-F43318069ED7}" srcOrd="4" destOrd="0" parTransId="{4B09D614-B05B-4444-8B7C-6CCE82867193}" sibTransId="{A147E930-B730-47B4-BEEC-9437EEFAFD05}"/>
-    <dgm:cxn modelId="{D105E43D-0F63-44A8-839E-CAC31C6F3E54}" type="presOf" srcId="{B24D8B12-CC8D-42AD-B2E7-166263252BFB}" destId="{D25B9AF0-1D41-4965-BF1F-EF9BB2C167CC}" srcOrd="0" destOrd="0" presId="urn:microsoft.com/office/officeart/2005/8/layout/chevron2"/>
-    <dgm:cxn modelId="{718873E4-6EBF-4593-AB2A-449DA1EFF4CB}" type="presOf" srcId="{3C2FAF9D-7C7A-4A64-AC60-D7F4F3CC6F47}" destId="{474106D1-5188-467A-B243-A18890F41C58}" srcOrd="0" destOrd="1" presId="urn:microsoft.com/office/officeart/2005/8/layout/chevron2"/>
-    <dgm:cxn modelId="{7AC0A0E9-8C6B-451A-8868-AC2A6AADB165}" type="presOf" srcId="{C0587642-EC76-4387-814D-5CF4A0FCF2C3}" destId="{732D4F04-44D3-4FB2-9B8E-72DAFA7D21C2}" srcOrd="0" destOrd="0" presId="urn:microsoft.com/office/officeart/2005/8/layout/chevron2"/>
-    <dgm:cxn modelId="{F6934C37-8E71-4A8F-BA76-63826C51941F}" type="presOf" srcId="{EB0D93B7-3A45-4675-A39F-D915B894FB26}" destId="{D7E15983-0420-462B-84B1-57AE5B0D393B}" srcOrd="0" destOrd="0" presId="urn:microsoft.com/office/officeart/2005/8/layout/chevron2"/>
     <dgm:cxn modelId="{F079BB8F-B53A-49EC-98B9-DF6C0D5E7B22}" type="presParOf" srcId="{93A5B16A-9F5B-40B8-A176-D77052F5D348}" destId="{865CF366-73AD-4F96-90AA-F67C9B54A76B}" srcOrd="0" destOrd="0" presId="urn:microsoft.com/office/officeart/2005/8/layout/chevron2"/>
     <dgm:cxn modelId="{2A712651-A7F3-47B5-BD10-915C2F97BC1A}" type="presParOf" srcId="{865CF366-73AD-4F96-90AA-F67C9B54A76B}" destId="{9A8C30BC-74D7-448B-839C-CF123A3291D1}" srcOrd="0" destOrd="0" presId="urn:microsoft.com/office/officeart/2005/8/layout/chevron2"/>
     <dgm:cxn modelId="{0C35F41F-B19B-4463-BF04-A3DDA8D81293}" type="presParOf" srcId="{865CF366-73AD-4F96-90AA-F67C9B54A76B}" destId="{474106D1-5188-467A-B243-A18890F41C58}" srcOrd="1" destOrd="0" presId="urn:microsoft.com/office/officeart/2005/8/layout/chevron2"/>
@@ -5704,10 +5451,9 @@
         <a:lstStyle/>
         <a:p>
           <a:r>
-            <a:rPr lang="en-US" dirty="0" smtClean="0"/>
+            <a:rPr lang="en-US" dirty="0"/>
             <a:t>Context for each module</a:t>
           </a:r>
-          <a:endParaRPr lang="en-US" dirty="0"/>
         </a:p>
       </dgm:t>
     </dgm:pt>
@@ -5741,10 +5487,9 @@
         <a:lstStyle/>
         <a:p>
           <a:r>
-            <a:rPr lang="en-US" dirty="0" smtClean="0"/>
+            <a:rPr lang="en-US" dirty="0"/>
             <a:t>Executive interviews</a:t>
           </a:r>
-          <a:endParaRPr lang="en-US" dirty="0"/>
         </a:p>
       </dgm:t>
     </dgm:pt>
@@ -5778,10 +5523,9 @@
         <a:lstStyle/>
         <a:p>
           <a:r>
-            <a:rPr lang="en-US" dirty="0" smtClean="0"/>
+            <a:rPr lang="en-US" dirty="0"/>
             <a:t>Case background</a:t>
           </a:r>
-          <a:endParaRPr lang="en-US" dirty="0"/>
         </a:p>
       </dgm:t>
     </dgm:pt>
@@ -5815,10 +5559,9 @@
         <a:lstStyle/>
         <a:p>
           <a:r>
-            <a:rPr lang="en-US" dirty="0" smtClean="0"/>
+            <a:rPr lang="en-US" dirty="0"/>
             <a:t>Perspectives from external organizations</a:t>
           </a:r>
-          <a:endParaRPr lang="en-US" dirty="0"/>
         </a:p>
       </dgm:t>
     </dgm:pt>
@@ -5853,13 +5596,6 @@
         </dgm:presLayoutVars>
       </dgm:prSet>
       <dgm:spPr/>
-      <dgm:t>
-        <a:bodyPr/>
-        <a:lstStyle/>
-        <a:p>
-          <a:endParaRPr lang="en-US"/>
-        </a:p>
-      </dgm:t>
     </dgm:pt>
     <dgm:pt modelId="{FE9B9400-77DA-4101-8B53-E7232FE44839}" type="pres">
       <dgm:prSet presAssocID="{5B2105B1-8822-4916-BC5F-53384E690CB2}" presName="parentLin" presStyleCnt="0"/>
@@ -5868,13 +5604,6 @@
     <dgm:pt modelId="{9E872B4C-F853-45D9-AECF-E1196482DA14}" type="pres">
       <dgm:prSet presAssocID="{5B2105B1-8822-4916-BC5F-53384E690CB2}" presName="parentLeftMargin" presStyleLbl="node1" presStyleIdx="0" presStyleCnt="4"/>
       <dgm:spPr/>
-      <dgm:t>
-        <a:bodyPr/>
-        <a:lstStyle/>
-        <a:p>
-          <a:endParaRPr lang="en-US"/>
-        </a:p>
-      </dgm:t>
     </dgm:pt>
     <dgm:pt modelId="{DFB632EB-742F-4B4D-82D5-11D51C36557F}" type="pres">
       <dgm:prSet presAssocID="{5B2105B1-8822-4916-BC5F-53384E690CB2}" presName="parentText" presStyleLbl="node1" presStyleIdx="0" presStyleCnt="4">
@@ -5884,13 +5613,6 @@
         </dgm:presLayoutVars>
       </dgm:prSet>
       <dgm:spPr/>
-      <dgm:t>
-        <a:bodyPr/>
-        <a:lstStyle/>
-        <a:p>
-          <a:endParaRPr lang="en-US"/>
-        </a:p>
-      </dgm:t>
     </dgm:pt>
     <dgm:pt modelId="{3AC0AE2E-2188-4681-8180-10DEA2FDA342}" type="pres">
       <dgm:prSet presAssocID="{5B2105B1-8822-4916-BC5F-53384E690CB2}" presName="negativeSpace" presStyleCnt="0"/>
@@ -5915,13 +5637,6 @@
     <dgm:pt modelId="{A8ECDD05-76EC-40FC-8B92-A785A438C376}" type="pres">
       <dgm:prSet presAssocID="{59A5E209-B355-4529-B098-9347380F3FD3}" presName="parentLeftMargin" presStyleLbl="node1" presStyleIdx="0" presStyleCnt="4"/>
       <dgm:spPr/>
-      <dgm:t>
-        <a:bodyPr/>
-        <a:lstStyle/>
-        <a:p>
-          <a:endParaRPr lang="en-US"/>
-        </a:p>
-      </dgm:t>
     </dgm:pt>
     <dgm:pt modelId="{53B88F3A-71F1-4019-AA7A-C958A6220858}" type="pres">
       <dgm:prSet presAssocID="{59A5E209-B355-4529-B098-9347380F3FD3}" presName="parentText" presStyleLbl="node1" presStyleIdx="1" presStyleCnt="4">
@@ -5931,13 +5646,6 @@
         </dgm:presLayoutVars>
       </dgm:prSet>
       <dgm:spPr/>
-      <dgm:t>
-        <a:bodyPr/>
-        <a:lstStyle/>
-        <a:p>
-          <a:endParaRPr lang="en-US"/>
-        </a:p>
-      </dgm:t>
     </dgm:pt>
     <dgm:pt modelId="{0ED50B0A-C557-4DD9-BC6B-F8106F473437}" type="pres">
       <dgm:prSet presAssocID="{59A5E209-B355-4529-B098-9347380F3FD3}" presName="negativeSpace" presStyleCnt="0"/>
@@ -5962,13 +5670,6 @@
     <dgm:pt modelId="{A0F9506A-1B79-4AEE-B816-DB884EF50DEC}" type="pres">
       <dgm:prSet presAssocID="{ACD5C7C0-1E29-4BFE-BC49-B3E2E3F63D34}" presName="parentLeftMargin" presStyleLbl="node1" presStyleIdx="1" presStyleCnt="4"/>
       <dgm:spPr/>
-      <dgm:t>
-        <a:bodyPr/>
-        <a:lstStyle/>
-        <a:p>
-          <a:endParaRPr lang="en-US"/>
-        </a:p>
-      </dgm:t>
     </dgm:pt>
     <dgm:pt modelId="{CD36ACFB-BA83-44C2-8ACC-95BA0FF5A60D}" type="pres">
       <dgm:prSet presAssocID="{ACD5C7C0-1E29-4BFE-BC49-B3E2E3F63D34}" presName="parentText" presStyleLbl="node1" presStyleIdx="2" presStyleCnt="4">
@@ -5978,13 +5679,6 @@
         </dgm:presLayoutVars>
       </dgm:prSet>
       <dgm:spPr/>
-      <dgm:t>
-        <a:bodyPr/>
-        <a:lstStyle/>
-        <a:p>
-          <a:endParaRPr lang="en-US"/>
-        </a:p>
-      </dgm:t>
     </dgm:pt>
     <dgm:pt modelId="{67405347-DC45-485D-A4BF-B3E4A5DDA9AD}" type="pres">
       <dgm:prSet presAssocID="{ACD5C7C0-1E29-4BFE-BC49-B3E2E3F63D34}" presName="negativeSpace" presStyleCnt="0"/>
@@ -6009,13 +5703,6 @@
     <dgm:pt modelId="{495B719D-5D8D-4C98-90FB-BA789E918DE9}" type="pres">
       <dgm:prSet presAssocID="{5DC87C19-8AC1-4072-B3B8-695C54085F33}" presName="parentLeftMargin" presStyleLbl="node1" presStyleIdx="2" presStyleCnt="4"/>
       <dgm:spPr/>
-      <dgm:t>
-        <a:bodyPr/>
-        <a:lstStyle/>
-        <a:p>
-          <a:endParaRPr lang="en-US"/>
-        </a:p>
-      </dgm:t>
     </dgm:pt>
     <dgm:pt modelId="{A78F7073-C463-45C0-93AF-DD5F43473719}" type="pres">
       <dgm:prSet presAssocID="{5DC87C19-8AC1-4072-B3B8-695C54085F33}" presName="parentText" presStyleLbl="node1" presStyleIdx="3" presStyleCnt="4">
@@ -6025,13 +5712,6 @@
         </dgm:presLayoutVars>
       </dgm:prSet>
       <dgm:spPr/>
-      <dgm:t>
-        <a:bodyPr/>
-        <a:lstStyle/>
-        <a:p>
-          <a:endParaRPr lang="en-US"/>
-        </a:p>
-      </dgm:t>
     </dgm:pt>
     <dgm:pt modelId="{A38B420E-6FE1-43BE-B984-C09496C77958}" type="pres">
       <dgm:prSet presAssocID="{5DC87C19-8AC1-4072-B3B8-695C54085F33}" presName="negativeSpace" presStyleCnt="0"/>
@@ -6047,19 +5727,19 @@
     </dgm:pt>
   </dgm:ptLst>
   <dgm:cxnLst>
+    <dgm:cxn modelId="{1D134C54-B395-4101-89F4-1F87D9469921}" type="presOf" srcId="{59A5E209-B355-4529-B098-9347380F3FD3}" destId="{A8ECDD05-76EC-40FC-8B92-A785A438C376}" srcOrd="0" destOrd="0" presId="urn:microsoft.com/office/officeart/2005/8/layout/list1"/>
     <dgm:cxn modelId="{2DCAC877-79CF-4339-B5B5-C97ADB1F65A5}" type="presOf" srcId="{ACD5C7C0-1E29-4BFE-BC49-B3E2E3F63D34}" destId="{CD36ACFB-BA83-44C2-8ACC-95BA0FF5A60D}" srcOrd="1" destOrd="0" presId="urn:microsoft.com/office/officeart/2005/8/layout/list1"/>
+    <dgm:cxn modelId="{08CB6D58-9238-4154-8C57-987065B043EC}" type="presOf" srcId="{FA68F577-0934-429C-8A77-A9C95A90EB7E}" destId="{40A333C2-5B93-44F7-B480-5A7110CECE34}" srcOrd="0" destOrd="0" presId="urn:microsoft.com/office/officeart/2005/8/layout/list1"/>
+    <dgm:cxn modelId="{B556647F-1BFD-4910-AEED-8AE2D77E03E6}" srcId="{FA68F577-0934-429C-8A77-A9C95A90EB7E}" destId="{59A5E209-B355-4529-B098-9347380F3FD3}" srcOrd="1" destOrd="0" parTransId="{A870D116-F434-4A05-8354-FFBB5213ECA7}" sibTransId="{8DD0A716-79ED-4011-B491-3D3B816E6FD6}"/>
+    <dgm:cxn modelId="{DEBA8584-5900-4AC1-BADD-418D84CE1875}" srcId="{FA68F577-0934-429C-8A77-A9C95A90EB7E}" destId="{5DC87C19-8AC1-4072-B3B8-695C54085F33}" srcOrd="3" destOrd="0" parTransId="{5619D2EE-0A2B-48B8-8219-D19FA3FE57D0}" sibTransId="{CF347723-E361-4350-B91C-308832BBA86C}"/>
+    <dgm:cxn modelId="{CE9B9690-B97D-4C7C-AA7E-306CD26B5F26}" type="presOf" srcId="{5DC87C19-8AC1-4072-B3B8-695C54085F33}" destId="{A78F7073-C463-45C0-93AF-DD5F43473719}" srcOrd="1" destOrd="0" presId="urn:microsoft.com/office/officeart/2005/8/layout/list1"/>
     <dgm:cxn modelId="{722A6998-E683-4574-990F-88653545D075}" srcId="{FA68F577-0934-429C-8A77-A9C95A90EB7E}" destId="{5B2105B1-8822-4916-BC5F-53384E690CB2}" srcOrd="0" destOrd="0" parTransId="{4770BB19-6CF4-4190-ABD4-91957A72A049}" sibTransId="{72AF53E0-E688-479A-9D9D-C5D153D1409D}"/>
-    <dgm:cxn modelId="{B556647F-1BFD-4910-AEED-8AE2D77E03E6}" srcId="{FA68F577-0934-429C-8A77-A9C95A90EB7E}" destId="{59A5E209-B355-4529-B098-9347380F3FD3}" srcOrd="1" destOrd="0" parTransId="{A870D116-F434-4A05-8354-FFBB5213ECA7}" sibTransId="{8DD0A716-79ED-4011-B491-3D3B816E6FD6}"/>
+    <dgm:cxn modelId="{E1D427A2-D7AC-4159-824A-CC8A93DCC234}" type="presOf" srcId="{5B2105B1-8822-4916-BC5F-53384E690CB2}" destId="{9E872B4C-F853-45D9-AECF-E1196482DA14}" srcOrd="0" destOrd="0" presId="urn:microsoft.com/office/officeart/2005/8/layout/list1"/>
     <dgm:cxn modelId="{9B2C38BE-4DCD-4279-A571-D152115D6A40}" type="presOf" srcId="{59A5E209-B355-4529-B098-9347380F3FD3}" destId="{53B88F3A-71F1-4019-AA7A-C958A6220858}" srcOrd="1" destOrd="0" presId="urn:microsoft.com/office/officeart/2005/8/layout/list1"/>
-    <dgm:cxn modelId="{08CB6D58-9238-4154-8C57-987065B043EC}" type="presOf" srcId="{FA68F577-0934-429C-8A77-A9C95A90EB7E}" destId="{40A333C2-5B93-44F7-B480-5A7110CECE34}" srcOrd="0" destOrd="0" presId="urn:microsoft.com/office/officeart/2005/8/layout/list1"/>
+    <dgm:cxn modelId="{9384B1CC-F55A-425F-98FC-8CAE94B405D1}" srcId="{FA68F577-0934-429C-8A77-A9C95A90EB7E}" destId="{ACD5C7C0-1E29-4BFE-BC49-B3E2E3F63D34}" srcOrd="2" destOrd="0" parTransId="{271C60AF-640B-4C5A-BB8E-B63DD42597EB}" sibTransId="{0F2C1B48-2726-4084-AB53-18C319F2EB4A}"/>
+    <dgm:cxn modelId="{238ED8CD-A054-4625-9B99-B017B95DA918}" type="presOf" srcId="{5DC87C19-8AC1-4072-B3B8-695C54085F33}" destId="{495B719D-5D8D-4C98-90FB-BA789E918DE9}" srcOrd="0" destOrd="0" presId="urn:microsoft.com/office/officeart/2005/8/layout/list1"/>
+    <dgm:cxn modelId="{2451D5E9-8581-43B8-A95A-A3F92205FF5B}" type="presOf" srcId="{ACD5C7C0-1E29-4BFE-BC49-B3E2E3F63D34}" destId="{A0F9506A-1B79-4AEE-B816-DB884EF50DEC}" srcOrd="0" destOrd="0" presId="urn:microsoft.com/office/officeart/2005/8/layout/list1"/>
     <dgm:cxn modelId="{6E9DE1F8-E7C2-4766-B837-8CF74C3E203B}" type="presOf" srcId="{5B2105B1-8822-4916-BC5F-53384E690CB2}" destId="{DFB632EB-742F-4B4D-82D5-11D51C36557F}" srcOrd="1" destOrd="0" presId="urn:microsoft.com/office/officeart/2005/8/layout/list1"/>
-    <dgm:cxn modelId="{9384B1CC-F55A-425F-98FC-8CAE94B405D1}" srcId="{FA68F577-0934-429C-8A77-A9C95A90EB7E}" destId="{ACD5C7C0-1E29-4BFE-BC49-B3E2E3F63D34}" srcOrd="2" destOrd="0" parTransId="{271C60AF-640B-4C5A-BB8E-B63DD42597EB}" sibTransId="{0F2C1B48-2726-4084-AB53-18C319F2EB4A}"/>
-    <dgm:cxn modelId="{DEBA8584-5900-4AC1-BADD-418D84CE1875}" srcId="{FA68F577-0934-429C-8A77-A9C95A90EB7E}" destId="{5DC87C19-8AC1-4072-B3B8-695C54085F33}" srcOrd="3" destOrd="0" parTransId="{5619D2EE-0A2B-48B8-8219-D19FA3FE57D0}" sibTransId="{CF347723-E361-4350-B91C-308832BBA86C}"/>
-    <dgm:cxn modelId="{E1D427A2-D7AC-4159-824A-CC8A93DCC234}" type="presOf" srcId="{5B2105B1-8822-4916-BC5F-53384E690CB2}" destId="{9E872B4C-F853-45D9-AECF-E1196482DA14}" srcOrd="0" destOrd="0" presId="urn:microsoft.com/office/officeart/2005/8/layout/list1"/>
-    <dgm:cxn modelId="{CE9B9690-B97D-4C7C-AA7E-306CD26B5F26}" type="presOf" srcId="{5DC87C19-8AC1-4072-B3B8-695C54085F33}" destId="{A78F7073-C463-45C0-93AF-DD5F43473719}" srcOrd="1" destOrd="0" presId="urn:microsoft.com/office/officeart/2005/8/layout/list1"/>
-    <dgm:cxn modelId="{238ED8CD-A054-4625-9B99-B017B95DA918}" type="presOf" srcId="{5DC87C19-8AC1-4072-B3B8-695C54085F33}" destId="{495B719D-5D8D-4C98-90FB-BA789E918DE9}" srcOrd="0" destOrd="0" presId="urn:microsoft.com/office/officeart/2005/8/layout/list1"/>
-    <dgm:cxn modelId="{1D134C54-B395-4101-89F4-1F87D9469921}" type="presOf" srcId="{59A5E209-B355-4529-B098-9347380F3FD3}" destId="{A8ECDD05-76EC-40FC-8B92-A785A438C376}" srcOrd="0" destOrd="0" presId="urn:microsoft.com/office/officeart/2005/8/layout/list1"/>
-    <dgm:cxn modelId="{2451D5E9-8581-43B8-A95A-A3F92205FF5B}" type="presOf" srcId="{ACD5C7C0-1E29-4BFE-BC49-B3E2E3F63D34}" destId="{A0F9506A-1B79-4AEE-B816-DB884EF50DEC}" srcOrd="0" destOrd="0" presId="urn:microsoft.com/office/officeart/2005/8/layout/list1"/>
     <dgm:cxn modelId="{40C909B4-A721-4582-BA0A-2755B9B845AA}" type="presParOf" srcId="{40A333C2-5B93-44F7-B480-5A7110CECE34}" destId="{FE9B9400-77DA-4101-8B53-E7232FE44839}" srcOrd="0" destOrd="0" presId="urn:microsoft.com/office/officeart/2005/8/layout/list1"/>
     <dgm:cxn modelId="{E7165351-E5C6-48C0-8A1D-59BF2E9921A3}" type="presParOf" srcId="{FE9B9400-77DA-4101-8B53-E7232FE44839}" destId="{9E872B4C-F853-45D9-AECF-E1196482DA14}" srcOrd="0" destOrd="0" presId="urn:microsoft.com/office/officeart/2005/8/layout/list1"/>
     <dgm:cxn modelId="{6107D7F4-B358-4CC6-876B-073222E958D0}" type="presParOf" srcId="{FE9B9400-77DA-4101-8B53-E7232FE44839}" destId="{DFB632EB-742F-4B4D-82D5-11D51C36557F}" srcOrd="1" destOrd="0" presId="urn:microsoft.com/office/officeart/2005/8/layout/list1"/>
@@ -6115,10 +5795,9 @@
         <a:lstStyle/>
         <a:p>
           <a:r>
-            <a:rPr lang="en-US" sz="1200" dirty="0" smtClean="0"/>
+            <a:rPr lang="en-US" sz="1200" dirty="0"/>
             <a:t>Data source 1</a:t>
           </a:r>
-          <a:endParaRPr lang="en-US" sz="1200" dirty="0"/>
         </a:p>
       </dgm:t>
     </dgm:pt>
@@ -6158,10 +5837,9 @@
         <a:lstStyle/>
         <a:p>
           <a:r>
-            <a:rPr lang="en-US" sz="1200" dirty="0" smtClean="0"/>
+            <a:rPr lang="en-US" sz="1200" dirty="0"/>
             <a:t>Data source n</a:t>
           </a:r>
-          <a:endParaRPr lang="en-US" sz="1200" dirty="0"/>
         </a:p>
       </dgm:t>
     </dgm:pt>
@@ -6203,10 +5881,9 @@
         <a:lstStyle/>
         <a:p>
           <a:r>
-            <a:rPr lang="en-US" dirty="0" smtClean="0"/>
+            <a:rPr lang="en-US" dirty="0"/>
             <a:t>DW schema</a:t>
           </a:r>
-          <a:endParaRPr lang="en-US" dirty="0"/>
         </a:p>
       </dgm:t>
     </dgm:pt>
@@ -6256,13 +5933,6 @@
           <a:avLst/>
         </a:prstGeom>
       </dgm:spPr>
-      <dgm:t>
-        <a:bodyPr/>
-        <a:lstStyle/>
-        <a:p>
-          <a:endParaRPr lang="en-US"/>
-        </a:p>
-      </dgm:t>
     </dgm:pt>
     <dgm:pt modelId="{FC79C908-5D9E-409B-BEEE-7556BD51B552}" type="pres">
       <dgm:prSet presAssocID="{35C88081-A4C5-4DE7-B376-E11216A55051}" presName="spacerT" presStyleCnt="0"/>
@@ -6275,13 +5945,6 @@
           <a:avLst/>
         </a:prstGeom>
       </dgm:spPr>
-      <dgm:t>
-        <a:bodyPr/>
-        <a:lstStyle/>
-        <a:p>
-          <a:endParaRPr lang="en-US"/>
-        </a:p>
-      </dgm:t>
     </dgm:pt>
     <dgm:pt modelId="{6F5ABBDB-04BB-4CAA-B374-99FA82745A72}" type="pres">
       <dgm:prSet presAssocID="{35C88081-A4C5-4DE7-B376-E11216A55051}" presName="spacerB" presStyleCnt="0"/>
@@ -6298,35 +5961,14 @@
           <a:avLst/>
         </a:prstGeom>
       </dgm:spPr>
-      <dgm:t>
-        <a:bodyPr/>
-        <a:lstStyle/>
-        <a:p>
-          <a:endParaRPr lang="en-US"/>
-        </a:p>
-      </dgm:t>
     </dgm:pt>
     <dgm:pt modelId="{BE949146-F8BD-4FB6-9DC0-448B7309CF69}" type="pres">
       <dgm:prSet presAssocID="{CDDB66B4-E691-451E-81A9-1E5FA4C02C39}" presName="sibTransLast" presStyleLbl="sibTrans2D1" presStyleIdx="1" presStyleCnt="2"/>
       <dgm:spPr/>
-      <dgm:t>
-        <a:bodyPr/>
-        <a:lstStyle/>
-        <a:p>
-          <a:endParaRPr lang="en-US"/>
-        </a:p>
-      </dgm:t>
     </dgm:pt>
     <dgm:pt modelId="{E2D0E7B9-EEFD-4BBA-B18D-88435E6D4829}" type="pres">
       <dgm:prSet presAssocID="{CDDB66B4-E691-451E-81A9-1E5FA4C02C39}" presName="connectorText" presStyleLbl="sibTrans2D1" presStyleIdx="1" presStyleCnt="2"/>
       <dgm:spPr/>
-      <dgm:t>
-        <a:bodyPr/>
-        <a:lstStyle/>
-        <a:p>
-          <a:endParaRPr lang="en-US"/>
-        </a:p>
-      </dgm:t>
     </dgm:pt>
     <dgm:pt modelId="{E0311437-A924-4590-90BF-CC5D18A7C260}" type="pres">
       <dgm:prSet presAssocID="{CDDB66B4-E691-451E-81A9-1E5FA4C02C39}" presName="lastNode" presStyleLbl="node1" presStyleIdx="2" presStyleCnt="3">
@@ -6335,26 +5977,19 @@
         </dgm:presLayoutVars>
       </dgm:prSet>
       <dgm:spPr/>
-      <dgm:t>
-        <a:bodyPr/>
-        <a:lstStyle/>
-        <a:p>
-          <a:endParaRPr lang="en-US"/>
-        </a:p>
-      </dgm:t>
     </dgm:pt>
   </dgm:ptLst>
   <dgm:cxnLst>
+    <dgm:cxn modelId="{1893BE2D-0978-48A7-BD6F-09C0CC3898CF}" type="presOf" srcId="{35C88081-A4C5-4DE7-B376-E11216A55051}" destId="{C1828EE2-A4B1-4299-A049-429B7845514F}" srcOrd="0" destOrd="0" presId="urn:microsoft.com/office/officeart/2005/8/layout/equation2"/>
+    <dgm:cxn modelId="{0475EC5E-29CF-4DD5-80DA-F8E744432219}" type="presOf" srcId="{BB4F6916-AE4C-4570-A948-5A54030226BD}" destId="{BE949146-F8BD-4FB6-9DC0-448B7309CF69}" srcOrd="0" destOrd="0" presId="urn:microsoft.com/office/officeart/2005/8/layout/equation2"/>
+    <dgm:cxn modelId="{0333B065-CB80-47AE-AB81-AB4194424EA4}" type="presOf" srcId="{EB7A4126-F1CE-45B0-AA44-2EAB98203A0A}" destId="{96814391-EC36-4020-863C-AE7B0938C18E}" srcOrd="0" destOrd="0" presId="urn:microsoft.com/office/officeart/2005/8/layout/equation2"/>
+    <dgm:cxn modelId="{6300EF6D-9C31-43DD-A956-8CA95E91D429}" type="presOf" srcId="{CDDB66B4-E691-451E-81A9-1E5FA4C02C39}" destId="{3590BB78-8718-4FA9-85AE-B86FF1C49275}" srcOrd="0" destOrd="0" presId="urn:microsoft.com/office/officeart/2005/8/layout/equation2"/>
+    <dgm:cxn modelId="{E09F3851-4D7D-4CF4-85B8-816201DA58E0}" type="presOf" srcId="{BB4F6916-AE4C-4570-A948-5A54030226BD}" destId="{E2D0E7B9-EEFD-4BBA-B18D-88435E6D4829}" srcOrd="1" destOrd="0" presId="urn:microsoft.com/office/officeart/2005/8/layout/equation2"/>
     <dgm:cxn modelId="{C5A00595-6649-4098-83C6-27A9FCB3978C}" srcId="{CDDB66B4-E691-451E-81A9-1E5FA4C02C39}" destId="{EB7A4126-F1CE-45B0-AA44-2EAB98203A0A}" srcOrd="0" destOrd="0" parTransId="{1B6C3E87-1FDA-4146-9FFD-711D4E7BAF8E}" sibTransId="{35C88081-A4C5-4DE7-B376-E11216A55051}"/>
-    <dgm:cxn modelId="{1893BE2D-0978-48A7-BD6F-09C0CC3898CF}" type="presOf" srcId="{35C88081-A4C5-4DE7-B376-E11216A55051}" destId="{C1828EE2-A4B1-4299-A049-429B7845514F}" srcOrd="0" destOrd="0" presId="urn:microsoft.com/office/officeart/2005/8/layout/equation2"/>
-    <dgm:cxn modelId="{0333B065-CB80-47AE-AB81-AB4194424EA4}" type="presOf" srcId="{EB7A4126-F1CE-45B0-AA44-2EAB98203A0A}" destId="{96814391-EC36-4020-863C-AE7B0938C18E}" srcOrd="0" destOrd="0" presId="urn:microsoft.com/office/officeart/2005/8/layout/equation2"/>
-    <dgm:cxn modelId="{0475EC5E-29CF-4DD5-80DA-F8E744432219}" type="presOf" srcId="{BB4F6916-AE4C-4570-A948-5A54030226BD}" destId="{BE949146-F8BD-4FB6-9DC0-448B7309CF69}" srcOrd="0" destOrd="0" presId="urn:microsoft.com/office/officeart/2005/8/layout/equation2"/>
     <dgm:cxn modelId="{E7C13F9F-5670-4C20-AB97-D210CFC20A73}" srcId="{CDDB66B4-E691-451E-81A9-1E5FA4C02C39}" destId="{B8C6E55C-4BDD-4B48-B68F-40DAB3346F9A}" srcOrd="2" destOrd="0" parTransId="{565EAEFA-10BC-4FCA-A6C9-9347F2921E2D}" sibTransId="{A9323C12-57D8-40F3-9BBC-CD8EDCCF68CD}"/>
+    <dgm:cxn modelId="{8C66C0BB-8C13-4137-9E58-B62615AA5A3D}" type="presOf" srcId="{A8B5A342-DD68-4728-8F17-C2D59714C6C5}" destId="{743DF6D9-34E1-48AA-9A3B-31FBBCE31652}" srcOrd="0" destOrd="0" presId="urn:microsoft.com/office/officeart/2005/8/layout/equation2"/>
+    <dgm:cxn modelId="{A7E2A7D6-4FC1-42E0-B2AC-1B884A33F389}" type="presOf" srcId="{B8C6E55C-4BDD-4B48-B68F-40DAB3346F9A}" destId="{E0311437-A924-4590-90BF-CC5D18A7C260}" srcOrd="0" destOrd="0" presId="urn:microsoft.com/office/officeart/2005/8/layout/equation2"/>
     <dgm:cxn modelId="{09D651DD-EC39-4371-A689-5F29AF2176B8}" srcId="{CDDB66B4-E691-451E-81A9-1E5FA4C02C39}" destId="{A8B5A342-DD68-4728-8F17-C2D59714C6C5}" srcOrd="1" destOrd="0" parTransId="{D5043C49-517E-46F9-9F81-6C90EDDD2496}" sibTransId="{BB4F6916-AE4C-4570-A948-5A54030226BD}"/>
-    <dgm:cxn modelId="{A7E2A7D6-4FC1-42E0-B2AC-1B884A33F389}" type="presOf" srcId="{B8C6E55C-4BDD-4B48-B68F-40DAB3346F9A}" destId="{E0311437-A924-4590-90BF-CC5D18A7C260}" srcOrd="0" destOrd="0" presId="urn:microsoft.com/office/officeart/2005/8/layout/equation2"/>
-    <dgm:cxn modelId="{E09F3851-4D7D-4CF4-85B8-816201DA58E0}" type="presOf" srcId="{BB4F6916-AE4C-4570-A948-5A54030226BD}" destId="{E2D0E7B9-EEFD-4BBA-B18D-88435E6D4829}" srcOrd="1" destOrd="0" presId="urn:microsoft.com/office/officeart/2005/8/layout/equation2"/>
-    <dgm:cxn modelId="{6300EF6D-9C31-43DD-A956-8CA95E91D429}" type="presOf" srcId="{CDDB66B4-E691-451E-81A9-1E5FA4C02C39}" destId="{3590BB78-8718-4FA9-85AE-B86FF1C49275}" srcOrd="0" destOrd="0" presId="urn:microsoft.com/office/officeart/2005/8/layout/equation2"/>
-    <dgm:cxn modelId="{8C66C0BB-8C13-4137-9E58-B62615AA5A3D}" type="presOf" srcId="{A8B5A342-DD68-4728-8F17-C2D59714C6C5}" destId="{743DF6D9-34E1-48AA-9A3B-31FBBCE31652}" srcOrd="0" destOrd="0" presId="urn:microsoft.com/office/officeart/2005/8/layout/equation2"/>
     <dgm:cxn modelId="{4460FB18-9C04-4458-B652-13932920934B}" type="presParOf" srcId="{3590BB78-8718-4FA9-85AE-B86FF1C49275}" destId="{81383A81-868A-411B-B1C5-F2B4BE157239}" srcOrd="0" destOrd="0" presId="urn:microsoft.com/office/officeart/2005/8/layout/equation2"/>
     <dgm:cxn modelId="{E90C8389-B2FE-4E3D-B523-60AF43FF785A}" type="presParOf" srcId="{81383A81-868A-411B-B1C5-F2B4BE157239}" destId="{96814391-EC36-4020-863C-AE7B0938C18E}" srcOrd="0" destOrd="0" presId="urn:microsoft.com/office/officeart/2005/8/layout/equation2"/>
     <dgm:cxn modelId="{82C6AC05-274D-42E3-850D-C90F02851C32}" type="presParOf" srcId="{81383A81-868A-411B-B1C5-F2B4BE157239}" destId="{FC79C908-5D9E-409B-BEEE-7556BD51B552}" srcOrd="1" destOrd="0" presId="urn:microsoft.com/office/officeart/2005/8/layout/equation2"/>
@@ -6402,10 +6037,9 @@
         <a:lstStyle/>
         <a:p>
           <a:r>
-            <a:rPr lang="en-US" dirty="0" smtClean="0"/>
+            <a:rPr lang="en-US" dirty="0"/>
             <a:t>Module 2</a:t>
           </a:r>
-          <a:endParaRPr lang="en-US" dirty="0"/>
         </a:p>
       </dgm:t>
     </dgm:pt>
@@ -6439,10 +6073,9 @@
         <a:lstStyle/>
         <a:p>
           <a:r>
-            <a:rPr lang="en-US" dirty="0" smtClean="0"/>
+            <a:rPr lang="en-US" dirty="0"/>
             <a:t>Module 3</a:t>
           </a:r>
-          <a:endParaRPr lang="en-US" dirty="0"/>
         </a:p>
       </dgm:t>
     </dgm:pt>
@@ -6476,10 +6109,9 @@
         <a:lstStyle/>
         <a:p>
           <a:r>
-            <a:rPr lang="en-US" dirty="0" smtClean="0"/>
+            <a:rPr lang="en-US" dirty="0"/>
             <a:t>Module 4</a:t>
           </a:r>
-          <a:endParaRPr lang="en-US" dirty="0"/>
         </a:p>
       </dgm:t>
     </dgm:pt>
@@ -6513,10 +6145,9 @@
         <a:lstStyle/>
         <a:p>
           <a:r>
-            <a:rPr lang="en-US" dirty="0" smtClean="0"/>
+            <a:rPr lang="en-US" dirty="0"/>
             <a:t>Module 5</a:t>
           </a:r>
-          <a:endParaRPr lang="en-US" dirty="0"/>
         </a:p>
       </dgm:t>
     </dgm:pt>
@@ -6553,13 +6184,6 @@
         </dgm:presLayoutVars>
       </dgm:prSet>
       <dgm:spPr/>
-      <dgm:t>
-        <a:bodyPr/>
-        <a:lstStyle/>
-        <a:p>
-          <a:endParaRPr lang="en-US"/>
-        </a:p>
-      </dgm:t>
     </dgm:pt>
     <dgm:pt modelId="{BB07425B-BEC7-491F-8FED-9AF2B585C912}" type="pres">
       <dgm:prSet presAssocID="{E7A275D8-66BF-4060-98D2-5D7D29A7DC9B}" presName="root1" presStyleCnt="0"/>
@@ -6572,13 +6196,6 @@
         </dgm:presLayoutVars>
       </dgm:prSet>
       <dgm:spPr/>
-      <dgm:t>
-        <a:bodyPr/>
-        <a:lstStyle/>
-        <a:p>
-          <a:endParaRPr lang="en-US"/>
-        </a:p>
-      </dgm:t>
     </dgm:pt>
     <dgm:pt modelId="{4E47F7F7-2A9C-4FF6-8997-281833C80226}" type="pres">
       <dgm:prSet presAssocID="{E7A275D8-66BF-4060-98D2-5D7D29A7DC9B}" presName="level2hierChild" presStyleCnt="0"/>
@@ -6587,24 +6204,10 @@
     <dgm:pt modelId="{97FAB9C2-745C-4DDE-900D-BF797E7BE124}" type="pres">
       <dgm:prSet presAssocID="{494FE72E-104D-4639-BE59-FB11DE62033F}" presName="conn2-1" presStyleLbl="parChTrans1D2" presStyleIdx="0" presStyleCnt="3"/>
       <dgm:spPr/>
-      <dgm:t>
-        <a:bodyPr/>
-        <a:lstStyle/>
-        <a:p>
-          <a:endParaRPr lang="en-US"/>
-        </a:p>
-      </dgm:t>
     </dgm:pt>
     <dgm:pt modelId="{679945E7-3377-43F7-97CA-937D027DCC73}" type="pres">
       <dgm:prSet presAssocID="{494FE72E-104D-4639-BE59-FB11DE62033F}" presName="connTx" presStyleLbl="parChTrans1D2" presStyleIdx="0" presStyleCnt="3"/>
       <dgm:spPr/>
-      <dgm:t>
-        <a:bodyPr/>
-        <a:lstStyle/>
-        <a:p>
-          <a:endParaRPr lang="en-US"/>
-        </a:p>
-      </dgm:t>
     </dgm:pt>
     <dgm:pt modelId="{26966221-A780-4BBB-A9A6-8BE957A061E0}" type="pres">
       <dgm:prSet presAssocID="{1D4CB1C6-E6AB-4E01-A302-57CE04ED05F8}" presName="root2" presStyleCnt="0"/>
@@ -6617,13 +6220,6 @@
         </dgm:presLayoutVars>
       </dgm:prSet>
       <dgm:spPr/>
-      <dgm:t>
-        <a:bodyPr/>
-        <a:lstStyle/>
-        <a:p>
-          <a:endParaRPr lang="en-US"/>
-        </a:p>
-      </dgm:t>
     </dgm:pt>
     <dgm:pt modelId="{FC94B7D8-10CB-4F75-A40A-596DFB426D03}" type="pres">
       <dgm:prSet presAssocID="{1D4CB1C6-E6AB-4E01-A302-57CE04ED05F8}" presName="level3hierChild" presStyleCnt="0"/>
@@ -6632,24 +6228,10 @@
     <dgm:pt modelId="{D0ED8234-2698-468D-B5D9-B4507DE02700}" type="pres">
       <dgm:prSet presAssocID="{517B3E09-F6BD-4A0C-89D8-48D02C5D7008}" presName="conn2-1" presStyleLbl="parChTrans1D2" presStyleIdx="1" presStyleCnt="3"/>
       <dgm:spPr/>
-      <dgm:t>
-        <a:bodyPr/>
-        <a:lstStyle/>
-        <a:p>
-          <a:endParaRPr lang="en-US"/>
-        </a:p>
-      </dgm:t>
     </dgm:pt>
     <dgm:pt modelId="{3677E090-92BF-4AB2-BB81-1A09C1EB6B8A}" type="pres">
       <dgm:prSet presAssocID="{517B3E09-F6BD-4A0C-89D8-48D02C5D7008}" presName="connTx" presStyleLbl="parChTrans1D2" presStyleIdx="1" presStyleCnt="3"/>
       <dgm:spPr/>
-      <dgm:t>
-        <a:bodyPr/>
-        <a:lstStyle/>
-        <a:p>
-          <a:endParaRPr lang="en-US"/>
-        </a:p>
-      </dgm:t>
     </dgm:pt>
     <dgm:pt modelId="{B49438F1-444D-4265-80B0-85FFDC50F5B0}" type="pres">
       <dgm:prSet presAssocID="{23010AF0-3778-489B-ACB3-064CBDD161FF}" presName="root2" presStyleCnt="0"/>
@@ -6662,13 +6244,6 @@
         </dgm:presLayoutVars>
       </dgm:prSet>
       <dgm:spPr/>
-      <dgm:t>
-        <a:bodyPr/>
-        <a:lstStyle/>
-        <a:p>
-          <a:endParaRPr lang="en-US"/>
-        </a:p>
-      </dgm:t>
     </dgm:pt>
     <dgm:pt modelId="{A4578140-8A13-4F2D-A3E1-10173C15F21A}" type="pres">
       <dgm:prSet presAssocID="{23010AF0-3778-489B-ACB3-064CBDD161FF}" presName="level3hierChild" presStyleCnt="0"/>
@@ -6677,24 +6252,10 @@
     <dgm:pt modelId="{250CD509-EBC4-49B2-AA13-674325AAC63A}" type="pres">
       <dgm:prSet presAssocID="{D494CB17-656A-4182-961A-695ABC369221}" presName="conn2-1" presStyleLbl="parChTrans1D2" presStyleIdx="2" presStyleCnt="3"/>
       <dgm:spPr/>
-      <dgm:t>
-        <a:bodyPr/>
-        <a:lstStyle/>
-        <a:p>
-          <a:endParaRPr lang="en-US"/>
-        </a:p>
-      </dgm:t>
     </dgm:pt>
     <dgm:pt modelId="{C8F9382F-37BC-44C0-9A5B-AACC63D348DD}" type="pres">
       <dgm:prSet presAssocID="{D494CB17-656A-4182-961A-695ABC369221}" presName="connTx" presStyleLbl="parChTrans1D2" presStyleIdx="2" presStyleCnt="3"/>
       <dgm:spPr/>
-      <dgm:t>
-        <a:bodyPr/>
-        <a:lstStyle/>
-        <a:p>
-          <a:endParaRPr lang="en-US"/>
-        </a:p>
-      </dgm:t>
     </dgm:pt>
     <dgm:pt modelId="{9A983610-163F-49A1-AF23-676E5E618E0D}" type="pres">
       <dgm:prSet presAssocID="{FFB82CBC-796F-4978-BFCF-E13F00589288}" presName="root2" presStyleCnt="0"/>
@@ -6707,13 +6268,6 @@
         </dgm:presLayoutVars>
       </dgm:prSet>
       <dgm:spPr/>
-      <dgm:t>
-        <a:bodyPr/>
-        <a:lstStyle/>
-        <a:p>
-          <a:endParaRPr lang="en-US"/>
-        </a:p>
-      </dgm:t>
     </dgm:pt>
     <dgm:pt modelId="{4EC79D59-00E2-4233-B2AB-B00E2D38647F}" type="pres">
       <dgm:prSet presAssocID="{FFB82CBC-796F-4978-BFCF-E13F00589288}" presName="level3hierChild" presStyleCnt="0"/>
@@ -6721,21 +6275,21 @@
     </dgm:pt>
   </dgm:ptLst>
   <dgm:cxnLst>
+    <dgm:cxn modelId="{7A37F606-676A-4746-ADF1-6450F36D7EDD}" type="presOf" srcId="{D494CB17-656A-4182-961A-695ABC369221}" destId="{250CD509-EBC4-49B2-AA13-674325AAC63A}" srcOrd="0" destOrd="0" presId="urn:microsoft.com/office/officeart/2008/layout/HorizontalMultiLevelHierarchy"/>
+    <dgm:cxn modelId="{BFAB3A0A-CCBD-4052-9B3C-CB886FDD8B42}" type="presOf" srcId="{1D4CB1C6-E6AB-4E01-A302-57CE04ED05F8}" destId="{A6BC6FB1-4EE0-4FEA-807E-F16E796AD36A}" srcOrd="0" destOrd="0" presId="urn:microsoft.com/office/officeart/2008/layout/HorizontalMultiLevelHierarchy"/>
+    <dgm:cxn modelId="{2FAEA20E-65F4-4A0F-A3D9-F9584E1373CF}" srcId="{98889303-9185-472A-917F-CA84415520F8}" destId="{E7A275D8-66BF-4060-98D2-5D7D29A7DC9B}" srcOrd="0" destOrd="0" parTransId="{3FEE78B4-1A53-46DB-8665-646D675591BC}" sibTransId="{A2A651CE-B074-4FD9-B4A0-F1FC8719460B}"/>
+    <dgm:cxn modelId="{45553923-A2A7-41AD-800B-A389C1D28FD4}" type="presOf" srcId="{517B3E09-F6BD-4A0C-89D8-48D02C5D7008}" destId="{D0ED8234-2698-468D-B5D9-B4507DE02700}" srcOrd="0" destOrd="0" presId="urn:microsoft.com/office/officeart/2008/layout/HorizontalMultiLevelHierarchy"/>
+    <dgm:cxn modelId="{3D392229-95C1-4BFE-8C99-547B22DD5077}" srcId="{E7A275D8-66BF-4060-98D2-5D7D29A7DC9B}" destId="{1D4CB1C6-E6AB-4E01-A302-57CE04ED05F8}" srcOrd="0" destOrd="0" parTransId="{494FE72E-104D-4639-BE59-FB11DE62033F}" sibTransId="{68B2550F-0625-4480-B3E9-678E7BF932F6}"/>
+    <dgm:cxn modelId="{A714184F-AF72-49F7-B973-120A334684AD}" type="presOf" srcId="{E7A275D8-66BF-4060-98D2-5D7D29A7DC9B}" destId="{026CCFF1-8179-4A53-B465-D5DAB679EFBC}" srcOrd="0" destOrd="0" presId="urn:microsoft.com/office/officeart/2008/layout/HorizontalMultiLevelHierarchy"/>
     <dgm:cxn modelId="{D40BB451-A2E5-404F-A131-83C655C12EFF}" srcId="{E7A275D8-66BF-4060-98D2-5D7D29A7DC9B}" destId="{FFB82CBC-796F-4978-BFCF-E13F00589288}" srcOrd="2" destOrd="0" parTransId="{D494CB17-656A-4182-961A-695ABC369221}" sibTransId="{C682CFFB-C00D-4C00-AD11-9575A2D891E3}"/>
-    <dgm:cxn modelId="{7A37F606-676A-4746-ADF1-6450F36D7EDD}" type="presOf" srcId="{D494CB17-656A-4182-961A-695ABC369221}" destId="{250CD509-EBC4-49B2-AA13-674325AAC63A}" srcOrd="0" destOrd="0" presId="urn:microsoft.com/office/officeart/2008/layout/HorizontalMultiLevelHierarchy"/>
+    <dgm:cxn modelId="{D19BBA73-14E2-4154-B38C-0BBAE69829E1}" type="presOf" srcId="{494FE72E-104D-4639-BE59-FB11DE62033F}" destId="{97FAB9C2-745C-4DDE-900D-BF797E7BE124}" srcOrd="0" destOrd="0" presId="urn:microsoft.com/office/officeart/2008/layout/HorizontalMultiLevelHierarchy"/>
+    <dgm:cxn modelId="{D28D0558-3C58-448F-ABBE-4C84C6404DEB}" srcId="{E7A275D8-66BF-4060-98D2-5D7D29A7DC9B}" destId="{23010AF0-3778-489B-ACB3-064CBDD161FF}" srcOrd="1" destOrd="0" parTransId="{517B3E09-F6BD-4A0C-89D8-48D02C5D7008}" sibTransId="{55F5BF2C-9A05-4352-BAE7-C570A309CCA7}"/>
+    <dgm:cxn modelId="{A7C00B7B-7276-4E8C-9D99-D97A6152E1EC}" type="presOf" srcId="{FFB82CBC-796F-4978-BFCF-E13F00589288}" destId="{4F0E0874-A3AD-4204-809D-33A0893023E4}" srcOrd="0" destOrd="0" presId="urn:microsoft.com/office/officeart/2008/layout/HorizontalMultiLevelHierarchy"/>
+    <dgm:cxn modelId="{A2888088-FB00-45F3-A0E7-802AA1DBE290}" type="presOf" srcId="{98889303-9185-472A-917F-CA84415520F8}" destId="{D910A276-D612-49D1-A99D-A1D42465E137}" srcOrd="0" destOrd="0" presId="urn:microsoft.com/office/officeart/2008/layout/HorizontalMultiLevelHierarchy"/>
     <dgm:cxn modelId="{9D32CE8C-C972-4139-86FE-6C1560BD1F36}" type="presOf" srcId="{517B3E09-F6BD-4A0C-89D8-48D02C5D7008}" destId="{3677E090-92BF-4AB2-BB81-1A09C1EB6B8A}" srcOrd="1" destOrd="0" presId="urn:microsoft.com/office/officeart/2008/layout/HorizontalMultiLevelHierarchy"/>
-    <dgm:cxn modelId="{A7C00B7B-7276-4E8C-9D99-D97A6152E1EC}" type="presOf" srcId="{FFB82CBC-796F-4978-BFCF-E13F00589288}" destId="{4F0E0874-A3AD-4204-809D-33A0893023E4}" srcOrd="0" destOrd="0" presId="urn:microsoft.com/office/officeart/2008/layout/HorizontalMultiLevelHierarchy"/>
-    <dgm:cxn modelId="{45553923-A2A7-41AD-800B-A389C1D28FD4}" type="presOf" srcId="{517B3E09-F6BD-4A0C-89D8-48D02C5D7008}" destId="{D0ED8234-2698-468D-B5D9-B4507DE02700}" srcOrd="0" destOrd="0" presId="urn:microsoft.com/office/officeart/2008/layout/HorizontalMultiLevelHierarchy"/>
-    <dgm:cxn modelId="{2FAEA20E-65F4-4A0F-A3D9-F9584E1373CF}" srcId="{98889303-9185-472A-917F-CA84415520F8}" destId="{E7A275D8-66BF-4060-98D2-5D7D29A7DC9B}" srcOrd="0" destOrd="0" parTransId="{3FEE78B4-1A53-46DB-8665-646D675591BC}" sibTransId="{A2A651CE-B074-4FD9-B4A0-F1FC8719460B}"/>
-    <dgm:cxn modelId="{3D392229-95C1-4BFE-8C99-547B22DD5077}" srcId="{E7A275D8-66BF-4060-98D2-5D7D29A7DC9B}" destId="{1D4CB1C6-E6AB-4E01-A302-57CE04ED05F8}" srcOrd="0" destOrd="0" parTransId="{494FE72E-104D-4639-BE59-FB11DE62033F}" sibTransId="{68B2550F-0625-4480-B3E9-678E7BF932F6}"/>
+    <dgm:cxn modelId="{078E4AB9-63D9-4F18-9EAD-3DF367579331}" type="presOf" srcId="{494FE72E-104D-4639-BE59-FB11DE62033F}" destId="{679945E7-3377-43F7-97CA-937D027DCC73}" srcOrd="1" destOrd="0" presId="urn:microsoft.com/office/officeart/2008/layout/HorizontalMultiLevelHierarchy"/>
+    <dgm:cxn modelId="{0BB3B3C9-E367-4427-BB88-CA3584570152}" type="presOf" srcId="{D494CB17-656A-4182-961A-695ABC369221}" destId="{C8F9382F-37BC-44C0-9A5B-AACC63D348DD}" srcOrd="1" destOrd="0" presId="urn:microsoft.com/office/officeart/2008/layout/HorizontalMultiLevelHierarchy"/>
     <dgm:cxn modelId="{119CBCF9-66D1-4795-908E-BCEC36EC781A}" type="presOf" srcId="{23010AF0-3778-489B-ACB3-064CBDD161FF}" destId="{779A1468-FB71-4B98-A64F-2867340814D4}" srcOrd="0" destOrd="0" presId="urn:microsoft.com/office/officeart/2008/layout/HorizontalMultiLevelHierarchy"/>
-    <dgm:cxn modelId="{A714184F-AF72-49F7-B973-120A334684AD}" type="presOf" srcId="{E7A275D8-66BF-4060-98D2-5D7D29A7DC9B}" destId="{026CCFF1-8179-4A53-B465-D5DAB679EFBC}" srcOrd="0" destOrd="0" presId="urn:microsoft.com/office/officeart/2008/layout/HorizontalMultiLevelHierarchy"/>
-    <dgm:cxn modelId="{D19BBA73-14E2-4154-B38C-0BBAE69829E1}" type="presOf" srcId="{494FE72E-104D-4639-BE59-FB11DE62033F}" destId="{97FAB9C2-745C-4DDE-900D-BF797E7BE124}" srcOrd="0" destOrd="0" presId="urn:microsoft.com/office/officeart/2008/layout/HorizontalMultiLevelHierarchy"/>
-    <dgm:cxn modelId="{A2888088-FB00-45F3-A0E7-802AA1DBE290}" type="presOf" srcId="{98889303-9185-472A-917F-CA84415520F8}" destId="{D910A276-D612-49D1-A99D-A1D42465E137}" srcOrd="0" destOrd="0" presId="urn:microsoft.com/office/officeart/2008/layout/HorizontalMultiLevelHierarchy"/>
-    <dgm:cxn modelId="{078E4AB9-63D9-4F18-9EAD-3DF367579331}" type="presOf" srcId="{494FE72E-104D-4639-BE59-FB11DE62033F}" destId="{679945E7-3377-43F7-97CA-937D027DCC73}" srcOrd="1" destOrd="0" presId="urn:microsoft.com/office/officeart/2008/layout/HorizontalMultiLevelHierarchy"/>
-    <dgm:cxn modelId="{D28D0558-3C58-448F-ABBE-4C84C6404DEB}" srcId="{E7A275D8-66BF-4060-98D2-5D7D29A7DC9B}" destId="{23010AF0-3778-489B-ACB3-064CBDD161FF}" srcOrd="1" destOrd="0" parTransId="{517B3E09-F6BD-4A0C-89D8-48D02C5D7008}" sibTransId="{55F5BF2C-9A05-4352-BAE7-C570A309CCA7}"/>
-    <dgm:cxn modelId="{BFAB3A0A-CCBD-4052-9B3C-CB886FDD8B42}" type="presOf" srcId="{1D4CB1C6-E6AB-4E01-A302-57CE04ED05F8}" destId="{A6BC6FB1-4EE0-4FEA-807E-F16E796AD36A}" srcOrd="0" destOrd="0" presId="urn:microsoft.com/office/officeart/2008/layout/HorizontalMultiLevelHierarchy"/>
-    <dgm:cxn modelId="{0BB3B3C9-E367-4427-BB88-CA3584570152}" type="presOf" srcId="{D494CB17-656A-4182-961A-695ABC369221}" destId="{C8F9382F-37BC-44C0-9A5B-AACC63D348DD}" srcOrd="1" destOrd="0" presId="urn:microsoft.com/office/officeart/2008/layout/HorizontalMultiLevelHierarchy"/>
     <dgm:cxn modelId="{A228A46B-BD3D-4BCE-9154-A733162DCE2D}" type="presParOf" srcId="{D910A276-D612-49D1-A99D-A1D42465E137}" destId="{BB07425B-BEC7-491F-8FED-9AF2B585C912}" srcOrd="0" destOrd="0" presId="urn:microsoft.com/office/officeart/2008/layout/HorizontalMultiLevelHierarchy"/>
     <dgm:cxn modelId="{E0D2FA55-D499-4266-AF05-935681ECF774}" type="presParOf" srcId="{BB07425B-BEC7-491F-8FED-9AF2B585C912}" destId="{026CCFF1-8179-4A53-B465-D5DAB679EFBC}" srcOrd="0" destOrd="0" presId="urn:microsoft.com/office/officeart/2008/layout/HorizontalMultiLevelHierarchy"/>
     <dgm:cxn modelId="{190DAF2C-9A13-41FE-AA8E-520493097C05}" type="presParOf" srcId="{BB07425B-BEC7-491F-8FED-9AF2B585C912}" destId="{4E47F7F7-2A9C-4FF6-8997-281833C80226}" srcOrd="1" destOrd="0" presId="urn:microsoft.com/office/officeart/2008/layout/HorizontalMultiLevelHierarchy"/>
@@ -6773,6 +6327,573 @@
       <dsp:cNvGrpSpPr/>
     </dsp:nvGrpSpPr>
     <dsp:grpSpPr/>
+    <dsp:sp modelId="{0EB08D41-F108-4CE6-881C-18B14394C0AB}">
+      <dsp:nvSpPr>
+        <dsp:cNvPr id="0" name=""/>
+        <dsp:cNvSpPr/>
+      </dsp:nvSpPr>
+      <dsp:spPr>
+        <a:xfrm>
+          <a:off x="3966210" y="2023110"/>
+          <a:ext cx="2472690" cy="2472690"/>
+        </a:xfrm>
+        <a:prstGeom prst="gear9">
+          <a:avLst/>
+        </a:prstGeom>
+        <a:gradFill rotWithShape="0">
+          <a:gsLst>
+            <a:gs pos="0">
+              <a:schemeClr val="accent5">
+                <a:hueOff val="0"/>
+                <a:satOff val="0"/>
+                <a:lumOff val="0"/>
+                <a:alphaOff val="0"/>
+                <a:tint val="50000"/>
+                <a:satMod val="300000"/>
+              </a:schemeClr>
+            </a:gs>
+            <a:gs pos="35000">
+              <a:schemeClr val="accent5">
+                <a:hueOff val="0"/>
+                <a:satOff val="0"/>
+                <a:lumOff val="0"/>
+                <a:alphaOff val="0"/>
+                <a:tint val="37000"/>
+                <a:satMod val="300000"/>
+              </a:schemeClr>
+            </a:gs>
+            <a:gs pos="100000">
+              <a:schemeClr val="accent5">
+                <a:hueOff val="0"/>
+                <a:satOff val="0"/>
+                <a:lumOff val="0"/>
+                <a:alphaOff val="0"/>
+                <a:tint val="15000"/>
+                <a:satMod val="350000"/>
+              </a:schemeClr>
+            </a:gs>
+          </a:gsLst>
+          <a:lin ang="16200000" scaled="1"/>
+        </a:gradFill>
+        <a:ln>
+          <a:noFill/>
+        </a:ln>
+        <a:effectLst>
+          <a:outerShdw blurRad="40000" dist="20000" dir="5400000" rotWithShape="0">
+            <a:srgbClr val="000000">
+              <a:alpha val="38000"/>
+            </a:srgbClr>
+          </a:outerShdw>
+        </a:effectLst>
+        <a:scene3d>
+          <a:camera prst="orthographicFront"/>
+          <a:lightRig rig="flat" dir="t"/>
+        </a:scene3d>
+        <a:sp3d prstMaterial="dkEdge">
+          <a:bevelT w="8200" h="38100"/>
+        </a:sp3d>
+      </dsp:spPr>
+      <dsp:style>
+        <a:lnRef idx="0">
+          <a:scrgbClr r="0" g="0" b="0"/>
+        </a:lnRef>
+        <a:fillRef idx="2">
+          <a:scrgbClr r="0" g="0" b="0"/>
+        </a:fillRef>
+        <a:effectRef idx="1">
+          <a:scrgbClr r="0" g="0" b="0"/>
+        </a:effectRef>
+        <a:fontRef idx="minor">
+          <a:schemeClr val="dk1"/>
+        </a:fontRef>
+      </dsp:style>
+      <dsp:txBody>
+        <a:bodyPr spcFirstLastPara="0" vert="horz" wrap="square" lIns="20320" tIns="20320" rIns="20320" bIns="20320" numCol="1" spcCol="1270" anchor="ctr" anchorCtr="0">
+          <a:noAutofit/>
+        </a:bodyPr>
+        <a:lstStyle/>
+        <a:p>
+          <a:pPr marL="0" lvl="0" indent="0" algn="ctr" defTabSz="711200">
+            <a:lnSpc>
+              <a:spcPct val="90000"/>
+            </a:lnSpc>
+            <a:spcBef>
+              <a:spcPct val="0"/>
+            </a:spcBef>
+            <a:spcAft>
+              <a:spcPct val="35000"/>
+            </a:spcAft>
+            <a:buNone/>
+          </a:pPr>
+          <a:r>
+            <a:rPr lang="en-US" sz="1600" kern="1200" dirty="0"/>
+            <a:t>Realistic business situation</a:t>
+          </a:r>
+        </a:p>
+      </dsp:txBody>
+      <dsp:txXfrm>
+        <a:off x="4463331" y="2602326"/>
+        <a:ext cx="1478448" cy="1271014"/>
+      </dsp:txXfrm>
+    </dsp:sp>
+    <dsp:sp modelId="{D15B6F4C-9CDC-4B68-98A5-571821B0E58B}">
+      <dsp:nvSpPr>
+        <dsp:cNvPr id="0" name=""/>
+        <dsp:cNvSpPr/>
+      </dsp:nvSpPr>
+      <dsp:spPr>
+        <a:xfrm>
+          <a:off x="2527554" y="1438656"/>
+          <a:ext cx="1798320" cy="1798320"/>
+        </a:xfrm>
+        <a:prstGeom prst="gear6">
+          <a:avLst/>
+        </a:prstGeom>
+        <a:gradFill rotWithShape="0">
+          <a:gsLst>
+            <a:gs pos="0">
+              <a:schemeClr val="accent5">
+                <a:hueOff val="1628513"/>
+                <a:satOff val="5598"/>
+                <a:lumOff val="-26863"/>
+                <a:alphaOff val="0"/>
+                <a:tint val="50000"/>
+                <a:satMod val="300000"/>
+              </a:schemeClr>
+            </a:gs>
+            <a:gs pos="35000">
+              <a:schemeClr val="accent5">
+                <a:hueOff val="1628513"/>
+                <a:satOff val="5598"/>
+                <a:lumOff val="-26863"/>
+                <a:alphaOff val="0"/>
+                <a:tint val="37000"/>
+                <a:satMod val="300000"/>
+              </a:schemeClr>
+            </a:gs>
+            <a:gs pos="100000">
+              <a:schemeClr val="accent5">
+                <a:hueOff val="1628513"/>
+                <a:satOff val="5598"/>
+                <a:lumOff val="-26863"/>
+                <a:alphaOff val="0"/>
+                <a:tint val="15000"/>
+                <a:satMod val="350000"/>
+              </a:schemeClr>
+            </a:gs>
+          </a:gsLst>
+          <a:lin ang="16200000" scaled="1"/>
+        </a:gradFill>
+        <a:ln>
+          <a:noFill/>
+        </a:ln>
+        <a:effectLst>
+          <a:outerShdw blurRad="40000" dist="20000" dir="5400000" rotWithShape="0">
+            <a:srgbClr val="000000">
+              <a:alpha val="38000"/>
+            </a:srgbClr>
+          </a:outerShdw>
+        </a:effectLst>
+        <a:scene3d>
+          <a:camera prst="orthographicFront"/>
+          <a:lightRig rig="flat" dir="t"/>
+        </a:scene3d>
+        <a:sp3d prstMaterial="dkEdge">
+          <a:bevelT w="8200" h="38100"/>
+        </a:sp3d>
+      </dsp:spPr>
+      <dsp:style>
+        <a:lnRef idx="0">
+          <a:scrgbClr r="0" g="0" b="0"/>
+        </a:lnRef>
+        <a:fillRef idx="2">
+          <a:scrgbClr r="0" g="0" b="0"/>
+        </a:fillRef>
+        <a:effectRef idx="1">
+          <a:scrgbClr r="0" g="0" b="0"/>
+        </a:effectRef>
+        <a:fontRef idx="minor">
+          <a:schemeClr val="dk1"/>
+        </a:fontRef>
+      </dsp:style>
+      <dsp:txBody>
+        <a:bodyPr spcFirstLastPara="0" vert="horz" wrap="square" lIns="17780" tIns="17780" rIns="17780" bIns="17780" numCol="1" spcCol="1270" anchor="ctr" anchorCtr="0">
+          <a:noAutofit/>
+        </a:bodyPr>
+        <a:lstStyle/>
+        <a:p>
+          <a:pPr marL="0" lvl="0" indent="0" algn="ctr" defTabSz="622300">
+            <a:lnSpc>
+              <a:spcPct val="90000"/>
+            </a:lnSpc>
+            <a:spcBef>
+              <a:spcPct val="0"/>
+            </a:spcBef>
+            <a:spcAft>
+              <a:spcPct val="35000"/>
+            </a:spcAft>
+            <a:buNone/>
+          </a:pPr>
+          <a:r>
+            <a:rPr lang="en-US" sz="1400" kern="1200" dirty="0"/>
+            <a:t>Larger, more complex problems</a:t>
+          </a:r>
+        </a:p>
+      </dsp:txBody>
+      <dsp:txXfrm>
+        <a:off x="2980286" y="1894125"/>
+        <a:ext cx="892856" cy="887382"/>
+      </dsp:txXfrm>
+    </dsp:sp>
+    <dsp:sp modelId="{8760AB90-7EA7-400C-89E6-79CE05C6B61A}">
+      <dsp:nvSpPr>
+        <dsp:cNvPr id="0" name=""/>
+        <dsp:cNvSpPr/>
+      </dsp:nvSpPr>
+      <dsp:spPr>
+        <a:xfrm rot="20700000">
+          <a:off x="3534796" y="197998"/>
+          <a:ext cx="1761986" cy="1761986"/>
+        </a:xfrm>
+        <a:prstGeom prst="gear6">
+          <a:avLst/>
+        </a:prstGeom>
+        <a:gradFill rotWithShape="0">
+          <a:gsLst>
+            <a:gs pos="0">
+              <a:schemeClr val="accent5">
+                <a:hueOff val="3257026"/>
+                <a:satOff val="11196"/>
+                <a:lumOff val="-53726"/>
+                <a:alphaOff val="0"/>
+                <a:tint val="50000"/>
+                <a:satMod val="300000"/>
+              </a:schemeClr>
+            </a:gs>
+            <a:gs pos="35000">
+              <a:schemeClr val="accent5">
+                <a:hueOff val="3257026"/>
+                <a:satOff val="11196"/>
+                <a:lumOff val="-53726"/>
+                <a:alphaOff val="0"/>
+                <a:tint val="37000"/>
+                <a:satMod val="300000"/>
+              </a:schemeClr>
+            </a:gs>
+            <a:gs pos="100000">
+              <a:schemeClr val="accent5">
+                <a:hueOff val="3257026"/>
+                <a:satOff val="11196"/>
+                <a:lumOff val="-53726"/>
+                <a:alphaOff val="0"/>
+                <a:tint val="15000"/>
+                <a:satMod val="350000"/>
+              </a:schemeClr>
+            </a:gs>
+          </a:gsLst>
+          <a:lin ang="16200000" scaled="1"/>
+        </a:gradFill>
+        <a:ln>
+          <a:noFill/>
+        </a:ln>
+        <a:effectLst>
+          <a:outerShdw blurRad="40000" dist="20000" dir="5400000" rotWithShape="0">
+            <a:srgbClr val="000000">
+              <a:alpha val="38000"/>
+            </a:srgbClr>
+          </a:outerShdw>
+        </a:effectLst>
+        <a:scene3d>
+          <a:camera prst="orthographicFront"/>
+          <a:lightRig rig="flat" dir="t"/>
+        </a:scene3d>
+        <a:sp3d prstMaterial="dkEdge">
+          <a:bevelT w="8200" h="38100"/>
+        </a:sp3d>
+      </dsp:spPr>
+      <dsp:style>
+        <a:lnRef idx="0">
+          <a:scrgbClr r="0" g="0" b="0"/>
+        </a:lnRef>
+        <a:fillRef idx="2">
+          <a:scrgbClr r="0" g="0" b="0"/>
+        </a:fillRef>
+        <a:effectRef idx="1">
+          <a:scrgbClr r="0" g="0" b="0"/>
+        </a:effectRef>
+        <a:fontRef idx="minor">
+          <a:schemeClr val="dk1"/>
+        </a:fontRef>
+      </dsp:style>
+      <dsp:txBody>
+        <a:bodyPr spcFirstLastPara="0" vert="horz" wrap="square" lIns="17780" tIns="17780" rIns="17780" bIns="17780" numCol="1" spcCol="1270" anchor="ctr" anchorCtr="0">
+          <a:noAutofit/>
+        </a:bodyPr>
+        <a:lstStyle/>
+        <a:p>
+          <a:pPr marL="0" lvl="0" indent="0" algn="ctr" defTabSz="622300">
+            <a:lnSpc>
+              <a:spcPct val="90000"/>
+            </a:lnSpc>
+            <a:spcBef>
+              <a:spcPct val="0"/>
+            </a:spcBef>
+            <a:spcAft>
+              <a:spcPct val="35000"/>
+            </a:spcAft>
+            <a:buNone/>
+          </a:pPr>
+          <a:r>
+            <a:rPr lang="en-US" sz="1400" kern="1200" dirty="0"/>
+            <a:t>Integrate and extend concepts and skills</a:t>
+          </a:r>
+        </a:p>
+      </dsp:txBody>
+      <dsp:txXfrm rot="-20700000">
+        <a:off x="3921252" y="584453"/>
+        <a:ext cx="989076" cy="989076"/>
+      </dsp:txXfrm>
+    </dsp:sp>
+    <dsp:sp modelId="{896A460B-4308-4FFD-80C4-926AD15FE818}">
+      <dsp:nvSpPr>
+        <dsp:cNvPr id="0" name=""/>
+        <dsp:cNvSpPr/>
+      </dsp:nvSpPr>
+      <dsp:spPr>
+        <a:xfrm>
+          <a:off x="3779396" y="1648095"/>
+          <a:ext cx="3165043" cy="3165043"/>
+        </a:xfrm>
+        <a:prstGeom prst="circularArrow">
+          <a:avLst>
+            <a:gd name="adj1" fmla="val 4687"/>
+            <a:gd name="adj2" fmla="val 299029"/>
+            <a:gd name="adj3" fmla="val 2522945"/>
+            <a:gd name="adj4" fmla="val 15846748"/>
+            <a:gd name="adj5" fmla="val 5469"/>
+          </a:avLst>
+        </a:prstGeom>
+        <a:gradFill rotWithShape="0">
+          <a:gsLst>
+            <a:gs pos="0">
+              <a:schemeClr val="accent5">
+                <a:hueOff val="0"/>
+                <a:satOff val="0"/>
+                <a:lumOff val="0"/>
+                <a:alphaOff val="0"/>
+                <a:tint val="50000"/>
+                <a:satMod val="300000"/>
+              </a:schemeClr>
+            </a:gs>
+            <a:gs pos="35000">
+              <a:schemeClr val="accent5">
+                <a:hueOff val="0"/>
+                <a:satOff val="0"/>
+                <a:lumOff val="0"/>
+                <a:alphaOff val="0"/>
+                <a:tint val="37000"/>
+                <a:satMod val="300000"/>
+              </a:schemeClr>
+            </a:gs>
+            <a:gs pos="100000">
+              <a:schemeClr val="accent5">
+                <a:hueOff val="0"/>
+                <a:satOff val="0"/>
+                <a:lumOff val="0"/>
+                <a:alphaOff val="0"/>
+                <a:tint val="15000"/>
+                <a:satMod val="350000"/>
+              </a:schemeClr>
+            </a:gs>
+          </a:gsLst>
+          <a:lin ang="16200000" scaled="1"/>
+        </a:gradFill>
+        <a:ln>
+          <a:noFill/>
+        </a:ln>
+        <a:effectLst>
+          <a:outerShdw blurRad="40000" dist="20000" dir="5400000" rotWithShape="0">
+            <a:srgbClr val="000000">
+              <a:alpha val="38000"/>
+            </a:srgbClr>
+          </a:outerShdw>
+        </a:effectLst>
+      </dsp:spPr>
+      <dsp:style>
+        <a:lnRef idx="0">
+          <a:scrgbClr r="0" g="0" b="0"/>
+        </a:lnRef>
+        <a:fillRef idx="2">
+          <a:scrgbClr r="0" g="0" b="0"/>
+        </a:fillRef>
+        <a:effectRef idx="1">
+          <a:scrgbClr r="0" g="0" b="0"/>
+        </a:effectRef>
+        <a:fontRef idx="minor">
+          <a:schemeClr val="dk1"/>
+        </a:fontRef>
+      </dsp:style>
+    </dsp:sp>
+    <dsp:sp modelId="{7A3EF8F9-2724-43FD-B073-562C8D90E451}">
+      <dsp:nvSpPr>
+        <dsp:cNvPr id="0" name=""/>
+        <dsp:cNvSpPr/>
+      </dsp:nvSpPr>
+      <dsp:spPr>
+        <a:xfrm>
+          <a:off x="2209074" y="1039461"/>
+          <a:ext cx="2299601" cy="2299601"/>
+        </a:xfrm>
+        <a:prstGeom prst="leftCircularArrow">
+          <a:avLst>
+            <a:gd name="adj1" fmla="val 6452"/>
+            <a:gd name="adj2" fmla="val 429999"/>
+            <a:gd name="adj3" fmla="val 10489124"/>
+            <a:gd name="adj4" fmla="val 14837806"/>
+            <a:gd name="adj5" fmla="val 7527"/>
+          </a:avLst>
+        </a:prstGeom>
+        <a:gradFill rotWithShape="0">
+          <a:gsLst>
+            <a:gs pos="0">
+              <a:schemeClr val="accent5">
+                <a:hueOff val="1628513"/>
+                <a:satOff val="5598"/>
+                <a:lumOff val="-26863"/>
+                <a:alphaOff val="0"/>
+                <a:tint val="50000"/>
+                <a:satMod val="300000"/>
+              </a:schemeClr>
+            </a:gs>
+            <a:gs pos="35000">
+              <a:schemeClr val="accent5">
+                <a:hueOff val="1628513"/>
+                <a:satOff val="5598"/>
+                <a:lumOff val="-26863"/>
+                <a:alphaOff val="0"/>
+                <a:tint val="37000"/>
+                <a:satMod val="300000"/>
+              </a:schemeClr>
+            </a:gs>
+            <a:gs pos="100000">
+              <a:schemeClr val="accent5">
+                <a:hueOff val="1628513"/>
+                <a:satOff val="5598"/>
+                <a:lumOff val="-26863"/>
+                <a:alphaOff val="0"/>
+                <a:tint val="15000"/>
+                <a:satMod val="350000"/>
+              </a:schemeClr>
+            </a:gs>
+          </a:gsLst>
+          <a:lin ang="16200000" scaled="1"/>
+        </a:gradFill>
+        <a:ln>
+          <a:noFill/>
+        </a:ln>
+        <a:effectLst>
+          <a:outerShdw blurRad="40000" dist="20000" dir="5400000" rotWithShape="0">
+            <a:srgbClr val="000000">
+              <a:alpha val="38000"/>
+            </a:srgbClr>
+          </a:outerShdw>
+        </a:effectLst>
+      </dsp:spPr>
+      <dsp:style>
+        <a:lnRef idx="0">
+          <a:scrgbClr r="0" g="0" b="0"/>
+        </a:lnRef>
+        <a:fillRef idx="2">
+          <a:scrgbClr r="0" g="0" b="0"/>
+        </a:fillRef>
+        <a:effectRef idx="1">
+          <a:scrgbClr r="0" g="0" b="0"/>
+        </a:effectRef>
+        <a:fontRef idx="minor">
+          <a:schemeClr val="dk1"/>
+        </a:fontRef>
+      </dsp:style>
+    </dsp:sp>
+    <dsp:sp modelId="{8D36A0C2-160A-49A4-AD44-FE70E80A7284}">
+      <dsp:nvSpPr>
+        <dsp:cNvPr id="0" name=""/>
+        <dsp:cNvSpPr/>
+      </dsp:nvSpPr>
+      <dsp:spPr>
+        <a:xfrm>
+          <a:off x="3127231" y="-189236"/>
+          <a:ext cx="2479433" cy="2479433"/>
+        </a:xfrm>
+        <a:prstGeom prst="circularArrow">
+          <a:avLst>
+            <a:gd name="adj1" fmla="val 5984"/>
+            <a:gd name="adj2" fmla="val 394124"/>
+            <a:gd name="adj3" fmla="val 13313824"/>
+            <a:gd name="adj4" fmla="val 10508221"/>
+            <a:gd name="adj5" fmla="val 6981"/>
+          </a:avLst>
+        </a:prstGeom>
+        <a:gradFill rotWithShape="0">
+          <a:gsLst>
+            <a:gs pos="0">
+              <a:schemeClr val="accent5">
+                <a:hueOff val="3257026"/>
+                <a:satOff val="11196"/>
+                <a:lumOff val="-53726"/>
+                <a:alphaOff val="0"/>
+                <a:tint val="50000"/>
+                <a:satMod val="300000"/>
+              </a:schemeClr>
+            </a:gs>
+            <a:gs pos="35000">
+              <a:schemeClr val="accent5">
+                <a:hueOff val="3257026"/>
+                <a:satOff val="11196"/>
+                <a:lumOff val="-53726"/>
+                <a:alphaOff val="0"/>
+                <a:tint val="37000"/>
+                <a:satMod val="300000"/>
+              </a:schemeClr>
+            </a:gs>
+            <a:gs pos="100000">
+              <a:schemeClr val="accent5">
+                <a:hueOff val="3257026"/>
+                <a:satOff val="11196"/>
+                <a:lumOff val="-53726"/>
+                <a:alphaOff val="0"/>
+                <a:tint val="15000"/>
+                <a:satMod val="350000"/>
+              </a:schemeClr>
+            </a:gs>
+          </a:gsLst>
+          <a:lin ang="16200000" scaled="1"/>
+        </a:gradFill>
+        <a:ln>
+          <a:noFill/>
+        </a:ln>
+        <a:effectLst>
+          <a:outerShdw blurRad="40000" dist="20000" dir="5400000" rotWithShape="0">
+            <a:srgbClr val="000000">
+              <a:alpha val="38000"/>
+            </a:srgbClr>
+          </a:outerShdw>
+        </a:effectLst>
+      </dsp:spPr>
+      <dsp:style>
+        <a:lnRef idx="0">
+          <a:scrgbClr r="0" g="0" b="0"/>
+        </a:lnRef>
+        <a:fillRef idx="2">
+          <a:scrgbClr r="0" g="0" b="0"/>
+        </a:fillRef>
+        <a:effectRef idx="1">
+          <a:scrgbClr r="0" g="0" b="0"/>
+        </a:effectRef>
+        <a:fontRef idx="minor">
+          <a:schemeClr val="dk1"/>
+        </a:fontRef>
+      </dsp:style>
+    </dsp:sp>
   </dsp:spTree>
 </dsp:drawing>
 </file>
@@ -6872,7 +6993,7 @@
         </a:bodyPr>
         <a:lstStyle/>
         <a:p>
-          <a:pPr lvl="0" algn="ctr" defTabSz="622300">
+          <a:pPr marL="0" lvl="0" indent="0" algn="ctr" defTabSz="622300">
             <a:lnSpc>
               <a:spcPct val="90000"/>
             </a:lnSpc>
@@ -6882,12 +7003,12 @@
             <a:spcAft>
               <a:spcPct val="35000"/>
             </a:spcAft>
+            <a:buNone/>
           </a:pPr>
           <a:r>
-            <a:rPr lang="en-US" sz="1400" b="1" kern="1200" dirty="0" smtClean="0"/>
+            <a:rPr lang="en-US" sz="1400" b="1" kern="1200" dirty="0"/>
             <a:t>Module 1</a:t>
           </a:r>
-          <a:endParaRPr lang="en-US" sz="1400" b="1" kern="1200" dirty="0"/>
         </a:p>
       </dsp:txBody>
       <dsp:txXfrm rot="-5400000">
@@ -6958,13 +7079,12 @@
             <a:spcAft>
               <a:spcPct val="15000"/>
             </a:spcAft>
-            <a:buChar char="••"/>
+            <a:buChar char="•"/>
           </a:pPr>
           <a:r>
-            <a:rPr lang="en-US" sz="1400" b="0" kern="1200" dirty="0" smtClean="0"/>
+            <a:rPr lang="en-US" sz="1400" b="0" kern="1200" dirty="0"/>
             <a:t>Course background</a:t>
           </a:r>
-          <a:endParaRPr lang="en-US" sz="1400" b="0" kern="1200" dirty="0"/>
         </a:p>
         <a:p>
           <a:pPr marL="114300" lvl="1" indent="-114300" algn="l" defTabSz="622300">
@@ -6977,13 +7097,12 @@
             <a:spcAft>
               <a:spcPct val="15000"/>
             </a:spcAft>
-            <a:buChar char="••"/>
+            <a:buChar char="•"/>
           </a:pPr>
           <a:r>
-            <a:rPr lang="en-US" sz="1400" b="0" kern="1200" dirty="0" smtClean="0"/>
+            <a:rPr lang="en-US" sz="1400" b="0" kern="1200" dirty="0"/>
             <a:t>Organization background</a:t>
           </a:r>
-          <a:endParaRPr lang="en-US" sz="1400" b="0" kern="1200" dirty="0"/>
         </a:p>
         <a:p>
           <a:pPr marL="114300" lvl="1" indent="-114300" algn="l" defTabSz="622300">
@@ -6996,13 +7115,12 @@
             <a:spcAft>
               <a:spcPct val="15000"/>
             </a:spcAft>
-            <a:buChar char="••"/>
+            <a:buChar char="•"/>
           </a:pPr>
           <a:r>
-            <a:rPr lang="en-US" sz="1400" b="0" kern="1200" dirty="0" smtClean="0"/>
+            <a:rPr lang="en-US" sz="1400" b="0" kern="1200" dirty="0"/>
             <a:t>Software requirements</a:t>
           </a:r>
-          <a:endParaRPr lang="en-US" sz="1400" b="0" kern="1200" dirty="0"/>
         </a:p>
       </dsp:txBody>
       <dsp:txXfrm rot="-5400000">
@@ -7097,7 +7215,7 @@
         </a:bodyPr>
         <a:lstStyle/>
         <a:p>
-          <a:pPr lvl="0" algn="ctr" defTabSz="622300">
+          <a:pPr marL="0" lvl="0" indent="0" algn="ctr" defTabSz="622300">
             <a:lnSpc>
               <a:spcPct val="90000"/>
             </a:lnSpc>
@@ -7107,12 +7225,12 @@
             <a:spcAft>
               <a:spcPct val="35000"/>
             </a:spcAft>
+            <a:buNone/>
           </a:pPr>
           <a:r>
-            <a:rPr lang="en-US" sz="1400" b="1" kern="1200" dirty="0" smtClean="0"/>
+            <a:rPr lang="en-US" sz="1400" b="1" kern="1200" dirty="0"/>
             <a:t>Module 2</a:t>
           </a:r>
-          <a:endParaRPr lang="en-US" sz="1400" b="1" kern="1200" dirty="0"/>
         </a:p>
       </dsp:txBody>
       <dsp:txXfrm rot="-5400000">
@@ -7183,13 +7301,12 @@
             <a:spcAft>
               <a:spcPct val="15000"/>
             </a:spcAft>
-            <a:buChar char="••"/>
+            <a:buChar char="•"/>
           </a:pPr>
           <a:r>
-            <a:rPr lang="en-US" sz="1400" kern="1200" dirty="0" smtClean="0"/>
+            <a:rPr lang="en-US" sz="1400" kern="1200" dirty="0"/>
             <a:t>Business situation for data warehouse design</a:t>
           </a:r>
-          <a:endParaRPr lang="en-US" sz="1400" kern="1200" dirty="0"/>
         </a:p>
         <a:p>
           <a:pPr marL="114300" lvl="1" indent="-114300" algn="l" defTabSz="622300">
@@ -7202,13 +7319,12 @@
             <a:spcAft>
               <a:spcPct val="15000"/>
             </a:spcAft>
-            <a:buChar char="••"/>
+            <a:buChar char="•"/>
           </a:pPr>
           <a:r>
-            <a:rPr lang="en-US" sz="1400" kern="1200" dirty="0" smtClean="0"/>
+            <a:rPr lang="en-US" sz="1400" kern="1200" dirty="0"/>
             <a:t>Data source requirements</a:t>
           </a:r>
-          <a:endParaRPr lang="en-US" sz="1400" kern="1200" dirty="0"/>
         </a:p>
         <a:p>
           <a:pPr marL="114300" lvl="1" indent="-114300" algn="l" defTabSz="622300">
@@ -7221,13 +7337,12 @@
             <a:spcAft>
               <a:spcPct val="15000"/>
             </a:spcAft>
-            <a:buChar char="••"/>
+            <a:buChar char="•"/>
           </a:pPr>
           <a:r>
-            <a:rPr lang="en-US" sz="1400" kern="1200" dirty="0" smtClean="0"/>
+            <a:rPr lang="en-US" sz="1400" kern="1200" dirty="0"/>
             <a:t>Reporting needs</a:t>
           </a:r>
-          <a:endParaRPr lang="en-US" sz="1400" kern="1200" dirty="0"/>
         </a:p>
       </dsp:txBody>
       <dsp:txXfrm rot="-5400000">
@@ -7322,7 +7437,7 @@
         </a:bodyPr>
         <a:lstStyle/>
         <a:p>
-          <a:pPr lvl="0" algn="ctr" defTabSz="622300">
+          <a:pPr marL="0" lvl="0" indent="0" algn="ctr" defTabSz="622300">
             <a:lnSpc>
               <a:spcPct val="90000"/>
             </a:lnSpc>
@@ -7332,12 +7447,12 @@
             <a:spcAft>
               <a:spcPct val="35000"/>
             </a:spcAft>
+            <a:buNone/>
           </a:pPr>
           <a:r>
-            <a:rPr lang="en-US" sz="1400" b="1" kern="1200" dirty="0" smtClean="0"/>
+            <a:rPr lang="en-US" sz="1400" b="1" kern="1200" dirty="0"/>
             <a:t>Module 3</a:t>
           </a:r>
-          <a:endParaRPr lang="en-US" sz="1400" b="1" kern="1200" dirty="0"/>
         </a:p>
       </dsp:txBody>
       <dsp:txXfrm rot="-5400000">
@@ -7408,13 +7523,12 @@
             <a:spcAft>
               <a:spcPct val="15000"/>
             </a:spcAft>
-            <a:buChar char="••"/>
+            <a:buChar char="•"/>
           </a:pPr>
           <a:r>
-            <a:rPr lang="en-US" sz="1300" kern="1200" dirty="0" smtClean="0"/>
+            <a:rPr lang="en-US" sz="1300" kern="1200" dirty="0"/>
             <a:t>Business situation for data integration</a:t>
           </a:r>
-          <a:endParaRPr lang="en-US" sz="1300" kern="1200" dirty="0"/>
         </a:p>
         <a:p>
           <a:pPr marL="114300" lvl="1" indent="-114300" algn="l" defTabSz="577850">
@@ -7427,13 +7541,12 @@
             <a:spcAft>
               <a:spcPct val="15000"/>
             </a:spcAft>
-            <a:buChar char="••"/>
+            <a:buChar char="•"/>
           </a:pPr>
           <a:r>
-            <a:rPr lang="en-US" sz="1300" kern="1200" dirty="0" smtClean="0"/>
+            <a:rPr lang="en-US" sz="1300" kern="1200" dirty="0"/>
             <a:t>Change data processing requirements</a:t>
           </a:r>
-          <a:endParaRPr lang="en-US" sz="1300" kern="1200" dirty="0"/>
         </a:p>
         <a:p>
           <a:pPr marL="114300" lvl="1" indent="-114300" algn="l" defTabSz="577850">
@@ -7446,13 +7559,12 @@
             <a:spcAft>
               <a:spcPct val="15000"/>
             </a:spcAft>
-            <a:buChar char="••"/>
+            <a:buChar char="•"/>
           </a:pPr>
           <a:r>
-            <a:rPr lang="en-US" sz="1300" kern="1200" dirty="0" smtClean="0"/>
+            <a:rPr lang="en-US" sz="1300" kern="1200" dirty="0"/>
             <a:t>Workflow extensions</a:t>
           </a:r>
-          <a:endParaRPr lang="en-US" sz="1300" kern="1200" dirty="0"/>
         </a:p>
       </dsp:txBody>
       <dsp:txXfrm rot="-5400000">
@@ -7547,7 +7659,7 @@
         </a:bodyPr>
         <a:lstStyle/>
         <a:p>
-          <a:pPr lvl="0" algn="ctr" defTabSz="622300">
+          <a:pPr marL="0" lvl="0" indent="0" algn="ctr" defTabSz="622300">
             <a:lnSpc>
               <a:spcPct val="90000"/>
             </a:lnSpc>
@@ -7557,9 +7669,10 @@
             <a:spcAft>
               <a:spcPct val="35000"/>
             </a:spcAft>
+            <a:buNone/>
           </a:pPr>
           <a:r>
-            <a:rPr lang="en-US" sz="1400" b="1" kern="1200" dirty="0" smtClean="0"/>
+            <a:rPr lang="en-US" sz="1400" b="1" kern="1200" dirty="0"/>
             <a:t>Module 4</a:t>
           </a:r>
         </a:p>
@@ -7632,13 +7745,12 @@
             <a:spcAft>
               <a:spcPct val="15000"/>
             </a:spcAft>
-            <a:buChar char="••"/>
+            <a:buChar char="•"/>
           </a:pPr>
           <a:r>
-            <a:rPr lang="en-US" sz="1300" kern="1200" dirty="0" smtClean="0"/>
+            <a:rPr lang="en-US" sz="1300" kern="1200" dirty="0"/>
             <a:t>Business situation for analytical queries and materialized views</a:t>
           </a:r>
-          <a:endParaRPr lang="en-US" sz="1300" kern="1200" dirty="0"/>
         </a:p>
         <a:p>
           <a:pPr marL="114300" lvl="1" indent="-114300" algn="l" defTabSz="577850">
@@ -7651,13 +7763,12 @@
             <a:spcAft>
               <a:spcPct val="15000"/>
             </a:spcAft>
-            <a:buChar char="••"/>
+            <a:buChar char="•"/>
           </a:pPr>
           <a:r>
-            <a:rPr lang="en-US" sz="1300" kern="1200" dirty="0" smtClean="0"/>
+            <a:rPr lang="en-US" sz="1300" kern="1200" dirty="0"/>
             <a:t>Analytical query requirements</a:t>
           </a:r>
-          <a:endParaRPr lang="en-US" sz="1300" kern="1200" dirty="0"/>
         </a:p>
         <a:p>
           <a:pPr marL="114300" lvl="1" indent="-114300" algn="l" defTabSz="577850">
@@ -7670,13 +7781,12 @@
             <a:spcAft>
               <a:spcPct val="15000"/>
             </a:spcAft>
-            <a:buChar char="••"/>
+            <a:buChar char="•"/>
           </a:pPr>
           <a:r>
-            <a:rPr lang="en-US" sz="1300" kern="1200" dirty="0" smtClean="0"/>
+            <a:rPr lang="en-US" sz="1300" kern="1200" dirty="0"/>
             <a:t>Summary data requirements</a:t>
           </a:r>
-          <a:endParaRPr lang="en-US" sz="1300" kern="1200" dirty="0"/>
         </a:p>
       </dsp:txBody>
       <dsp:txXfrm rot="-5400000">
@@ -7771,7 +7881,7 @@
         </a:bodyPr>
         <a:lstStyle/>
         <a:p>
-          <a:pPr lvl="0" algn="ctr" defTabSz="622300">
+          <a:pPr marL="0" lvl="0" indent="0" algn="ctr" defTabSz="622300">
             <a:lnSpc>
               <a:spcPct val="90000"/>
             </a:lnSpc>
@@ -7781,12 +7891,12 @@
             <a:spcAft>
               <a:spcPct val="35000"/>
             </a:spcAft>
+            <a:buNone/>
           </a:pPr>
           <a:r>
-            <a:rPr lang="en-US" sz="1400" b="1" kern="1200" dirty="0" smtClean="0"/>
+            <a:rPr lang="en-US" sz="1400" b="1" kern="1200" dirty="0"/>
             <a:t>Module 5</a:t>
           </a:r>
-          <a:endParaRPr lang="en-US" sz="1400" b="1" kern="1200" dirty="0"/>
         </a:p>
       </dsp:txBody>
       <dsp:txXfrm rot="-5400000">
@@ -7857,13 +7967,12 @@
             <a:spcAft>
               <a:spcPct val="15000"/>
             </a:spcAft>
-            <a:buChar char="••"/>
+            <a:buChar char="•"/>
           </a:pPr>
           <a:r>
-            <a:rPr lang="en-US" sz="1300" kern="1200" dirty="0" smtClean="0"/>
+            <a:rPr lang="en-US" sz="1300" kern="1200" dirty="0"/>
             <a:t>Business situation for dashboard and reporting</a:t>
           </a:r>
-          <a:endParaRPr lang="en-US" sz="1300" kern="1200" dirty="0"/>
         </a:p>
         <a:p>
           <a:pPr marL="114300" lvl="1" indent="-114300" algn="l" defTabSz="577850">
@@ -7876,13 +7985,12 @@
             <a:spcAft>
               <a:spcPct val="15000"/>
             </a:spcAft>
-            <a:buChar char="••"/>
+            <a:buChar char="•"/>
           </a:pPr>
           <a:r>
-            <a:rPr lang="en-US" sz="1300" kern="1200" dirty="0" smtClean="0"/>
+            <a:rPr lang="en-US" sz="1300" kern="1200" dirty="0"/>
             <a:t>Dashboard requirements</a:t>
           </a:r>
-          <a:endParaRPr lang="en-US" sz="1300" kern="1200" dirty="0"/>
         </a:p>
         <a:p>
           <a:pPr marL="114300" lvl="1" indent="-114300" algn="l" defTabSz="577850">
@@ -7895,13 +8003,12 @@
             <a:spcAft>
               <a:spcPct val="15000"/>
             </a:spcAft>
-            <a:buChar char="••"/>
+            <a:buChar char="•"/>
           </a:pPr>
           <a:r>
-            <a:rPr lang="en-US" sz="1300" kern="1200" dirty="0" smtClean="0"/>
+            <a:rPr lang="en-US" sz="1300" kern="1200" dirty="0"/>
             <a:t>Visualization requirements</a:t>
           </a:r>
-          <a:endParaRPr lang="en-US" sz="1300" kern="1200" dirty="0"/>
         </a:p>
       </dsp:txBody>
       <dsp:txXfrm rot="-5400000">
@@ -8055,7 +8162,7 @@
         </a:bodyPr>
         <a:lstStyle/>
         <a:p>
-          <a:pPr lvl="0" algn="l" defTabSz="1111250">
+          <a:pPr marL="0" lvl="0" indent="0" algn="l" defTabSz="1111250">
             <a:lnSpc>
               <a:spcPct val="90000"/>
             </a:lnSpc>
@@ -8065,12 +8172,12 @@
             <a:spcAft>
               <a:spcPct val="35000"/>
             </a:spcAft>
+            <a:buNone/>
           </a:pPr>
           <a:r>
-            <a:rPr lang="en-US" sz="2500" kern="1200" dirty="0" smtClean="0"/>
+            <a:rPr lang="en-US" sz="2500" kern="1200" dirty="0"/>
             <a:t>Context for each module</a:t>
           </a:r>
-          <a:endParaRPr lang="en-US" sz="2500" kern="1200" dirty="0"/>
         </a:p>
       </dsp:txBody>
       <dsp:txXfrm>
@@ -8212,7 +8319,7 @@
         </a:bodyPr>
         <a:lstStyle/>
         <a:p>
-          <a:pPr lvl="0" algn="l" defTabSz="1111250">
+          <a:pPr marL="0" lvl="0" indent="0" algn="l" defTabSz="1111250">
             <a:lnSpc>
               <a:spcPct val="90000"/>
             </a:lnSpc>
@@ -8222,12 +8329,12 @@
             <a:spcAft>
               <a:spcPct val="35000"/>
             </a:spcAft>
+            <a:buNone/>
           </a:pPr>
           <a:r>
-            <a:rPr lang="en-US" sz="2500" kern="1200" dirty="0" smtClean="0"/>
+            <a:rPr lang="en-US" sz="2500" kern="1200" dirty="0"/>
             <a:t>Executive interviews</a:t>
           </a:r>
-          <a:endParaRPr lang="en-US" sz="2500" kern="1200" dirty="0"/>
         </a:p>
       </dsp:txBody>
       <dsp:txXfrm>
@@ -8369,7 +8476,7 @@
         </a:bodyPr>
         <a:lstStyle/>
         <a:p>
-          <a:pPr lvl="0" algn="l" defTabSz="1111250">
+          <a:pPr marL="0" lvl="0" indent="0" algn="l" defTabSz="1111250">
             <a:lnSpc>
               <a:spcPct val="90000"/>
             </a:lnSpc>
@@ -8379,12 +8486,12 @@
             <a:spcAft>
               <a:spcPct val="35000"/>
             </a:spcAft>
+            <a:buNone/>
           </a:pPr>
           <a:r>
-            <a:rPr lang="en-US" sz="2500" kern="1200" dirty="0" smtClean="0"/>
+            <a:rPr lang="en-US" sz="2500" kern="1200" dirty="0"/>
             <a:t>Case background</a:t>
           </a:r>
-          <a:endParaRPr lang="en-US" sz="2500" kern="1200" dirty="0"/>
         </a:p>
       </dsp:txBody>
       <dsp:txXfrm>
@@ -8526,7 +8633,7 @@
         </a:bodyPr>
         <a:lstStyle/>
         <a:p>
-          <a:pPr lvl="0" algn="l" defTabSz="1111250">
+          <a:pPr marL="0" lvl="0" indent="0" algn="l" defTabSz="1111250">
             <a:lnSpc>
               <a:spcPct val="90000"/>
             </a:lnSpc>
@@ -8536,12 +8643,12 @@
             <a:spcAft>
               <a:spcPct val="35000"/>
             </a:spcAft>
+            <a:buNone/>
           </a:pPr>
           <a:r>
-            <a:rPr lang="en-US" sz="2500" kern="1200" dirty="0" smtClean="0"/>
+            <a:rPr lang="en-US" sz="2500" kern="1200" dirty="0"/>
             <a:t>Perspectives from external organizations</a:t>
           </a:r>
-          <a:endParaRPr lang="en-US" sz="2500" kern="1200" dirty="0"/>
         </a:p>
       </dsp:txBody>
       <dsp:txXfrm>
@@ -8614,7 +8721,7 @@
         </a:bodyPr>
         <a:lstStyle/>
         <a:p>
-          <a:pPr lvl="0" algn="ctr" defTabSz="533400">
+          <a:pPr marL="0" lvl="0" indent="0" algn="ctr" defTabSz="533400">
             <a:lnSpc>
               <a:spcPct val="90000"/>
             </a:lnSpc>
@@ -8624,12 +8731,12 @@
             <a:spcAft>
               <a:spcPct val="35000"/>
             </a:spcAft>
+            <a:buNone/>
           </a:pPr>
           <a:r>
-            <a:rPr lang="en-US" sz="1200" kern="1200" dirty="0" smtClean="0"/>
+            <a:rPr lang="en-US" sz="1200" kern="1200" dirty="0"/>
             <a:t>Data source 1</a:t>
           </a:r>
-          <a:endParaRPr lang="en-US" sz="1200" kern="1200" dirty="0"/>
         </a:p>
       </dsp:txBody>
       <dsp:txXfrm>
@@ -8691,7 +8798,7 @@
         </a:bodyPr>
         <a:lstStyle/>
         <a:p>
-          <a:pPr lvl="0" algn="ctr" defTabSz="933450">
+          <a:pPr marL="0" lvl="0" indent="0" algn="ctr" defTabSz="933450">
             <a:lnSpc>
               <a:spcPct val="90000"/>
             </a:lnSpc>
@@ -8701,6 +8808,7 @@
             <a:spcAft>
               <a:spcPct val="35000"/>
             </a:spcAft>
+            <a:buNone/>
           </a:pPr>
           <a:endParaRPr lang="en-US" sz="2100" kern="1200"/>
         </a:p>
@@ -8763,7 +8871,7 @@
         </a:bodyPr>
         <a:lstStyle/>
         <a:p>
-          <a:pPr lvl="0" algn="ctr" defTabSz="533400">
+          <a:pPr marL="0" lvl="0" indent="0" algn="ctr" defTabSz="533400">
             <a:lnSpc>
               <a:spcPct val="90000"/>
             </a:lnSpc>
@@ -8773,12 +8881,12 @@
             <a:spcAft>
               <a:spcPct val="35000"/>
             </a:spcAft>
+            <a:buNone/>
           </a:pPr>
           <a:r>
-            <a:rPr lang="en-US" sz="1200" kern="1200" dirty="0" smtClean="0"/>
+            <a:rPr lang="en-US" sz="1200" kern="1200" dirty="0"/>
             <a:t>Data source n</a:t>
           </a:r>
-          <a:endParaRPr lang="en-US" sz="1200" kern="1200" dirty="0"/>
         </a:p>
       </dsp:txBody>
       <dsp:txXfrm>
@@ -8837,7 +8945,7 @@
         </a:bodyPr>
         <a:lstStyle/>
         <a:p>
-          <a:pPr lvl="0" algn="ctr" defTabSz="711200">
+          <a:pPr marL="0" lvl="0" indent="0" algn="ctr" defTabSz="711200">
             <a:lnSpc>
               <a:spcPct val="90000"/>
             </a:lnSpc>
@@ -8847,6 +8955,7 @@
             <a:spcAft>
               <a:spcPct val="35000"/>
             </a:spcAft>
+            <a:buNone/>
           </a:pPr>
           <a:endParaRPr lang="en-US" sz="1600" kern="1200"/>
         </a:p>
@@ -8907,7 +9016,7 @@
         </a:bodyPr>
         <a:lstStyle/>
         <a:p>
-          <a:pPr lvl="0" algn="ctr" defTabSz="1289050">
+          <a:pPr marL="0" lvl="0" indent="0" algn="ctr" defTabSz="1289050">
             <a:lnSpc>
               <a:spcPct val="90000"/>
             </a:lnSpc>
@@ -8917,12 +9026,12 @@
             <a:spcAft>
               <a:spcPct val="35000"/>
             </a:spcAft>
+            <a:buNone/>
           </a:pPr>
           <a:r>
-            <a:rPr lang="en-US" sz="2900" kern="1200" dirty="0" smtClean="0"/>
+            <a:rPr lang="en-US" sz="2900" kern="1200" dirty="0"/>
             <a:t>DW schema</a:t>
           </a:r>
-          <a:endParaRPr lang="en-US" sz="2900" kern="1200" dirty="0"/>
         </a:p>
       </dsp:txBody>
       <dsp:txXfrm>
@@ -8942,6 +9051,697 @@
       <dsp:cNvGrpSpPr/>
     </dsp:nvGrpSpPr>
     <dsp:grpSpPr/>
+    <dsp:sp modelId="{250CD509-EBC4-49B2-AA13-674325AAC63A}">
+      <dsp:nvSpPr>
+        <dsp:cNvPr id="0" name=""/>
+        <dsp:cNvSpPr/>
+      </dsp:nvSpPr>
+      <dsp:spPr>
+        <a:xfrm>
+          <a:off x="2937031" y="2247900"/>
+          <a:ext cx="1913673" cy="1470090"/>
+        </a:xfrm>
+        <a:custGeom>
+          <a:avLst/>
+          <a:gdLst/>
+          <a:ahLst/>
+          <a:cxnLst/>
+          <a:rect l="0" t="0" r="0" b="0"/>
+          <a:pathLst>
+            <a:path>
+              <a:moveTo>
+                <a:pt x="0" y="0"/>
+              </a:moveTo>
+              <a:lnTo>
+                <a:pt x="956836" y="0"/>
+              </a:lnTo>
+              <a:lnTo>
+                <a:pt x="956836" y="1470090"/>
+              </a:lnTo>
+              <a:lnTo>
+                <a:pt x="1913673" y="1470090"/>
+              </a:lnTo>
+            </a:path>
+          </a:pathLst>
+        </a:custGeom>
+        <a:noFill/>
+        <a:ln w="25400" cap="flat" cmpd="sng" algn="ctr">
+          <a:solidFill>
+            <a:schemeClr val="accent2">
+              <a:hueOff val="0"/>
+              <a:satOff val="0"/>
+              <a:lumOff val="0"/>
+              <a:alphaOff val="0"/>
+            </a:schemeClr>
+          </a:solidFill>
+          <a:prstDash val="solid"/>
+        </a:ln>
+        <a:effectLst/>
+      </dsp:spPr>
+      <dsp:style>
+        <a:lnRef idx="2">
+          <a:scrgbClr r="0" g="0" b="0"/>
+        </a:lnRef>
+        <a:fillRef idx="0">
+          <a:scrgbClr r="0" g="0" b="0"/>
+        </a:fillRef>
+        <a:effectRef idx="0">
+          <a:scrgbClr r="0" g="0" b="0"/>
+        </a:effectRef>
+        <a:fontRef idx="minor"/>
+      </dsp:style>
+      <dsp:txBody>
+        <a:bodyPr spcFirstLastPara="0" vert="horz" wrap="square" lIns="12700" tIns="0" rIns="12700" bIns="0" numCol="1" spcCol="1270" anchor="ctr" anchorCtr="0">
+          <a:noAutofit/>
+        </a:bodyPr>
+        <a:lstStyle/>
+        <a:p>
+          <a:pPr marL="0" lvl="0" indent="0" algn="ctr" defTabSz="400050">
+            <a:lnSpc>
+              <a:spcPct val="90000"/>
+            </a:lnSpc>
+            <a:spcBef>
+              <a:spcPct val="0"/>
+            </a:spcBef>
+            <a:spcAft>
+              <a:spcPct val="35000"/>
+            </a:spcAft>
+            <a:buNone/>
+          </a:pPr>
+          <a:endParaRPr lang="en-US" sz="900" kern="1200"/>
+        </a:p>
+      </dsp:txBody>
+      <dsp:txXfrm>
+        <a:off x="3833539" y="2922616"/>
+        <a:ext cx="120657" cy="120657"/>
+      </dsp:txXfrm>
+    </dsp:sp>
+    <dsp:sp modelId="{D0ED8234-2698-468D-B5D9-B4507DE02700}">
+      <dsp:nvSpPr>
+        <dsp:cNvPr id="0" name=""/>
+        <dsp:cNvSpPr/>
+      </dsp:nvSpPr>
+      <dsp:spPr>
+        <a:xfrm>
+          <a:off x="2937031" y="2202180"/>
+          <a:ext cx="1901513" cy="91440"/>
+        </a:xfrm>
+        <a:custGeom>
+          <a:avLst/>
+          <a:gdLst/>
+          <a:ahLst/>
+          <a:cxnLst/>
+          <a:rect l="0" t="0" r="0" b="0"/>
+          <a:pathLst>
+            <a:path>
+              <a:moveTo>
+                <a:pt x="0" y="45720"/>
+              </a:moveTo>
+              <a:lnTo>
+                <a:pt x="950756" y="45720"/>
+              </a:lnTo>
+              <a:lnTo>
+                <a:pt x="950756" y="57909"/>
+              </a:lnTo>
+              <a:lnTo>
+                <a:pt x="1901513" y="57909"/>
+              </a:lnTo>
+            </a:path>
+          </a:pathLst>
+        </a:custGeom>
+        <a:noFill/>
+        <a:ln w="25400" cap="flat" cmpd="sng" algn="ctr">
+          <a:solidFill>
+            <a:schemeClr val="accent2">
+              <a:hueOff val="0"/>
+              <a:satOff val="0"/>
+              <a:lumOff val="0"/>
+              <a:alphaOff val="0"/>
+            </a:schemeClr>
+          </a:solidFill>
+          <a:prstDash val="solid"/>
+        </a:ln>
+        <a:effectLst/>
+      </dsp:spPr>
+      <dsp:style>
+        <a:lnRef idx="2">
+          <a:scrgbClr r="0" g="0" b="0"/>
+        </a:lnRef>
+        <a:fillRef idx="0">
+          <a:scrgbClr r="0" g="0" b="0"/>
+        </a:fillRef>
+        <a:effectRef idx="0">
+          <a:scrgbClr r="0" g="0" b="0"/>
+        </a:effectRef>
+        <a:fontRef idx="minor"/>
+      </dsp:style>
+      <dsp:txBody>
+        <a:bodyPr spcFirstLastPara="0" vert="horz" wrap="square" lIns="12700" tIns="0" rIns="12700" bIns="0" numCol="1" spcCol="1270" anchor="ctr" anchorCtr="0">
+          <a:noAutofit/>
+        </a:bodyPr>
+        <a:lstStyle/>
+        <a:p>
+          <a:pPr marL="0" lvl="0" indent="0" algn="ctr" defTabSz="311150">
+            <a:lnSpc>
+              <a:spcPct val="90000"/>
+            </a:lnSpc>
+            <a:spcBef>
+              <a:spcPct val="0"/>
+            </a:spcBef>
+            <a:spcAft>
+              <a:spcPct val="35000"/>
+            </a:spcAft>
+            <a:buNone/>
+          </a:pPr>
+          <a:endParaRPr lang="en-US" sz="700" kern="1200"/>
+        </a:p>
+      </dsp:txBody>
+      <dsp:txXfrm>
+        <a:off x="3840249" y="2200361"/>
+        <a:ext cx="95077" cy="95077"/>
+      </dsp:txXfrm>
+    </dsp:sp>
+    <dsp:sp modelId="{97FAB9C2-745C-4DDE-900D-BF797E7BE124}">
+      <dsp:nvSpPr>
+        <dsp:cNvPr id="0" name=""/>
+        <dsp:cNvSpPr/>
+      </dsp:nvSpPr>
+      <dsp:spPr>
+        <a:xfrm>
+          <a:off x="2937031" y="972883"/>
+          <a:ext cx="1877110" cy="1275016"/>
+        </a:xfrm>
+        <a:custGeom>
+          <a:avLst/>
+          <a:gdLst/>
+          <a:ahLst/>
+          <a:cxnLst/>
+          <a:rect l="0" t="0" r="0" b="0"/>
+          <a:pathLst>
+            <a:path>
+              <a:moveTo>
+                <a:pt x="0" y="1275016"/>
+              </a:moveTo>
+              <a:lnTo>
+                <a:pt x="938555" y="1275016"/>
+              </a:lnTo>
+              <a:lnTo>
+                <a:pt x="938555" y="0"/>
+              </a:lnTo>
+              <a:lnTo>
+                <a:pt x="1877110" y="0"/>
+              </a:lnTo>
+            </a:path>
+          </a:pathLst>
+        </a:custGeom>
+        <a:noFill/>
+        <a:ln w="25400" cap="flat" cmpd="sng" algn="ctr">
+          <a:solidFill>
+            <a:schemeClr val="accent2">
+              <a:hueOff val="0"/>
+              <a:satOff val="0"/>
+              <a:lumOff val="0"/>
+              <a:alphaOff val="0"/>
+            </a:schemeClr>
+          </a:solidFill>
+          <a:prstDash val="solid"/>
+        </a:ln>
+        <a:effectLst/>
+      </dsp:spPr>
+      <dsp:style>
+        <a:lnRef idx="2">
+          <a:scrgbClr r="0" g="0" b="0"/>
+        </a:lnRef>
+        <a:fillRef idx="0">
+          <a:scrgbClr r="0" g="0" b="0"/>
+        </a:fillRef>
+        <a:effectRef idx="0">
+          <a:scrgbClr r="0" g="0" b="0"/>
+        </a:effectRef>
+        <a:fontRef idx="minor"/>
+      </dsp:style>
+      <dsp:txBody>
+        <a:bodyPr spcFirstLastPara="0" vert="horz" wrap="square" lIns="12700" tIns="0" rIns="12700" bIns="0" numCol="1" spcCol="1270" anchor="ctr" anchorCtr="0">
+          <a:noAutofit/>
+        </a:bodyPr>
+        <a:lstStyle/>
+        <a:p>
+          <a:pPr marL="0" lvl="0" indent="0" algn="ctr" defTabSz="355600">
+            <a:lnSpc>
+              <a:spcPct val="90000"/>
+            </a:lnSpc>
+            <a:spcBef>
+              <a:spcPct val="0"/>
+            </a:spcBef>
+            <a:spcAft>
+              <a:spcPct val="35000"/>
+            </a:spcAft>
+            <a:buNone/>
+          </a:pPr>
+          <a:endParaRPr lang="en-US" sz="800" kern="1200"/>
+        </a:p>
+      </dsp:txBody>
+      <dsp:txXfrm>
+        <a:off x="3818856" y="1553662"/>
+        <a:ext cx="113459" cy="113459"/>
+      </dsp:txXfrm>
+    </dsp:sp>
+    <dsp:sp modelId="{026CCFF1-8179-4A53-B465-D5DAB679EFBC}">
+      <dsp:nvSpPr>
+        <dsp:cNvPr id="0" name=""/>
+        <dsp:cNvSpPr/>
+      </dsp:nvSpPr>
+      <dsp:spPr>
+        <a:xfrm rot="16200000">
+          <a:off x="262030" y="1820799"/>
+          <a:ext cx="4495800" cy="854202"/>
+        </a:xfrm>
+        <a:prstGeom prst="rect">
+          <a:avLst/>
+        </a:prstGeom>
+        <a:gradFill rotWithShape="0">
+          <a:gsLst>
+            <a:gs pos="0">
+              <a:schemeClr val="accent1">
+                <a:hueOff val="0"/>
+                <a:satOff val="0"/>
+                <a:lumOff val="0"/>
+                <a:alphaOff val="0"/>
+                <a:tint val="50000"/>
+                <a:satMod val="300000"/>
+              </a:schemeClr>
+            </a:gs>
+            <a:gs pos="35000">
+              <a:schemeClr val="accent1">
+                <a:hueOff val="0"/>
+                <a:satOff val="0"/>
+                <a:lumOff val="0"/>
+                <a:alphaOff val="0"/>
+                <a:tint val="37000"/>
+                <a:satMod val="300000"/>
+              </a:schemeClr>
+            </a:gs>
+            <a:gs pos="100000">
+              <a:schemeClr val="accent1">
+                <a:hueOff val="0"/>
+                <a:satOff val="0"/>
+                <a:lumOff val="0"/>
+                <a:alphaOff val="0"/>
+                <a:tint val="15000"/>
+                <a:satMod val="350000"/>
+              </a:schemeClr>
+            </a:gs>
+          </a:gsLst>
+          <a:lin ang="16200000" scaled="1"/>
+        </a:gradFill>
+        <a:ln>
+          <a:noFill/>
+        </a:ln>
+        <a:effectLst>
+          <a:outerShdw blurRad="40000" dist="20000" dir="5400000" rotWithShape="0">
+            <a:srgbClr val="000000">
+              <a:alpha val="38000"/>
+            </a:srgbClr>
+          </a:outerShdw>
+        </a:effectLst>
+        <a:scene3d>
+          <a:camera prst="orthographicFront"/>
+          <a:lightRig rig="flat" dir="t"/>
+        </a:scene3d>
+        <a:sp3d prstMaterial="dkEdge">
+          <a:bevelT w="8200" h="38100"/>
+        </a:sp3d>
+      </dsp:spPr>
+      <dsp:style>
+        <a:lnRef idx="0">
+          <a:scrgbClr r="0" g="0" b="0"/>
+        </a:lnRef>
+        <a:fillRef idx="2">
+          <a:scrgbClr r="0" g="0" b="0"/>
+        </a:fillRef>
+        <a:effectRef idx="1">
+          <a:scrgbClr r="0" g="0" b="0"/>
+        </a:effectRef>
+        <a:fontRef idx="minor">
+          <a:schemeClr val="dk1"/>
+        </a:fontRef>
+      </dsp:style>
+      <dsp:txBody>
+        <a:bodyPr spcFirstLastPara="0" vert="horz" wrap="square" lIns="37465" tIns="37465" rIns="37465" bIns="37465" numCol="1" spcCol="1270" anchor="ctr" anchorCtr="0">
+          <a:noAutofit/>
+        </a:bodyPr>
+        <a:lstStyle/>
+        <a:p>
+          <a:pPr marL="0" lvl="0" indent="0" algn="ctr" defTabSz="2622550">
+            <a:lnSpc>
+              <a:spcPct val="90000"/>
+            </a:lnSpc>
+            <a:spcBef>
+              <a:spcPct val="0"/>
+            </a:spcBef>
+            <a:spcAft>
+              <a:spcPct val="35000"/>
+            </a:spcAft>
+            <a:buNone/>
+          </a:pPr>
+          <a:r>
+            <a:rPr lang="en-US" sz="5900" kern="1200" dirty="0"/>
+            <a:t>Module 2</a:t>
+          </a:r>
+        </a:p>
+      </dsp:txBody>
+      <dsp:txXfrm>
+        <a:off x="262030" y="1820799"/>
+        <a:ext cx="4495800" cy="854202"/>
+      </dsp:txXfrm>
+    </dsp:sp>
+    <dsp:sp modelId="{A6BC6FB1-4EE0-4FEA-807E-F16E796AD36A}">
+      <dsp:nvSpPr>
+        <dsp:cNvPr id="0" name=""/>
+        <dsp:cNvSpPr/>
+      </dsp:nvSpPr>
+      <dsp:spPr>
+        <a:xfrm>
+          <a:off x="4814141" y="545782"/>
+          <a:ext cx="2801782" cy="854202"/>
+        </a:xfrm>
+        <a:prstGeom prst="rect">
+          <a:avLst/>
+        </a:prstGeom>
+        <a:gradFill rotWithShape="0">
+          <a:gsLst>
+            <a:gs pos="0">
+              <a:schemeClr val="accent2">
+                <a:hueOff val="0"/>
+                <a:satOff val="0"/>
+                <a:lumOff val="0"/>
+                <a:alphaOff val="0"/>
+                <a:tint val="50000"/>
+                <a:satMod val="300000"/>
+              </a:schemeClr>
+            </a:gs>
+            <a:gs pos="35000">
+              <a:schemeClr val="accent2">
+                <a:hueOff val="0"/>
+                <a:satOff val="0"/>
+                <a:lumOff val="0"/>
+                <a:alphaOff val="0"/>
+                <a:tint val="37000"/>
+                <a:satMod val="300000"/>
+              </a:schemeClr>
+            </a:gs>
+            <a:gs pos="100000">
+              <a:schemeClr val="accent2">
+                <a:hueOff val="0"/>
+                <a:satOff val="0"/>
+                <a:lumOff val="0"/>
+                <a:alphaOff val="0"/>
+                <a:tint val="15000"/>
+                <a:satMod val="350000"/>
+              </a:schemeClr>
+            </a:gs>
+          </a:gsLst>
+          <a:lin ang="16200000" scaled="1"/>
+        </a:gradFill>
+        <a:ln>
+          <a:noFill/>
+        </a:ln>
+        <a:effectLst>
+          <a:outerShdw blurRad="40000" dist="20000" dir="5400000" rotWithShape="0">
+            <a:srgbClr val="000000">
+              <a:alpha val="38000"/>
+            </a:srgbClr>
+          </a:outerShdw>
+        </a:effectLst>
+        <a:scene3d>
+          <a:camera prst="orthographicFront"/>
+          <a:lightRig rig="flat" dir="t"/>
+        </a:scene3d>
+        <a:sp3d prstMaterial="dkEdge">
+          <a:bevelT w="8200" h="38100"/>
+        </a:sp3d>
+      </dsp:spPr>
+      <dsp:style>
+        <a:lnRef idx="0">
+          <a:scrgbClr r="0" g="0" b="0"/>
+        </a:lnRef>
+        <a:fillRef idx="2">
+          <a:scrgbClr r="0" g="0" b="0"/>
+        </a:fillRef>
+        <a:effectRef idx="1">
+          <a:scrgbClr r="0" g="0" b="0"/>
+        </a:effectRef>
+        <a:fontRef idx="minor">
+          <a:schemeClr val="dk1"/>
+        </a:fontRef>
+      </dsp:style>
+      <dsp:txBody>
+        <a:bodyPr spcFirstLastPara="0" vert="horz" wrap="square" lIns="33020" tIns="33020" rIns="33020" bIns="33020" numCol="1" spcCol="1270" anchor="ctr" anchorCtr="0">
+          <a:noAutofit/>
+        </a:bodyPr>
+        <a:lstStyle/>
+        <a:p>
+          <a:pPr marL="0" lvl="0" indent="0" algn="ctr" defTabSz="2311400">
+            <a:lnSpc>
+              <a:spcPct val="90000"/>
+            </a:lnSpc>
+            <a:spcBef>
+              <a:spcPct val="0"/>
+            </a:spcBef>
+            <a:spcAft>
+              <a:spcPct val="35000"/>
+            </a:spcAft>
+            <a:buNone/>
+          </a:pPr>
+          <a:r>
+            <a:rPr lang="en-US" sz="5200" kern="1200" dirty="0"/>
+            <a:t>Module 3</a:t>
+          </a:r>
+        </a:p>
+      </dsp:txBody>
+      <dsp:txXfrm>
+        <a:off x="4814141" y="545782"/>
+        <a:ext cx="2801782" cy="854202"/>
+      </dsp:txXfrm>
+    </dsp:sp>
+    <dsp:sp modelId="{779A1468-FB71-4B98-A64F-2867340814D4}">
+      <dsp:nvSpPr>
+        <dsp:cNvPr id="0" name=""/>
+        <dsp:cNvSpPr/>
+      </dsp:nvSpPr>
+      <dsp:spPr>
+        <a:xfrm>
+          <a:off x="4838545" y="1832988"/>
+          <a:ext cx="2801782" cy="854202"/>
+        </a:xfrm>
+        <a:prstGeom prst="rect">
+          <a:avLst/>
+        </a:prstGeom>
+        <a:gradFill rotWithShape="0">
+          <a:gsLst>
+            <a:gs pos="0">
+              <a:schemeClr val="accent2">
+                <a:hueOff val="0"/>
+                <a:satOff val="0"/>
+                <a:lumOff val="0"/>
+                <a:alphaOff val="0"/>
+                <a:tint val="50000"/>
+                <a:satMod val="300000"/>
+              </a:schemeClr>
+            </a:gs>
+            <a:gs pos="35000">
+              <a:schemeClr val="accent2">
+                <a:hueOff val="0"/>
+                <a:satOff val="0"/>
+                <a:lumOff val="0"/>
+                <a:alphaOff val="0"/>
+                <a:tint val="37000"/>
+                <a:satMod val="300000"/>
+              </a:schemeClr>
+            </a:gs>
+            <a:gs pos="100000">
+              <a:schemeClr val="accent2">
+                <a:hueOff val="0"/>
+                <a:satOff val="0"/>
+                <a:lumOff val="0"/>
+                <a:alphaOff val="0"/>
+                <a:tint val="15000"/>
+                <a:satMod val="350000"/>
+              </a:schemeClr>
+            </a:gs>
+          </a:gsLst>
+          <a:lin ang="16200000" scaled="1"/>
+        </a:gradFill>
+        <a:ln>
+          <a:noFill/>
+        </a:ln>
+        <a:effectLst>
+          <a:outerShdw blurRad="40000" dist="20000" dir="5400000" rotWithShape="0">
+            <a:srgbClr val="000000">
+              <a:alpha val="38000"/>
+            </a:srgbClr>
+          </a:outerShdw>
+        </a:effectLst>
+        <a:scene3d>
+          <a:camera prst="orthographicFront"/>
+          <a:lightRig rig="flat" dir="t"/>
+        </a:scene3d>
+        <a:sp3d prstMaterial="dkEdge">
+          <a:bevelT w="8200" h="38100"/>
+        </a:sp3d>
+      </dsp:spPr>
+      <dsp:style>
+        <a:lnRef idx="0">
+          <a:scrgbClr r="0" g="0" b="0"/>
+        </a:lnRef>
+        <a:fillRef idx="2">
+          <a:scrgbClr r="0" g="0" b="0"/>
+        </a:fillRef>
+        <a:effectRef idx="1">
+          <a:scrgbClr r="0" g="0" b="0"/>
+        </a:effectRef>
+        <a:fontRef idx="minor">
+          <a:schemeClr val="dk1"/>
+        </a:fontRef>
+      </dsp:style>
+      <dsp:txBody>
+        <a:bodyPr spcFirstLastPara="0" vert="horz" wrap="square" lIns="33020" tIns="33020" rIns="33020" bIns="33020" numCol="1" spcCol="1270" anchor="ctr" anchorCtr="0">
+          <a:noAutofit/>
+        </a:bodyPr>
+        <a:lstStyle/>
+        <a:p>
+          <a:pPr marL="0" lvl="0" indent="0" algn="ctr" defTabSz="2311400">
+            <a:lnSpc>
+              <a:spcPct val="90000"/>
+            </a:lnSpc>
+            <a:spcBef>
+              <a:spcPct val="0"/>
+            </a:spcBef>
+            <a:spcAft>
+              <a:spcPct val="35000"/>
+            </a:spcAft>
+            <a:buNone/>
+          </a:pPr>
+          <a:r>
+            <a:rPr lang="en-US" sz="5200" kern="1200" dirty="0"/>
+            <a:t>Module 4</a:t>
+          </a:r>
+        </a:p>
+      </dsp:txBody>
+      <dsp:txXfrm>
+        <a:off x="4838545" y="1832988"/>
+        <a:ext cx="2801782" cy="854202"/>
+      </dsp:txXfrm>
+    </dsp:sp>
+    <dsp:sp modelId="{4F0E0874-A3AD-4204-809D-33A0893023E4}">
+      <dsp:nvSpPr>
+        <dsp:cNvPr id="0" name=""/>
+        <dsp:cNvSpPr/>
+      </dsp:nvSpPr>
+      <dsp:spPr>
+        <a:xfrm>
+          <a:off x="4850704" y="3290889"/>
+          <a:ext cx="2801782" cy="854202"/>
+        </a:xfrm>
+        <a:prstGeom prst="rect">
+          <a:avLst/>
+        </a:prstGeom>
+        <a:gradFill rotWithShape="0">
+          <a:gsLst>
+            <a:gs pos="0">
+              <a:schemeClr val="accent2">
+                <a:hueOff val="0"/>
+                <a:satOff val="0"/>
+                <a:lumOff val="0"/>
+                <a:alphaOff val="0"/>
+                <a:tint val="50000"/>
+                <a:satMod val="300000"/>
+              </a:schemeClr>
+            </a:gs>
+            <a:gs pos="35000">
+              <a:schemeClr val="accent2">
+                <a:hueOff val="0"/>
+                <a:satOff val="0"/>
+                <a:lumOff val="0"/>
+                <a:alphaOff val="0"/>
+                <a:tint val="37000"/>
+                <a:satMod val="300000"/>
+              </a:schemeClr>
+            </a:gs>
+            <a:gs pos="100000">
+              <a:schemeClr val="accent2">
+                <a:hueOff val="0"/>
+                <a:satOff val="0"/>
+                <a:lumOff val="0"/>
+                <a:alphaOff val="0"/>
+                <a:tint val="15000"/>
+                <a:satMod val="350000"/>
+              </a:schemeClr>
+            </a:gs>
+          </a:gsLst>
+          <a:lin ang="16200000" scaled="1"/>
+        </a:gradFill>
+        <a:ln>
+          <a:noFill/>
+        </a:ln>
+        <a:effectLst>
+          <a:outerShdw blurRad="40000" dist="20000" dir="5400000" rotWithShape="0">
+            <a:srgbClr val="000000">
+              <a:alpha val="38000"/>
+            </a:srgbClr>
+          </a:outerShdw>
+        </a:effectLst>
+        <a:scene3d>
+          <a:camera prst="orthographicFront"/>
+          <a:lightRig rig="flat" dir="t"/>
+        </a:scene3d>
+        <a:sp3d prstMaterial="dkEdge">
+          <a:bevelT w="8200" h="38100"/>
+        </a:sp3d>
+      </dsp:spPr>
+      <dsp:style>
+        <a:lnRef idx="0">
+          <a:scrgbClr r="0" g="0" b="0"/>
+        </a:lnRef>
+        <a:fillRef idx="2">
+          <a:scrgbClr r="0" g="0" b="0"/>
+        </a:fillRef>
+        <a:effectRef idx="1">
+          <a:scrgbClr r="0" g="0" b="0"/>
+        </a:effectRef>
+        <a:fontRef idx="minor">
+          <a:schemeClr val="dk1"/>
+        </a:fontRef>
+      </dsp:style>
+      <dsp:txBody>
+        <a:bodyPr spcFirstLastPara="0" vert="horz" wrap="square" lIns="33020" tIns="33020" rIns="33020" bIns="33020" numCol="1" spcCol="1270" anchor="ctr" anchorCtr="0">
+          <a:noAutofit/>
+        </a:bodyPr>
+        <a:lstStyle/>
+        <a:p>
+          <a:pPr marL="0" lvl="0" indent="0" algn="ctr" defTabSz="2311400">
+            <a:lnSpc>
+              <a:spcPct val="90000"/>
+            </a:lnSpc>
+            <a:spcBef>
+              <a:spcPct val="0"/>
+            </a:spcBef>
+            <a:spcAft>
+              <a:spcPct val="35000"/>
+            </a:spcAft>
+            <a:buNone/>
+          </a:pPr>
+          <a:r>
+            <a:rPr lang="en-US" sz="5200" kern="1200" dirty="0"/>
+            <a:t>Module 5</a:t>
+          </a:r>
+        </a:p>
+      </dsp:txBody>
+      <dsp:txXfrm>
+        <a:off x="4850704" y="3290889"/>
+        <a:ext cx="2801782" cy="854202"/>
+      </dsp:txXfrm>
+    </dsp:sp>
   </dsp:spTree>
 </dsp:drawing>
 </file>
@@ -16468,35 +17268,35 @@
           <a:p>
             <a:pPr lvl="0"/>
             <a:r>
-              <a:rPr lang="en-US" noProof="0" smtClean="0"/>
+              <a:rPr lang="en-US" noProof="0"/>
               <a:t>Click to edit Master text styles</a:t>
             </a:r>
           </a:p>
           <a:p>
             <a:pPr lvl="1"/>
             <a:r>
-              <a:rPr lang="en-US" noProof="0" smtClean="0"/>
+              <a:rPr lang="en-US" noProof="0"/>
               <a:t>Second level</a:t>
             </a:r>
           </a:p>
           <a:p>
             <a:pPr lvl="2"/>
             <a:r>
-              <a:rPr lang="en-US" noProof="0" smtClean="0"/>
+              <a:rPr lang="en-US" noProof="0"/>
               <a:t>Third level</a:t>
             </a:r>
           </a:p>
           <a:p>
             <a:pPr lvl="3"/>
             <a:r>
-              <a:rPr lang="en-US" noProof="0" smtClean="0"/>
+              <a:rPr lang="en-US" noProof="0"/>
               <a:t>Fourth level</a:t>
             </a:r>
           </a:p>
           <a:p>
             <a:pPr lvl="4"/>
             <a:r>
-              <a:rPr lang="en-US" noProof="0" smtClean="0"/>
+              <a:rPr lang="en-US" noProof="0"/>
               <a:t>Fifth level</a:t>
             </a:r>
           </a:p>
@@ -16929,7 +17729,7 @@
               <a:pPr/>
               <a:t>1</a:t>
             </a:fld>
-            <a:endParaRPr kumimoji="0" lang="en-US" altLang="en-US" sz="1200" b="0" smtClean="0"/>
+            <a:endParaRPr kumimoji="0" lang="en-US" altLang="en-US" sz="1200" b="0"/>
           </a:p>
         </p:txBody>
       </p:sp>
@@ -16965,42 +17765,42 @@
           <a:lstStyle/>
           <a:p>
             <a:r>
-              <a:rPr lang="en-US" altLang="en-US" dirty="0" smtClean="0"/>
+              <a:rPr lang="en-US" altLang="en-US" dirty="0"/>
               <a:t>Welcome to Lesson 1 of Module</a:t>
             </a:r>
             <a:r>
-              <a:rPr lang="en-US" altLang="en-US" baseline="0" dirty="0" smtClean="0"/>
+              <a:rPr lang="en-US" altLang="en-US" baseline="0" dirty="0"/>
               <a:t> </a:t>
             </a:r>
             <a:r>
-              <a:rPr lang="en-US" altLang="en-US" dirty="0" smtClean="0"/>
+              <a:rPr lang="en-US" altLang="en-US" dirty="0"/>
               <a:t>1</a:t>
             </a:r>
             <a:r>
-              <a:rPr lang="en-US" altLang="en-US" baseline="0" dirty="0" smtClean="0"/>
+              <a:rPr lang="en-US" altLang="en-US" baseline="0" dirty="0"/>
               <a:t> on </a:t>
             </a:r>
             <a:r>
-              <a:rPr lang="en-US" altLang="en-US" dirty="0" smtClean="0"/>
+              <a:rPr lang="en-US" altLang="en-US" dirty="0"/>
               <a:t>Design and Build</a:t>
             </a:r>
             <a:r>
-              <a:rPr lang="en-US" altLang="en-US" baseline="0" dirty="0" smtClean="0"/>
+              <a:rPr lang="en-US" altLang="en-US" baseline="0" dirty="0"/>
               <a:t> a Data Warehouse for Business Intelligence Implementation</a:t>
             </a:r>
-            <a:endParaRPr lang="en-US" altLang="en-US" dirty="0" smtClean="0"/>
+            <a:endParaRPr lang="en-US" altLang="en-US" dirty="0"/>
           </a:p>
           <a:p>
-            <a:endParaRPr lang="en-US" altLang="en-US" dirty="0" smtClean="0"/>
+            <a:endParaRPr lang="en-US" altLang="en-US" dirty="0"/>
           </a:p>
           <a:p>
             <a:r>
-              <a:rPr lang="en-US" altLang="en-US" dirty="0" smtClean="0"/>
+              <a:rPr lang="en-US" altLang="en-US" dirty="0"/>
               <a:t>Four course sequence on data warehouse and business intelligence essentials along with a capstone project course</a:t>
             </a:r>
           </a:p>
           <a:p>
-            <a:endParaRPr lang="en-US" altLang="en-US" dirty="0" smtClean="0"/>
+            <a:endParaRPr lang="en-US" altLang="en-US" dirty="0"/>
           </a:p>
           <a:p>
             <a:pPr marL="0" marR="0" indent="0" algn="l" defTabSz="914400" rtl="0" eaLnBrk="0" fontAlgn="base" latinLnBrk="0" hangingPunct="0">
@@ -17021,7 +17821,7 @@
               <a:defRPr/>
             </a:pPr>
             <a:r>
-              <a:rPr lang="en-US" altLang="en-US" baseline="0" dirty="0" smtClean="0"/>
+              <a:rPr lang="en-US" altLang="en-US" baseline="0" dirty="0"/>
               <a:t>Fifth course providing a case study based on the business situation faced by CPI Card Group</a:t>
             </a:r>
           </a:p>
@@ -17043,7 +17843,7 @@
               <a:tabLst/>
               <a:defRPr/>
             </a:pPr>
-            <a:endParaRPr lang="en-US" altLang="en-US" dirty="0" smtClean="0"/>
+            <a:endParaRPr lang="en-US" altLang="en-US" dirty="0"/>
           </a:p>
           <a:p>
             <a:pPr marL="0" marR="0" indent="0" algn="l" defTabSz="914400" rtl="0" eaLnBrk="0" fontAlgn="base" latinLnBrk="0" hangingPunct="0">
@@ -17064,23 +17864,23 @@
               <a:defRPr/>
             </a:pPr>
             <a:r>
-              <a:rPr lang="en-US" altLang="en-US" dirty="0" smtClean="0"/>
+              <a:rPr lang="en-US" altLang="en-US" dirty="0"/>
               <a:t>Fun</a:t>
             </a:r>
             <a:r>
-              <a:rPr lang="en-US" altLang="en-US" baseline="0" dirty="0" smtClean="0"/>
+              <a:rPr lang="en-US" altLang="en-US" baseline="0" dirty="0"/>
               <a:t> but challenging course for both business and computer science students</a:t>
             </a:r>
           </a:p>
           <a:p>
-            <a:endParaRPr lang="en-US" altLang="en-US" baseline="0" dirty="0" smtClean="0"/>
+            <a:endParaRPr lang="en-US" altLang="en-US" baseline="0" dirty="0"/>
           </a:p>
           <a:p>
             <a:r>
-              <a:rPr lang="en-US" altLang="en-US" baseline="0" dirty="0" smtClean="0"/>
+              <a:rPr lang="en-US" altLang="en-US" baseline="0" dirty="0"/>
               <a:t>Learn new concepts, skills, and practices vital to careers in data warehousing and business intelligence</a:t>
             </a:r>
-            <a:endParaRPr lang="en-US" altLang="en-US" dirty="0" smtClean="0"/>
+            <a:endParaRPr lang="en-US" altLang="en-US" dirty="0"/>
           </a:p>
         </p:txBody>
       </p:sp>
@@ -17142,34 +17942,34 @@
           <a:lstStyle/>
           <a:p>
             <a:r>
-              <a:rPr lang="en-US" baseline="0" dirty="0" smtClean="0"/>
+              <a:rPr lang="en-US" baseline="0" dirty="0"/>
               <a:t>Course organized around case study</a:t>
             </a:r>
           </a:p>
           <a:p>
-            <a:endParaRPr lang="en-US" baseline="0" dirty="0" smtClean="0"/>
+            <a:endParaRPr lang="en-US" baseline="0" dirty="0"/>
           </a:p>
           <a:p>
             <a:r>
-              <a:rPr lang="en-US" baseline="0" dirty="0" smtClean="0"/>
+              <a:rPr lang="en-US" baseline="0" dirty="0"/>
               <a:t>CPI Card Group</a:t>
             </a:r>
           </a:p>
           <a:p>
-            <a:endParaRPr lang="en-US" baseline="0" dirty="0" smtClean="0"/>
+            <a:endParaRPr lang="en-US" baseline="0" dirty="0"/>
           </a:p>
           <a:p>
             <a:r>
-              <a:rPr lang="en-US" baseline="0" dirty="0" smtClean="0"/>
+              <a:rPr lang="en-US" baseline="0" dirty="0"/>
               <a:t>Simplified and modified but realistic business situation</a:t>
             </a:r>
           </a:p>
           <a:p>
-            <a:endParaRPr lang="en-US" baseline="0" dirty="0" smtClean="0"/>
+            <a:endParaRPr lang="en-US" baseline="0" dirty="0"/>
           </a:p>
           <a:p>
             <a:r>
-              <a:rPr lang="en-US" baseline="0" dirty="0" smtClean="0"/>
+              <a:rPr lang="en-US" baseline="0" dirty="0"/>
               <a:t>Larger problems</a:t>
             </a:r>
           </a:p>
@@ -17265,11 +18065,11 @@
           <a:lstStyle/>
           <a:p>
             <a:r>
-              <a:rPr lang="en-US" dirty="0" smtClean="0"/>
+              <a:rPr lang="en-US" dirty="0"/>
               <a:t>Unit</a:t>
             </a:r>
             <a:r>
-              <a:rPr lang="en-US" baseline="0" dirty="0" smtClean="0"/>
+              <a:rPr lang="en-US" baseline="0" dirty="0"/>
               <a:t> 1:</a:t>
             </a:r>
           </a:p>
@@ -17279,7 +18079,7 @@
               <a:buChar char="-"/>
             </a:pPr>
             <a:r>
-              <a:rPr lang="en-US" baseline="0" dirty="0" smtClean="0"/>
+              <a:rPr lang="en-US" baseline="0" dirty="0"/>
               <a:t>Review concepts from course 1 (motivation, characteristics, data cubes, and schema patterns)</a:t>
             </a:r>
           </a:p>
@@ -17289,7 +18089,7 @@
               <a:buChar char="-"/>
             </a:pPr>
             <a:r>
-              <a:rPr lang="en-US" baseline="0" dirty="0" smtClean="0"/>
+              <a:rPr lang="en-US" baseline="0" dirty="0"/>
               <a:t>Main topic is SQL subtotal operators</a:t>
             </a:r>
           </a:p>
@@ -17298,7 +18098,7 @@
               <a:buFontTx/>
               <a:buNone/>
             </a:pPr>
-            <a:endParaRPr lang="en-US" baseline="0" dirty="0" smtClean="0"/>
+            <a:endParaRPr lang="en-US" baseline="0" dirty="0"/>
           </a:p>
           <a:p>
             <a:pPr marL="0" indent="0">
@@ -17306,7 +18106,7 @@
               <a:buNone/>
             </a:pPr>
             <a:r>
-              <a:rPr lang="en-US" baseline="0" dirty="0" smtClean="0"/>
+              <a:rPr lang="en-US" baseline="0" dirty="0"/>
               <a:t>Unit 2:</a:t>
             </a:r>
           </a:p>
@@ -17316,7 +18116,7 @@
               <a:buChar char="-"/>
             </a:pPr>
             <a:r>
-              <a:rPr lang="en-US" baseline="0" dirty="0" smtClean="0"/>
+              <a:rPr lang="en-US" baseline="0" dirty="0"/>
               <a:t>Motivation and processing model for analytic functions</a:t>
             </a:r>
           </a:p>
@@ -17326,7 +18126,7 @@
               <a:buChar char="-"/>
             </a:pPr>
             <a:r>
-              <a:rPr lang="en-US" baseline="0" dirty="0" smtClean="0"/>
+              <a:rPr lang="en-US" baseline="0" dirty="0"/>
               <a:t>Basic syntax elements for SQL analytic functions</a:t>
             </a:r>
           </a:p>
@@ -17336,7 +18136,7 @@
               <a:buChar char="-"/>
             </a:pPr>
             <a:r>
-              <a:rPr lang="en-US" baseline="0" dirty="0" smtClean="0"/>
+              <a:rPr lang="en-US" baseline="0" dirty="0"/>
               <a:t>Extended analytic functions for window comparisons and quantitative ranking</a:t>
             </a:r>
           </a:p>
@@ -17345,7 +18145,7 @@
               <a:buFontTx/>
               <a:buChar char="-"/>
             </a:pPr>
-            <a:endParaRPr lang="en-US" baseline="0" dirty="0" smtClean="0"/>
+            <a:endParaRPr lang="en-US" baseline="0" dirty="0"/>
           </a:p>
           <a:p>
             <a:pPr marL="0" indent="0">
@@ -17353,7 +18153,7 @@
               <a:buNone/>
             </a:pPr>
             <a:r>
-              <a:rPr lang="en-US" baseline="0" dirty="0" smtClean="0"/>
+              <a:rPr lang="en-US" baseline="0" dirty="0"/>
               <a:t>Unit 3:</a:t>
             </a:r>
           </a:p>
@@ -17363,7 +18163,7 @@
               <a:buChar char="-"/>
             </a:pPr>
             <a:r>
-              <a:rPr lang="en-US" baseline="0" dirty="0" smtClean="0"/>
+              <a:rPr lang="en-US" baseline="0" dirty="0"/>
               <a:t>Usage of traditional relational views (should be review of database background)</a:t>
             </a:r>
           </a:p>
@@ -17373,7 +18173,7 @@
               <a:buChar char="-"/>
             </a:pPr>
             <a:r>
-              <a:rPr lang="en-US" baseline="0" dirty="0" smtClean="0"/>
+              <a:rPr lang="en-US" baseline="0" dirty="0"/>
               <a:t>Materialized view definition and processing</a:t>
             </a:r>
           </a:p>
@@ -17383,7 +18183,7 @@
               <a:buChar char="-"/>
             </a:pPr>
             <a:r>
-              <a:rPr lang="en-US" baseline="0" dirty="0" smtClean="0"/>
+              <a:rPr lang="en-US" baseline="0" dirty="0"/>
               <a:t>Query rewriting principles and practice</a:t>
             </a:r>
           </a:p>
@@ -17393,7 +18193,7 @@
               <a:buChar char="-"/>
             </a:pPr>
             <a:r>
-              <a:rPr lang="en-US" baseline="0" dirty="0" smtClean="0"/>
+              <a:rPr lang="en-US" baseline="0" dirty="0"/>
               <a:t>Design tools</a:t>
             </a:r>
           </a:p>
@@ -17403,21 +18203,21 @@
               <a:buChar char="-"/>
             </a:pPr>
             <a:r>
-              <a:rPr lang="en-US" baseline="0" dirty="0" smtClean="0"/>
+              <a:rPr lang="en-US" baseline="0" dirty="0"/>
               <a:t>Oracle </a:t>
             </a:r>
             <a:r>
-              <a:rPr lang="en-US" baseline="0" smtClean="0"/>
+              <a:rPr lang="en-US" baseline="0"/>
               <a:t>data integration tools</a:t>
             </a:r>
-            <a:endParaRPr lang="en-US" baseline="0" dirty="0" smtClean="0"/>
+            <a:endParaRPr lang="en-US" baseline="0" dirty="0"/>
           </a:p>
           <a:p>
             <a:pPr marL="0" indent="0">
               <a:buFontTx/>
               <a:buNone/>
             </a:pPr>
-            <a:endParaRPr lang="en-US" baseline="0" dirty="0" smtClean="0"/>
+            <a:endParaRPr lang="en-US" baseline="0" dirty="0"/>
           </a:p>
           <a:p>
             <a:pPr marL="0" indent="0">
@@ -17425,7 +18225,7 @@
               <a:buNone/>
             </a:pPr>
             <a:r>
-              <a:rPr lang="en-US" baseline="0" dirty="0" smtClean="0"/>
+              <a:rPr lang="en-US" baseline="0" dirty="0"/>
               <a:t>Unit 4:</a:t>
             </a:r>
           </a:p>
@@ -17435,7 +18235,7 @@
               <a:buChar char="-"/>
             </a:pPr>
             <a:r>
-              <a:rPr lang="en-US" baseline="0" dirty="0" smtClean="0"/>
+              <a:rPr lang="en-US" baseline="0" dirty="0"/>
               <a:t>Data warehouse specialists: repeat of material from first course</a:t>
             </a:r>
           </a:p>
@@ -17445,7 +18245,7 @@
               <a:buChar char="-"/>
             </a:pPr>
             <a:r>
-              <a:rPr lang="en-US" baseline="0" dirty="0" smtClean="0"/>
+              <a:rPr lang="en-US" baseline="0" dirty="0"/>
               <a:t>Big data characteristics and business evaluation</a:t>
             </a:r>
           </a:p>
@@ -17455,7 +18255,7 @@
               <a:buChar char="-"/>
             </a:pPr>
             <a:r>
-              <a:rPr lang="en-US" baseline="0" dirty="0" smtClean="0"/>
+              <a:rPr lang="en-US" baseline="0" dirty="0"/>
               <a:t>Data governance concepts and processes</a:t>
             </a:r>
           </a:p>
@@ -17464,42 +18264,42 @@
               <a:buFontTx/>
               <a:buNone/>
             </a:pPr>
-            <a:endParaRPr lang="en-US" baseline="0" dirty="0" smtClean="0"/>
+            <a:endParaRPr lang="en-US" baseline="0" dirty="0"/>
           </a:p>
           <a:p>
             <a:r>
-              <a:rPr lang="en-US" dirty="0" smtClean="0"/>
+              <a:rPr lang="en-US" dirty="0"/>
               <a:t>Units 1, 2, and 3 have assignments: self graded</a:t>
             </a:r>
           </a:p>
           <a:p>
-            <a:endParaRPr lang="en-US" dirty="0" smtClean="0"/>
+            <a:endParaRPr lang="en-US" dirty="0"/>
           </a:p>
           <a:p>
             <a:r>
-              <a:rPr lang="en-US" dirty="0" smtClean="0"/>
+              <a:rPr lang="en-US" dirty="0"/>
               <a:t>Quizzes</a:t>
             </a:r>
             <a:r>
-              <a:rPr lang="en-US" baseline="0" dirty="0" smtClean="0"/>
+              <a:rPr lang="en-US" baseline="0" dirty="0"/>
               <a:t> at the end of each unit</a:t>
             </a:r>
           </a:p>
           <a:p>
-            <a:endParaRPr lang="en-US" baseline="0" dirty="0" smtClean="0"/>
+            <a:endParaRPr lang="en-US" baseline="0" dirty="0"/>
           </a:p>
           <a:p>
             <a:r>
-              <a:rPr lang="en-US" baseline="0" dirty="0" smtClean="0"/>
+              <a:rPr lang="en-US" baseline="0" dirty="0"/>
               <a:t>Threaded discussions in each unit</a:t>
             </a:r>
           </a:p>
           <a:p>
-            <a:endParaRPr lang="en-US" baseline="0" dirty="0" smtClean="0"/>
+            <a:endParaRPr lang="en-US" baseline="0" dirty="0"/>
           </a:p>
           <a:p>
             <a:r>
-              <a:rPr lang="en-US" baseline="0" dirty="0" smtClean="0"/>
+              <a:rPr lang="en-US" baseline="0" dirty="0"/>
               <a:t>Final exam in unit 4</a:t>
             </a:r>
             <a:endParaRPr lang="en-US" dirty="0"/>
@@ -17593,30 +18393,30 @@
           <a:lstStyle/>
           <a:p>
             <a:r>
-              <a:rPr lang="en-US" dirty="0" smtClean="0"/>
+              <a:rPr lang="en-US" dirty="0"/>
               <a:t>Lessons not directly connected to assignments</a:t>
             </a:r>
           </a:p>
           <a:p>
-            <a:endParaRPr lang="en-US" dirty="0" smtClean="0"/>
+            <a:endParaRPr lang="en-US" dirty="0"/>
           </a:p>
           <a:p>
             <a:r>
-              <a:rPr lang="en-US" dirty="0" smtClean="0"/>
+              <a:rPr lang="en-US" dirty="0"/>
               <a:t>Lessons provide a general background on the case details</a:t>
             </a:r>
             <a:r>
-              <a:rPr lang="en-US" baseline="0" dirty="0" smtClean="0"/>
+              <a:rPr lang="en-US" baseline="0" dirty="0"/>
               <a:t> of the module</a:t>
             </a:r>
-            <a:endParaRPr lang="en-US" dirty="0" smtClean="0"/>
+            <a:endParaRPr lang="en-US" dirty="0"/>
           </a:p>
           <a:p>
-            <a:endParaRPr lang="en-US" dirty="0" smtClean="0"/>
+            <a:endParaRPr lang="en-US" dirty="0"/>
           </a:p>
           <a:p>
             <a:r>
-              <a:rPr lang="en-US" dirty="0" smtClean="0"/>
+              <a:rPr lang="en-US" dirty="0"/>
               <a:t>Provide a context</a:t>
             </a:r>
           </a:p>
@@ -17711,11 +18511,11 @@
           <a:bodyPr/>
           <a:lstStyle/>
           <a:p>
-            <a:endParaRPr lang="en-US" baseline="0" dirty="0" smtClean="0"/>
+            <a:endParaRPr lang="en-US" baseline="0" dirty="0"/>
           </a:p>
           <a:p>
             <a:r>
-              <a:rPr lang="en-US" baseline="0" dirty="0" smtClean="0"/>
+              <a:rPr lang="en-US" baseline="0" dirty="0"/>
               <a:t>SQL analytic queries</a:t>
             </a:r>
           </a:p>
@@ -17725,7 +18525,7 @@
               <a:buChar char="-"/>
             </a:pPr>
             <a:r>
-              <a:rPr lang="en-US" baseline="0" dirty="0" smtClean="0"/>
+              <a:rPr lang="en-US" baseline="0" dirty="0"/>
               <a:t>Write SQL statements</a:t>
             </a:r>
           </a:p>
@@ -17735,16 +18535,16 @@
               <a:buChar char="-"/>
             </a:pPr>
             <a:r>
-              <a:rPr lang="en-US" baseline="0" dirty="0" smtClean="0"/>
+              <a:rPr lang="en-US" baseline="0" dirty="0"/>
               <a:t>Determine requirements for materialized views</a:t>
             </a:r>
           </a:p>
           <a:p>
-            <a:endParaRPr lang="en-US" baseline="0" dirty="0" smtClean="0"/>
+            <a:endParaRPr lang="en-US" baseline="0" dirty="0"/>
           </a:p>
           <a:p>
             <a:r>
-              <a:rPr lang="en-US" baseline="0" dirty="0" smtClean="0"/>
+              <a:rPr lang="en-US" baseline="0" dirty="0"/>
               <a:t>Data integration</a:t>
             </a:r>
           </a:p>
@@ -17754,7 +18554,7 @@
               <a:buChar char="-"/>
             </a:pPr>
             <a:r>
-              <a:rPr lang="en-US" baseline="0" dirty="0" smtClean="0"/>
+              <a:rPr lang="en-US" baseline="0" dirty="0"/>
               <a:t>Change data processing</a:t>
             </a:r>
           </a:p>
@@ -17764,7 +18564,7 @@
               <a:buChar char="-"/>
             </a:pPr>
             <a:r>
-              <a:rPr lang="en-US" baseline="0" dirty="0" smtClean="0"/>
+              <a:rPr lang="en-US" baseline="0" dirty="0"/>
               <a:t>Practice rewriting using multiple materialized views</a:t>
             </a:r>
           </a:p>
@@ -17774,22 +18574,22 @@
               <a:buChar char="-"/>
             </a:pPr>
             <a:r>
-              <a:rPr lang="en-US" baseline="0" dirty="0" smtClean="0"/>
+              <a:rPr lang="en-US" baseline="0" dirty="0"/>
               <a:t>Graphic depicts matching process for materialized views and queries</a:t>
             </a:r>
-            <a:endParaRPr lang="en-US" dirty="0" smtClean="0"/>
+            <a:endParaRPr lang="en-US" dirty="0"/>
           </a:p>
           <a:p>
-            <a:endParaRPr lang="en-US" baseline="0" dirty="0" smtClean="0"/>
+            <a:endParaRPr lang="en-US" baseline="0" dirty="0"/>
           </a:p>
           <a:p>
             <a:r>
-              <a:rPr lang="en-US" baseline="0" dirty="0" smtClean="0"/>
+              <a:rPr lang="en-US" baseline="0" dirty="0"/>
               <a:t>Dashboard design and implementation (free image from http://victorsosea.com/blog/infinite-admin-free-psd-web-admin/)</a:t>
             </a:r>
           </a:p>
           <a:p>
-            <a:endParaRPr lang="en-US" baseline="0" dirty="0" smtClean="0"/>
+            <a:endParaRPr lang="en-US" baseline="0" dirty="0"/>
           </a:p>
         </p:txBody>
       </p:sp>
@@ -17880,39 +18680,39 @@
           <a:lstStyle/>
           <a:p>
             <a:r>
-              <a:rPr lang="en-US" dirty="0" smtClean="0"/>
+              <a:rPr lang="en-US" dirty="0"/>
               <a:t>Oracle</a:t>
             </a:r>
             <a:r>
-              <a:rPr lang="en-US" baseline="0" dirty="0" smtClean="0"/>
+              <a:rPr lang="en-US" baseline="0" dirty="0"/>
               <a:t> database and SQL Developer client</a:t>
             </a:r>
           </a:p>
           <a:p>
             <a:r>
-              <a:rPr lang="en-US" baseline="0" dirty="0" smtClean="0"/>
+              <a:rPr lang="en-US" baseline="0" dirty="0"/>
               <a:t>- Working with small and medium size data warehouse</a:t>
             </a:r>
           </a:p>
           <a:p>
-            <a:endParaRPr lang="en-US" baseline="0" dirty="0" smtClean="0"/>
+            <a:endParaRPr lang="en-US" baseline="0" dirty="0"/>
           </a:p>
           <a:p>
             <a:r>
-              <a:rPr lang="en-US" baseline="0" dirty="0" smtClean="0"/>
+              <a:rPr lang="en-US" baseline="0" dirty="0"/>
               <a:t>Pentaho Data Integration</a:t>
             </a:r>
           </a:p>
           <a:p>
-            <a:endParaRPr lang="en-US" baseline="0" dirty="0" smtClean="0"/>
+            <a:endParaRPr lang="en-US" baseline="0" dirty="0"/>
           </a:p>
           <a:p>
             <a:r>
-              <a:rPr lang="en-US" baseline="0" dirty="0" err="1" smtClean="0"/>
+              <a:rPr lang="en-US" baseline="0" dirty="0" err="1"/>
               <a:t>MicroStrategy</a:t>
             </a:r>
             <a:r>
-              <a:rPr lang="en-US" baseline="0" dirty="0" smtClean="0"/>
+              <a:rPr lang="en-US" baseline="0" dirty="0"/>
               <a:t> Desktop</a:t>
             </a:r>
             <a:endParaRPr lang="en-US" dirty="0"/>
@@ -18127,7 +18927,7 @@
               <a:pPr/>
               <a:t>9</a:t>
             </a:fld>
-            <a:endParaRPr kumimoji="0" lang="en-US" altLang="en-US" sz="1200" b="0" smtClean="0">
+            <a:endParaRPr kumimoji="0" lang="en-US" altLang="en-US" sz="1200" b="0">
               <a:latin typeface="Arial" charset="0"/>
             </a:endParaRPr>
           </a:p>
@@ -18187,7 +18987,7 @@
               <a:buFontTx/>
               <a:buNone/>
             </a:pPr>
-            <a:endParaRPr lang="en-US" altLang="en-US" dirty="0" smtClean="0"/>
+            <a:endParaRPr lang="en-US" altLang="en-US" dirty="0"/>
           </a:p>
         </p:txBody>
       </p:sp>
@@ -18362,7 +19162,7 @@
           </a:lstStyle>
           <a:p>
             <a:r>
-              <a:rPr lang="en-US" smtClean="0"/>
+              <a:rPr lang="en-US"/>
               <a:t>Click to edit Master title style</a:t>
             </a:r>
             <a:endParaRPr lang="en-US" dirty="0"/>
@@ -18400,10 +19200,9 @@
           </a:lstStyle>
           <a:p>
             <a:r>
-              <a:rPr lang="en-US" smtClean="0"/>
+              <a:rPr lang="en-US"/>
               <a:t>Click to edit Master subtitle style</a:t>
             </a:r>
-            <a:endParaRPr lang="en-US"/>
           </a:p>
         </p:txBody>
       </p:sp>
@@ -18501,7 +19300,7 @@
           <a:p>
             <a:pPr algn="r"/>
             <a:r>
-              <a:rPr lang="en-US" sz="1800" dirty="0" smtClean="0">
+              <a:rPr lang="en-US" sz="1800" dirty="0">
                 <a:solidFill>
                   <a:schemeClr val="bg1"/>
                 </a:solidFill>
@@ -18511,7 +19310,7 @@
               <a:t>Information Systems</a:t>
             </a:r>
             <a:r>
-              <a:rPr lang="en-US" sz="1800" baseline="0" dirty="0" smtClean="0">
+              <a:rPr lang="en-US" sz="1800" baseline="0" dirty="0">
                 <a:solidFill>
                   <a:schemeClr val="bg1"/>
                 </a:solidFill>
@@ -18576,10 +19375,9 @@
           <a:lstStyle/>
           <a:p>
             <a:r>
-              <a:rPr lang="en-US" smtClean="0"/>
+              <a:rPr lang="en-US"/>
               <a:t>Click to edit Master title style</a:t>
             </a:r>
-            <a:endParaRPr lang="en-US"/>
           </a:p>
         </p:txBody>
       </p:sp>
@@ -18600,38 +19398,37 @@
           <a:p>
             <a:pPr lvl="0"/>
             <a:r>
-              <a:rPr lang="en-US" smtClean="0"/>
+              <a:rPr lang="en-US"/>
               <a:t>Click to edit Master text styles</a:t>
             </a:r>
           </a:p>
           <a:p>
             <a:pPr lvl="1"/>
             <a:r>
-              <a:rPr lang="en-US" smtClean="0"/>
+              <a:rPr lang="en-US"/>
               <a:t>Second level</a:t>
             </a:r>
           </a:p>
           <a:p>
             <a:pPr lvl="2"/>
             <a:r>
-              <a:rPr lang="en-US" smtClean="0"/>
+              <a:rPr lang="en-US"/>
               <a:t>Third level</a:t>
             </a:r>
           </a:p>
           <a:p>
             <a:pPr lvl="3"/>
             <a:r>
-              <a:rPr lang="en-US" smtClean="0"/>
+              <a:rPr lang="en-US"/>
               <a:t>Fourth level</a:t>
             </a:r>
           </a:p>
           <a:p>
             <a:pPr lvl="4"/>
             <a:r>
-              <a:rPr lang="en-US" smtClean="0"/>
+              <a:rPr lang="en-US"/>
               <a:t>Fifth level</a:t>
             </a:r>
-            <a:endParaRPr lang="en-US"/>
           </a:p>
         </p:txBody>
       </p:sp>
@@ -18686,10 +19483,9 @@
           <a:lstStyle/>
           <a:p>
             <a:r>
-              <a:rPr lang="en-US" smtClean="0"/>
+              <a:rPr lang="en-US"/>
               <a:t>Click to edit Master title style</a:t>
             </a:r>
-            <a:endParaRPr lang="en-US"/>
           </a:p>
         </p:txBody>
       </p:sp>
@@ -18715,38 +19511,37 @@
           <a:p>
             <a:pPr lvl="0"/>
             <a:r>
-              <a:rPr lang="en-US" smtClean="0"/>
+              <a:rPr lang="en-US"/>
               <a:t>Click to edit Master text styles</a:t>
             </a:r>
           </a:p>
           <a:p>
             <a:pPr lvl="1"/>
             <a:r>
-              <a:rPr lang="en-US" smtClean="0"/>
+              <a:rPr lang="en-US"/>
               <a:t>Second level</a:t>
             </a:r>
           </a:p>
           <a:p>
             <a:pPr lvl="2"/>
             <a:r>
-              <a:rPr lang="en-US" smtClean="0"/>
+              <a:rPr lang="en-US"/>
               <a:t>Third level</a:t>
             </a:r>
           </a:p>
           <a:p>
             <a:pPr lvl="3"/>
             <a:r>
-              <a:rPr lang="en-US" smtClean="0"/>
+              <a:rPr lang="en-US"/>
               <a:t>Fourth level</a:t>
             </a:r>
           </a:p>
           <a:p>
             <a:pPr lvl="4"/>
             <a:r>
-              <a:rPr lang="en-US" smtClean="0"/>
+              <a:rPr lang="en-US"/>
               <a:t>Fifth level</a:t>
             </a:r>
-            <a:endParaRPr lang="en-US"/>
           </a:p>
         </p:txBody>
       </p:sp>
@@ -18796,10 +19591,9 @@
           <a:lstStyle/>
           <a:p>
             <a:r>
-              <a:rPr lang="en-US" smtClean="0"/>
+              <a:rPr lang="en-US"/>
               <a:t>Click to edit Master title style</a:t>
             </a:r>
-            <a:endParaRPr lang="en-US"/>
           </a:p>
         </p:txBody>
       </p:sp>
@@ -18849,7 +19643,7 @@
           <a:lstStyle/>
           <a:p>
             <a:r>
-              <a:rPr lang="en-US" smtClean="0"/>
+              <a:rPr lang="en-US"/>
               <a:t>Click to edit Master title style</a:t>
             </a:r>
             <a:endParaRPr lang="en-US" dirty="0"/>
@@ -18873,38 +19667,37 @@
           <a:p>
             <a:pPr lvl="0"/>
             <a:r>
-              <a:rPr lang="en-US" smtClean="0"/>
+              <a:rPr lang="en-US"/>
               <a:t>Click to edit Master text styles</a:t>
             </a:r>
           </a:p>
           <a:p>
             <a:pPr lvl="1"/>
             <a:r>
-              <a:rPr lang="en-US" smtClean="0"/>
+              <a:rPr lang="en-US"/>
               <a:t>Second level</a:t>
             </a:r>
           </a:p>
           <a:p>
             <a:pPr lvl="2"/>
             <a:r>
-              <a:rPr lang="en-US" smtClean="0"/>
+              <a:rPr lang="en-US"/>
               <a:t>Third level</a:t>
             </a:r>
           </a:p>
           <a:p>
             <a:pPr lvl="3"/>
             <a:r>
-              <a:rPr lang="en-US" smtClean="0"/>
+              <a:rPr lang="en-US"/>
               <a:t>Fourth level</a:t>
             </a:r>
           </a:p>
           <a:p>
             <a:pPr lvl="4"/>
             <a:r>
-              <a:rPr lang="en-US" smtClean="0"/>
+              <a:rPr lang="en-US"/>
               <a:t>Fifth level</a:t>
             </a:r>
-            <a:endParaRPr lang="en-US"/>
           </a:p>
         </p:txBody>
       </p:sp>
@@ -18963,10 +19756,9 @@
           </a:lstStyle>
           <a:p>
             <a:r>
-              <a:rPr lang="en-US" dirty="0" smtClean="0"/>
+              <a:rPr lang="en-US" dirty="0"/>
               <a:t>Click to edit Master title style</a:t>
             </a:r>
-            <a:endParaRPr lang="en-US" dirty="0"/>
           </a:p>
         </p:txBody>
       </p:sp>
@@ -19029,7 +19821,7 @@
           <a:p>
             <a:pPr lvl="0"/>
             <a:r>
-              <a:rPr lang="en-US" smtClean="0"/>
+              <a:rPr lang="en-US"/>
               <a:t>Click to edit Master text styles</a:t>
             </a:r>
           </a:p>
@@ -19081,10 +19873,9 @@
           <a:lstStyle/>
           <a:p>
             <a:r>
-              <a:rPr lang="en-US" smtClean="0"/>
+              <a:rPr lang="en-US"/>
               <a:t>Click to edit Master title style</a:t>
             </a:r>
-            <a:endParaRPr lang="en-US"/>
           </a:p>
         </p:txBody>
       </p:sp>
@@ -19138,38 +19929,37 @@
           <a:p>
             <a:pPr lvl="0"/>
             <a:r>
-              <a:rPr lang="en-US" smtClean="0"/>
+              <a:rPr lang="en-US"/>
               <a:t>Click to edit Master text styles</a:t>
             </a:r>
           </a:p>
           <a:p>
             <a:pPr lvl="1"/>
             <a:r>
-              <a:rPr lang="en-US" smtClean="0"/>
+              <a:rPr lang="en-US"/>
               <a:t>Second level</a:t>
             </a:r>
           </a:p>
           <a:p>
             <a:pPr lvl="2"/>
             <a:r>
-              <a:rPr lang="en-US" smtClean="0"/>
+              <a:rPr lang="en-US"/>
               <a:t>Third level</a:t>
             </a:r>
           </a:p>
           <a:p>
             <a:pPr lvl="3"/>
             <a:r>
-              <a:rPr lang="en-US" smtClean="0"/>
+              <a:rPr lang="en-US"/>
               <a:t>Fourth level</a:t>
             </a:r>
           </a:p>
           <a:p>
             <a:pPr lvl="4"/>
             <a:r>
-              <a:rPr lang="en-US" smtClean="0"/>
+              <a:rPr lang="en-US"/>
               <a:t>Fifth level</a:t>
             </a:r>
-            <a:endParaRPr lang="en-US"/>
           </a:p>
         </p:txBody>
       </p:sp>
@@ -19223,38 +20013,37 @@
           <a:p>
             <a:pPr lvl="0"/>
             <a:r>
-              <a:rPr lang="en-US" smtClean="0"/>
+              <a:rPr lang="en-US"/>
               <a:t>Click to edit Master text styles</a:t>
             </a:r>
           </a:p>
           <a:p>
             <a:pPr lvl="1"/>
             <a:r>
-              <a:rPr lang="en-US" smtClean="0"/>
+              <a:rPr lang="en-US"/>
               <a:t>Second level</a:t>
             </a:r>
           </a:p>
           <a:p>
             <a:pPr lvl="2"/>
             <a:r>
-              <a:rPr lang="en-US" smtClean="0"/>
+              <a:rPr lang="en-US"/>
               <a:t>Third level</a:t>
             </a:r>
           </a:p>
           <a:p>
             <a:pPr lvl="3"/>
             <a:r>
-              <a:rPr lang="en-US" smtClean="0"/>
+              <a:rPr lang="en-US"/>
               <a:t>Fourth level</a:t>
             </a:r>
           </a:p>
           <a:p>
             <a:pPr lvl="4"/>
             <a:r>
-              <a:rPr lang="en-US" smtClean="0"/>
+              <a:rPr lang="en-US"/>
               <a:t>Fifth level</a:t>
             </a:r>
-            <a:endParaRPr lang="en-US"/>
           </a:p>
         </p:txBody>
       </p:sp>
@@ -19313,10 +20102,9 @@
           </a:lstStyle>
           <a:p>
             <a:r>
-              <a:rPr lang="en-US" smtClean="0"/>
+              <a:rPr lang="en-US"/>
               <a:t>Click to edit Master title style</a:t>
             </a:r>
-            <a:endParaRPr lang="en-US"/>
           </a:p>
         </p:txBody>
       </p:sp>
@@ -19379,7 +20167,7 @@
           <a:p>
             <a:pPr lvl="0"/>
             <a:r>
-              <a:rPr lang="en-US" smtClean="0"/>
+              <a:rPr lang="en-US"/>
               <a:t>Click to edit Master text styles</a:t>
             </a:r>
           </a:p>
@@ -19435,38 +20223,37 @@
           <a:p>
             <a:pPr lvl="0"/>
             <a:r>
-              <a:rPr lang="en-US" smtClean="0"/>
+              <a:rPr lang="en-US"/>
               <a:t>Click to edit Master text styles</a:t>
             </a:r>
           </a:p>
           <a:p>
             <a:pPr lvl="1"/>
             <a:r>
-              <a:rPr lang="en-US" smtClean="0"/>
+              <a:rPr lang="en-US"/>
               <a:t>Second level</a:t>
             </a:r>
           </a:p>
           <a:p>
             <a:pPr lvl="2"/>
             <a:r>
-              <a:rPr lang="en-US" smtClean="0"/>
+              <a:rPr lang="en-US"/>
               <a:t>Third level</a:t>
             </a:r>
           </a:p>
           <a:p>
             <a:pPr lvl="3"/>
             <a:r>
-              <a:rPr lang="en-US" smtClean="0"/>
+              <a:rPr lang="en-US"/>
               <a:t>Fourth level</a:t>
             </a:r>
           </a:p>
           <a:p>
             <a:pPr lvl="4"/>
             <a:r>
-              <a:rPr lang="en-US" smtClean="0"/>
+              <a:rPr lang="en-US"/>
               <a:t>Fifth level</a:t>
             </a:r>
-            <a:endParaRPr lang="en-US"/>
           </a:p>
         </p:txBody>
       </p:sp>
@@ -19529,7 +20316,7 @@
           <a:p>
             <a:pPr lvl="0"/>
             <a:r>
-              <a:rPr lang="en-US" smtClean="0"/>
+              <a:rPr lang="en-US"/>
               <a:t>Click to edit Master text styles</a:t>
             </a:r>
           </a:p>
@@ -19585,38 +20372,37 @@
           <a:p>
             <a:pPr lvl="0"/>
             <a:r>
-              <a:rPr lang="en-US" smtClean="0"/>
+              <a:rPr lang="en-US"/>
               <a:t>Click to edit Master text styles</a:t>
             </a:r>
           </a:p>
           <a:p>
             <a:pPr lvl="1"/>
             <a:r>
-              <a:rPr lang="en-US" smtClean="0"/>
+              <a:rPr lang="en-US"/>
               <a:t>Second level</a:t>
             </a:r>
           </a:p>
           <a:p>
             <a:pPr lvl="2"/>
             <a:r>
-              <a:rPr lang="en-US" smtClean="0"/>
+              <a:rPr lang="en-US"/>
               <a:t>Third level</a:t>
             </a:r>
           </a:p>
           <a:p>
             <a:pPr lvl="3"/>
             <a:r>
-              <a:rPr lang="en-US" smtClean="0"/>
+              <a:rPr lang="en-US"/>
               <a:t>Fourth level</a:t>
             </a:r>
           </a:p>
           <a:p>
             <a:pPr lvl="4"/>
             <a:r>
-              <a:rPr lang="en-US" smtClean="0"/>
+              <a:rPr lang="en-US"/>
               <a:t>Fifth level</a:t>
             </a:r>
-            <a:endParaRPr lang="en-US"/>
           </a:p>
         </p:txBody>
       </p:sp>
@@ -19666,10 +20452,9 @@
           <a:lstStyle/>
           <a:p>
             <a:r>
-              <a:rPr lang="en-US" smtClean="0"/>
+              <a:rPr lang="en-US"/>
               <a:t>Click to edit Master title style</a:t>
             </a:r>
-            <a:endParaRPr lang="en-US"/>
           </a:p>
         </p:txBody>
       </p:sp>
@@ -19758,7 +20543,7 @@
           </a:lstStyle>
           <a:p>
             <a:r>
-              <a:rPr lang="en-US" smtClean="0"/>
+              <a:rPr lang="en-US"/>
               <a:t>Click to edit Master title style</a:t>
             </a:r>
             <a:endParaRPr lang="en-US" dirty="0"/>
@@ -19815,38 +20600,37 @@
           <a:p>
             <a:pPr lvl="0"/>
             <a:r>
-              <a:rPr lang="en-US" smtClean="0"/>
+              <a:rPr lang="en-US"/>
               <a:t>Click to edit Master text styles</a:t>
             </a:r>
           </a:p>
           <a:p>
             <a:pPr lvl="1"/>
             <a:r>
-              <a:rPr lang="en-US" smtClean="0"/>
+              <a:rPr lang="en-US"/>
               <a:t>Second level</a:t>
             </a:r>
           </a:p>
           <a:p>
             <a:pPr lvl="2"/>
             <a:r>
-              <a:rPr lang="en-US" smtClean="0"/>
+              <a:rPr lang="en-US"/>
               <a:t>Third level</a:t>
             </a:r>
           </a:p>
           <a:p>
             <a:pPr lvl="3"/>
             <a:r>
-              <a:rPr lang="en-US" smtClean="0"/>
+              <a:rPr lang="en-US"/>
               <a:t>Fourth level</a:t>
             </a:r>
           </a:p>
           <a:p>
             <a:pPr lvl="4"/>
             <a:r>
-              <a:rPr lang="en-US" smtClean="0"/>
+              <a:rPr lang="en-US"/>
               <a:t>Fifth level</a:t>
             </a:r>
-            <a:endParaRPr lang="en-US"/>
           </a:p>
         </p:txBody>
       </p:sp>
@@ -19909,7 +20693,7 @@
           <a:p>
             <a:pPr lvl="0"/>
             <a:r>
-              <a:rPr lang="en-US" smtClean="0"/>
+              <a:rPr lang="en-US"/>
               <a:t>Click to edit Master text styles</a:t>
             </a:r>
           </a:p>
@@ -19970,10 +20754,9 @@
           </a:lstStyle>
           <a:p>
             <a:r>
-              <a:rPr lang="en-US" smtClean="0"/>
+              <a:rPr lang="en-US"/>
               <a:t>Click to edit Master title style</a:t>
             </a:r>
-            <a:endParaRPr lang="en-US"/>
           </a:p>
         </p:txBody>
       </p:sp>
@@ -20036,10 +20819,9 @@
           <a:p>
             <a:pPr lvl="0"/>
             <a:r>
-              <a:rPr lang="en-US" noProof="0" smtClean="0"/>
+              <a:rPr lang="en-US" noProof="0"/>
               <a:t>Click icon to add picture</a:t>
             </a:r>
-            <a:endParaRPr lang="en-US" noProof="0"/>
           </a:p>
         </p:txBody>
       </p:sp>
@@ -20102,7 +20884,7 @@
           <a:p>
             <a:pPr lvl="0"/>
             <a:r>
-              <a:rPr lang="en-US" smtClean="0"/>
+              <a:rPr lang="en-US"/>
               <a:t>Click to edit Master text styles</a:t>
             </a:r>
           </a:p>
@@ -20182,7 +20964,7 @@
           <a:p>
             <a:pPr lvl="0"/>
             <a:r>
-              <a:rPr lang="en-US" smtClean="0"/>
+              <a:rPr lang="en-US"/>
               <a:t>Click to edit Master title style</a:t>
             </a:r>
             <a:endParaRPr lang="en-US" dirty="0"/>
@@ -20225,38 +21007,37 @@
           <a:p>
             <a:pPr lvl="0"/>
             <a:r>
-              <a:rPr lang="en-US" smtClean="0"/>
+              <a:rPr lang="en-US"/>
               <a:t>Click to edit Master text styles</a:t>
             </a:r>
           </a:p>
           <a:p>
             <a:pPr lvl="1"/>
             <a:r>
-              <a:rPr lang="en-US" smtClean="0"/>
+              <a:rPr lang="en-US"/>
               <a:t>Second level</a:t>
             </a:r>
           </a:p>
           <a:p>
             <a:pPr lvl="2"/>
             <a:r>
-              <a:rPr lang="en-US" smtClean="0"/>
+              <a:rPr lang="en-US"/>
               <a:t>Third level</a:t>
             </a:r>
           </a:p>
           <a:p>
             <a:pPr lvl="3"/>
             <a:r>
-              <a:rPr lang="en-US" smtClean="0"/>
+              <a:rPr lang="en-US"/>
               <a:t>Fourth level</a:t>
             </a:r>
           </a:p>
           <a:p>
             <a:pPr lvl="4"/>
             <a:r>
-              <a:rPr lang="en-US" smtClean="0"/>
+              <a:rPr lang="en-US"/>
               <a:t>Fifth level</a:t>
             </a:r>
-            <a:endParaRPr lang="en-US"/>
           </a:p>
         </p:txBody>
       </p:sp>
@@ -20519,7 +21300,7 @@
           <a:p>
             <a:pPr algn="r"/>
             <a:r>
-              <a:rPr lang="en-US" sz="1400" dirty="0" smtClean="0">
+              <a:rPr lang="en-US" sz="1400" dirty="0">
                 <a:solidFill>
                   <a:schemeClr val="bg1"/>
                 </a:solidFill>
@@ -20527,7 +21308,7 @@
               <a:t>Information Systems</a:t>
             </a:r>
             <a:r>
-              <a:rPr lang="en-US" sz="1400" baseline="0" dirty="0" smtClean="0">
+              <a:rPr lang="en-US" sz="1400" baseline="0" dirty="0">
                 <a:solidFill>
                   <a:schemeClr val="bg1"/>
                 </a:solidFill>
@@ -21036,25 +21817,16 @@
           <a:p>
             <a:pPr algn="ctr"/>
             <a:r>
-              <a:rPr lang="en-US" altLang="en-US" dirty="0" smtClean="0"/>
-              <a:t>Module </a:t>
-            </a:r>
-            <a:r>
               <a:rPr lang="en-US" altLang="en-US" dirty="0"/>
-              <a:t>1</a:t>
-            </a:r>
-            <a:r>
-              <a:rPr lang="en-US" altLang="en-US" dirty="0" smtClean="0"/>
-              <a:t/>
+              <a:t>Module 1</a:t>
             </a:r>
             <a:br>
-              <a:rPr lang="en-US" altLang="en-US" dirty="0" smtClean="0"/>
+              <a:rPr lang="en-US" altLang="en-US" dirty="0"/>
             </a:br>
             <a:r>
               <a:rPr lang="en-US" altLang="en-US" dirty="0"/>
               <a:t>Overview of Design and Build a Data Warehouse</a:t>
             </a:r>
-            <a:endParaRPr lang="en-US" altLang="en-US" dirty="0" smtClean="0"/>
           </a:p>
         </p:txBody>
       </p:sp>
@@ -21082,10 +21854,9 @@
           <a:p>
             <a:pPr algn="r" eaLnBrk="1" hangingPunct="1"/>
             <a:r>
-              <a:rPr lang="en-US" altLang="en-US" dirty="0" smtClean="0"/>
+              <a:rPr lang="en-US" altLang="en-US" dirty="0"/>
               <a:t>Lesson 2: Course topics and assignments</a:t>
             </a:r>
-            <a:endParaRPr lang="en-US" altLang="en-US" dirty="0"/>
           </a:p>
           <a:p>
             <a:pPr algn="r" eaLnBrk="1" hangingPunct="1"/>
@@ -21101,13 +21872,6 @@
   <p:transition>
     <p:cut/>
   </p:transition>
-  <p:timing>
-    <p:tnLst>
-      <p:par>
-        <p:cTn id="1" dur="indefinite" restart="never" nodeType="tmRoot"/>
-      </p:par>
-    </p:tnLst>
-  </p:timing>
 </p:sld>
 </file>
 
@@ -21144,10 +21908,9 @@
           <a:lstStyle/>
           <a:p>
             <a:r>
-              <a:rPr lang="en-US" dirty="0" smtClean="0"/>
+              <a:rPr lang="en-US" dirty="0"/>
               <a:t>Lesson Objectives</a:t>
             </a:r>
-            <a:endParaRPr lang="en-US" dirty="0"/>
           </a:p>
         </p:txBody>
       </p:sp>
@@ -21167,24 +21930,21 @@
           <a:lstStyle/>
           <a:p>
             <a:r>
-              <a:rPr lang="en-US" dirty="0" smtClean="0"/>
+              <a:rPr lang="en-US" dirty="0"/>
               <a:t>Understand course orientation and flow</a:t>
             </a:r>
-            <a:endParaRPr lang="en-US" dirty="0"/>
           </a:p>
           <a:p>
             <a:r>
-              <a:rPr lang="en-US" dirty="0" smtClean="0"/>
+              <a:rPr lang="en-US" dirty="0"/>
               <a:t>Plan for assignments and assessments</a:t>
             </a:r>
-            <a:endParaRPr lang="en-US" dirty="0"/>
           </a:p>
           <a:p>
             <a:r>
-              <a:rPr lang="en-US" dirty="0" smtClean="0"/>
+              <a:rPr lang="en-US" dirty="0"/>
               <a:t>Install and configure software</a:t>
             </a:r>
-            <a:endParaRPr lang="en-US" dirty="0"/>
           </a:p>
         </p:txBody>
       </p:sp>
@@ -21234,10 +21994,9 @@
           <a:lstStyle/>
           <a:p>
             <a:r>
-              <a:rPr lang="en-US" dirty="0" smtClean="0"/>
+              <a:rPr lang="en-US" dirty="0"/>
               <a:t>Case Study</a:t>
             </a:r>
-            <a:endParaRPr lang="en-US" dirty="0"/>
           </a:p>
         </p:txBody>
       </p:sp>
@@ -21342,10 +22101,9 @@
           <a:lstStyle/>
           <a:p>
             <a:r>
-              <a:rPr lang="en-US" dirty="0" smtClean="0"/>
+              <a:rPr lang="en-US" dirty="0"/>
               <a:t>Course Flow</a:t>
             </a:r>
-            <a:endParaRPr lang="en-US" dirty="0"/>
           </a:p>
         </p:txBody>
       </p:sp>
@@ -21947,10 +22705,9 @@
           <a:lstStyle/>
           <a:p>
             <a:r>
-              <a:rPr lang="en-US" dirty="0" smtClean="0"/>
+              <a:rPr lang="en-US" dirty="0"/>
               <a:t>Lesson Overviews</a:t>
             </a:r>
-            <a:endParaRPr lang="en-US" dirty="0"/>
           </a:p>
         </p:txBody>
       </p:sp>
@@ -21989,13 +22746,6 @@
   <p:clrMapOvr>
     <a:masterClrMapping/>
   </p:clrMapOvr>
-  <p:timing>
-    <p:tnLst>
-      <p:par>
-        <p:cTn id="1" dur="indefinite" restart="never" nodeType="tmRoot"/>
-      </p:par>
-    </p:tnLst>
-  </p:timing>
 </p:sld>
 </file>
 
@@ -22032,10 +22782,9 @@
           <a:lstStyle/>
           <a:p>
             <a:r>
-              <a:rPr lang="en-US" dirty="0" smtClean="0"/>
+              <a:rPr lang="en-US" dirty="0"/>
               <a:t>Assignments</a:t>
             </a:r>
-            <a:endParaRPr lang="en-US" dirty="0"/>
           </a:p>
         </p:txBody>
       </p:sp>
@@ -22116,10 +22865,6 @@
               </a:rPr>
               <a:t>, </a:t>
             </a:r>
-            <a:endParaRPr lang="en-US" sz="1600" b="0" dirty="0" smtClean="0">
-              <a:latin typeface="Courier New" panose="02070309020205020404" pitchFamily="49" charset="0"/>
-              <a:cs typeface="Courier New" panose="02070309020205020404" pitchFamily="49" charset="0"/>
-            </a:endParaRPr>
           </a:p>
           <a:p>
             <a:pPr marL="0" indent="0">
@@ -22130,17 +22875,10 @@
                 <a:latin typeface="Courier New" panose="02070309020205020404" pitchFamily="49" charset="0"/>
                 <a:cs typeface="Courier New" panose="02070309020205020404" pitchFamily="49" charset="0"/>
               </a:rPr>
-              <a:t> </a:t>
+              <a:t>  SUM(</a:t>
             </a:r>
             <a:r>
-              <a:rPr lang="en-US" sz="1600" b="0" dirty="0" smtClean="0">
-                <a:latin typeface="Courier New" panose="02070309020205020404" pitchFamily="49" charset="0"/>
-                <a:cs typeface="Courier New" panose="02070309020205020404" pitchFamily="49" charset="0"/>
-              </a:rPr>
-              <a:t> SUM(</a:t>
-            </a:r>
-            <a:r>
-              <a:rPr lang="en-US" sz="1600" b="0" dirty="0" err="1" smtClean="0">
+              <a:rPr lang="en-US" sz="1600" b="0" dirty="0" err="1">
                 <a:latin typeface="Courier New" panose="02070309020205020404" pitchFamily="49" charset="0"/>
                 <a:cs typeface="Courier New" panose="02070309020205020404" pitchFamily="49" charset="0"/>
               </a:rPr>
@@ -22203,21 +22941,7 @@
                 <a:latin typeface="Courier New" panose="02070309020205020404" pitchFamily="49" charset="0"/>
                 <a:cs typeface="Courier New" panose="02070309020205020404" pitchFamily="49" charset="0"/>
               </a:rPr>
-              <a:t>  </a:t>
-            </a:r>
-            <a:r>
-              <a:rPr lang="en-US" sz="1600" b="0" dirty="0" smtClean="0">
-                <a:latin typeface="Courier New" panose="02070309020205020404" pitchFamily="49" charset="0"/>
-                <a:cs typeface="Courier New" panose="02070309020205020404" pitchFamily="49" charset="0"/>
-              </a:rPr>
-              <a:t>ORDER </a:t>
-            </a:r>
-            <a:r>
-              <a:rPr lang="en-US" sz="1600" b="0" dirty="0">
-                <a:latin typeface="Courier New" panose="02070309020205020404" pitchFamily="49" charset="0"/>
-                <a:cs typeface="Courier New" panose="02070309020205020404" pitchFamily="49" charset="0"/>
-              </a:rPr>
-              <a:t>BY SUM(</a:t>
+              <a:t>  ORDER BY SUM(</a:t>
             </a:r>
             <a:r>
               <a:rPr lang="en-US" sz="1600" b="0" dirty="0" err="1">
@@ -22233,7 +22957,26 @@
               </a:rPr>
               <a:t>) DESC) </a:t>
             </a:r>
-            <a:endParaRPr lang="en-US" sz="1600" b="0" dirty="0" smtClean="0">
+          </a:p>
+          <a:p>
+            <a:pPr marL="0" indent="0">
+              <a:buNone/>
+            </a:pPr>
+            <a:r>
+              <a:rPr lang="en-US" sz="1600" b="0" dirty="0">
+                <a:latin typeface="Courier New" panose="02070309020205020404" pitchFamily="49" charset="0"/>
+                <a:cs typeface="Courier New" panose="02070309020205020404" pitchFamily="49" charset="0"/>
+              </a:rPr>
+              <a:t>  </a:t>
+            </a:r>
+            <a:r>
+              <a:rPr lang="en-US" sz="1600" b="0" dirty="0" err="1">
+                <a:latin typeface="Courier New" panose="02070309020205020404" pitchFamily="49" charset="0"/>
+                <a:cs typeface="Courier New" panose="02070309020205020404" pitchFamily="49" charset="0"/>
+              </a:rPr>
+              <a:t>SalesRank</a:t>
+            </a:r>
+            <a:endParaRPr lang="en-US" sz="1600" b="0" dirty="0">
               <a:latin typeface="Courier New" panose="02070309020205020404" pitchFamily="49" charset="0"/>
               <a:cs typeface="Courier New" panose="02070309020205020404" pitchFamily="49" charset="0"/>
             </a:endParaRPr>
@@ -22244,36 +22987,6 @@
             </a:pPr>
             <a:r>
               <a:rPr lang="en-US" sz="1600" b="0" dirty="0">
-                <a:latin typeface="Courier New" panose="02070309020205020404" pitchFamily="49" charset="0"/>
-                <a:cs typeface="Courier New" panose="02070309020205020404" pitchFamily="49" charset="0"/>
-              </a:rPr>
-              <a:t> </a:t>
-            </a:r>
-            <a:r>
-              <a:rPr lang="en-US" sz="1600" b="0" dirty="0" smtClean="0">
-                <a:latin typeface="Courier New" panose="02070309020205020404" pitchFamily="49" charset="0"/>
-                <a:cs typeface="Courier New" panose="02070309020205020404" pitchFamily="49" charset="0"/>
-              </a:rPr>
-              <a:t> </a:t>
-            </a:r>
-            <a:r>
-              <a:rPr lang="en-US" sz="1600" b="0" dirty="0" err="1" smtClean="0">
-                <a:latin typeface="Courier New" panose="02070309020205020404" pitchFamily="49" charset="0"/>
-                <a:cs typeface="Courier New" panose="02070309020205020404" pitchFamily="49" charset="0"/>
-              </a:rPr>
-              <a:t>SalesRank</a:t>
-            </a:r>
-            <a:endParaRPr lang="en-US" sz="1600" b="0" dirty="0" smtClean="0">
-              <a:latin typeface="Courier New" panose="02070309020205020404" pitchFamily="49" charset="0"/>
-              <a:cs typeface="Courier New" panose="02070309020205020404" pitchFamily="49" charset="0"/>
-            </a:endParaRPr>
-          </a:p>
-          <a:p>
-            <a:pPr marL="0" indent="0">
-              <a:buNone/>
-            </a:pPr>
-            <a:r>
-              <a:rPr lang="en-US" sz="1600" b="0" dirty="0" smtClean="0">
                 <a:latin typeface="Courier New" panose="02070309020205020404" pitchFamily="49" charset="0"/>
                 <a:cs typeface="Courier New" panose="02070309020205020404" pitchFamily="49" charset="0"/>
               </a:rPr>
@@ -22306,14 +23019,11 @@
           <a:lstStyle/>
           <a:p>
             <a:r>
-              <a:rPr lang="en-US" sz="2000" dirty="0" smtClean="0">
+              <a:rPr lang="en-US" sz="2000" dirty="0">
                 <a:latin typeface="+mn-lt"/>
               </a:rPr>
               <a:t>SQL analytical queries</a:t>
             </a:r>
-            <a:endParaRPr lang="en-US" sz="2000" dirty="0">
-              <a:latin typeface="+mn-lt"/>
-            </a:endParaRPr>
           </a:p>
         </p:txBody>
       </p:sp>
@@ -22362,26 +23072,9 @@
           <a:lstStyle/>
           <a:p>
             <a:r>
-              <a:rPr lang="en-US" sz="2000" dirty="0" smtClean="0"/>
-              <a:t>Data </a:t>
+              <a:rPr lang="en-US" sz="2000" dirty="0"/>
+              <a:t>Data integration workflows</a:t>
             </a:r>
-            <a:r>
-              <a:rPr lang="en-US" sz="2000" dirty="0"/>
-              <a:t>i</a:t>
-            </a:r>
-            <a:r>
-              <a:rPr lang="en-US" sz="2000" dirty="0" smtClean="0"/>
-              <a:t>ntegration </a:t>
-            </a:r>
-            <a:r>
-              <a:rPr lang="en-US" sz="2000" dirty="0"/>
-              <a:t>w</a:t>
-            </a:r>
-            <a:r>
-              <a:rPr lang="en-US" sz="2000" dirty="0" smtClean="0"/>
-              <a:t>orkflows</a:t>
-            </a:r>
-            <a:endParaRPr lang="en-US" sz="2000" dirty="0"/>
           </a:p>
         </p:txBody>
       </p:sp>
@@ -22408,10 +23101,9 @@
           <a:lstStyle/>
           <a:p>
             <a:r>
-              <a:rPr lang="en-US" sz="2000" dirty="0" smtClean="0"/>
+              <a:rPr lang="en-US" sz="2000" dirty="0"/>
               <a:t>Schema design</a:t>
             </a:r>
-            <a:endParaRPr lang="en-US" sz="2000" dirty="0"/>
           </a:p>
         </p:txBody>
       </p:sp>
@@ -22490,14 +23182,9 @@
           <a:lstStyle/>
           <a:p>
             <a:r>
-              <a:rPr lang="en-US" sz="2000" dirty="0" smtClean="0"/>
-              <a:t>Dashboard and </a:t>
+              <a:rPr lang="en-US" sz="2000" dirty="0"/>
+              <a:t>Dashboard and visualizations</a:t>
             </a:r>
-            <a:r>
-              <a:rPr lang="en-US" sz="2000" dirty="0" smtClean="0"/>
-              <a:t>visualizations</a:t>
-            </a:r>
-            <a:endParaRPr lang="en-US" sz="2000" dirty="0"/>
           </a:p>
         </p:txBody>
       </p:sp>
@@ -22830,10 +23517,9 @@
           <a:lstStyle/>
           <a:p>
             <a:r>
-              <a:rPr lang="en-US" dirty="0" smtClean="0"/>
+              <a:rPr lang="en-US" dirty="0"/>
               <a:t>Assignment Dependency</a:t>
             </a:r>
-            <a:endParaRPr lang="en-US" dirty="0"/>
           </a:p>
         </p:txBody>
       </p:sp>
@@ -22915,7 +23601,7 @@
               <a:tabLst/>
             </a:pPr>
             <a:r>
-              <a:rPr kumimoji="0" lang="en-US" sz="2400" b="0" i="0" u="none" strike="noStrike" cap="none" normalizeH="0" baseline="0" dirty="0" smtClean="0">
+              <a:rPr kumimoji="0" lang="en-US" sz="2400" b="0" i="0" u="none" strike="noStrike" cap="none" normalizeH="0" baseline="0" dirty="0">
                 <a:ln>
                   <a:noFill/>
                 </a:ln>
@@ -22930,7 +23616,7 @@
               <a:t>Standard</a:t>
             </a:r>
             <a:r>
-              <a:rPr kumimoji="0" lang="en-US" sz="2400" b="0" i="0" u="none" strike="noStrike" cap="none" normalizeH="0" dirty="0" smtClean="0">
+              <a:rPr kumimoji="0" lang="en-US" sz="2400" b="0" i="0" u="none" strike="noStrike" cap="none" normalizeH="0" dirty="0">
                 <a:ln>
                   <a:noFill/>
                 </a:ln>
@@ -22969,13 +23655,6 @@
   <p:clrMapOvr>
     <a:masterClrMapping/>
   </p:clrMapOvr>
-  <p:timing>
-    <p:tnLst>
-      <p:par>
-        <p:cTn id="1" dur="indefinite" restart="never" nodeType="tmRoot"/>
-      </p:par>
-    </p:tnLst>
-  </p:timing>
 </p:sld>
 </file>
 
@@ -23012,10 +23691,9 @@
           <a:lstStyle/>
           <a:p>
             <a:r>
-              <a:rPr lang="en-US" sz="3600" dirty="0" smtClean="0"/>
+              <a:rPr lang="en-US" sz="3600" dirty="0"/>
               <a:t>Tools</a:t>
             </a:r>
-            <a:endParaRPr lang="en-US" sz="3600" dirty="0"/>
           </a:p>
         </p:txBody>
       </p:sp>
@@ -23363,7 +24041,7 @@
           <a:p>
             <a:pPr eaLnBrk="1" hangingPunct="1"/>
             <a:r>
-              <a:rPr lang="en-US" altLang="en-US" dirty="0" smtClean="0"/>
+              <a:rPr lang="en-US" altLang="en-US" dirty="0"/>
               <a:t>Summary</a:t>
             </a:r>
           </a:p>
@@ -23391,43 +24069,43 @@
           <a:p>
             <a:pPr eaLnBrk="1" hangingPunct="1"/>
             <a:r>
-              <a:rPr lang="en-US" altLang="en-US" dirty="0" smtClean="0"/>
+              <a:rPr lang="en-US" altLang="en-US" dirty="0"/>
               <a:t>Integrate and extend concepts and skills</a:t>
             </a:r>
           </a:p>
           <a:p>
             <a:pPr eaLnBrk="1" hangingPunct="1"/>
             <a:r>
-              <a:rPr lang="en-US" altLang="en-US" dirty="0" smtClean="0"/>
+              <a:rPr lang="en-US" altLang="en-US" dirty="0"/>
               <a:t>Organized around realistic case study</a:t>
             </a:r>
           </a:p>
           <a:p>
             <a:pPr eaLnBrk="1" hangingPunct="1"/>
             <a:r>
-              <a:rPr lang="en-US" altLang="en-US" dirty="0" smtClean="0"/>
+              <a:rPr lang="en-US" altLang="en-US" dirty="0"/>
               <a:t>Assignments based on major parts of other courses</a:t>
             </a:r>
           </a:p>
           <a:p>
             <a:pPr eaLnBrk="1" hangingPunct="1"/>
             <a:r>
-              <a:rPr lang="en-US" altLang="en-US" dirty="0" smtClean="0"/>
+              <a:rPr lang="en-US" altLang="en-US" dirty="0"/>
               <a:t>Usage of Oracle server and client, Pentaho Data Integration, and </a:t>
             </a:r>
             <a:r>
-              <a:rPr lang="en-US" altLang="en-US" dirty="0" err="1" smtClean="0"/>
+              <a:rPr lang="en-US" altLang="en-US" dirty="0" err="1"/>
               <a:t>Microstrategy</a:t>
             </a:r>
             <a:r>
-              <a:rPr lang="en-US" altLang="en-US" dirty="0" smtClean="0"/>
+              <a:rPr lang="en-US" altLang="en-US" dirty="0"/>
               <a:t> Desktop</a:t>
             </a:r>
           </a:p>
           <a:p>
             <a:pPr eaLnBrk="1" hangingPunct="1"/>
             <a:r>
-              <a:rPr lang="en-US" altLang="en-US" dirty="0" smtClean="0"/>
+              <a:rPr lang="en-US" altLang="en-US" dirty="0"/>
               <a:t>Executive interviews for organizational perspectives</a:t>
             </a:r>
           </a:p>
